--- a/Week 2/Lectures/2.1 JavaScript- Basics.pptx
+++ b/Week 2/Lectures/2.1 JavaScript- Basics.pptx
@@ -1,59 +1,40 @@
 
 <file path=ppt/presentation.xml><?xml version="1.0" encoding="utf-8"?>
-<p:presentation xmlns:a="http://schemas.openxmlformats.org/drawingml/2006/main" xmlns:r="http://schemas.openxmlformats.org/officeDocument/2006/relationships" xmlns:mc="http://schemas.openxmlformats.org/markup-compatibility/2006" xmlns:mv="urn:schemas-microsoft-com:mac:vml" xmlns:p="http://schemas.openxmlformats.org/presentationml/2006/main" xmlns:c="http://schemas.openxmlformats.org/drawingml/2006/chart" xmlns:dgm="http://schemas.openxmlformats.org/drawingml/2006/diagram" xmlns:o="urn:schemas-microsoft-com:office:office" xmlns:v="urn:schemas-microsoft-com:vml" xmlns:pvml="urn:schemas-microsoft-com:office:powerpoint" xmlns:com="http://schemas.openxmlformats.org/drawingml/2006/compatibility" xmlns:p14="http://schemas.microsoft.com/office/powerpoint/2010/main" autoCompressPictures="0" embedTrueTypeFonts="1" strictFirstAndLastChars="0" saveSubsetFonts="1">
+<p:presentation xmlns:a="http://schemas.openxmlformats.org/drawingml/2006/main" xmlns:r="http://schemas.openxmlformats.org/officeDocument/2006/relationships" xmlns:p="http://schemas.openxmlformats.org/presentationml/2006/main" strictFirstAndLastChars="0" embedTrueTypeFonts="1" saveSubsetFonts="1" autoCompressPictures="0">
   <p:sldMasterIdLst>
-    <p:sldMasterId id="2147483659" r:id="rId3"/>
+    <p:sldMasterId id="2147483659" r:id="rId1"/>
   </p:sldMasterIdLst>
   <p:notesMasterIdLst>
-    <p:notesMasterId r:id="rId4"/>
+    <p:notesMasterId r:id="rId24"/>
   </p:notesMasterIdLst>
   <p:sldIdLst>
-    <p:sldId id="256" r:id="rId5"/>
-    <p:sldId id="257" r:id="rId6"/>
-    <p:sldId id="258" r:id="rId7"/>
-    <p:sldId id="259" r:id="rId8"/>
-    <p:sldId id="260" r:id="rId9"/>
-    <p:sldId id="261" r:id="rId10"/>
-    <p:sldId id="262" r:id="rId11"/>
-    <p:sldId id="263" r:id="rId12"/>
-    <p:sldId id="264" r:id="rId13"/>
-    <p:sldId id="265" r:id="rId14"/>
-    <p:sldId id="266" r:id="rId15"/>
-    <p:sldId id="267" r:id="rId16"/>
-    <p:sldId id="268" r:id="rId17"/>
-    <p:sldId id="269" r:id="rId18"/>
-    <p:sldId id="270" r:id="rId19"/>
-    <p:sldId id="271" r:id="rId20"/>
-    <p:sldId id="272" r:id="rId21"/>
-    <p:sldId id="273" r:id="rId22"/>
-    <p:sldId id="274" r:id="rId23"/>
-    <p:sldId id="275" r:id="rId24"/>
-    <p:sldId id="276" r:id="rId25"/>
-    <p:sldId id="277" r:id="rId26"/>
+    <p:sldId id="256" r:id="rId2"/>
+    <p:sldId id="257" r:id="rId3"/>
+    <p:sldId id="258" r:id="rId4"/>
+    <p:sldId id="259" r:id="rId5"/>
+    <p:sldId id="260" r:id="rId6"/>
+    <p:sldId id="261" r:id="rId7"/>
+    <p:sldId id="262" r:id="rId8"/>
+    <p:sldId id="263" r:id="rId9"/>
+    <p:sldId id="264" r:id="rId10"/>
+    <p:sldId id="265" r:id="rId11"/>
+    <p:sldId id="266" r:id="rId12"/>
+    <p:sldId id="267" r:id="rId13"/>
+    <p:sldId id="268" r:id="rId14"/>
+    <p:sldId id="269" r:id="rId15"/>
+    <p:sldId id="270" r:id="rId16"/>
+    <p:sldId id="271" r:id="rId17"/>
+    <p:sldId id="272" r:id="rId18"/>
+    <p:sldId id="273" r:id="rId19"/>
+    <p:sldId id="274" r:id="rId20"/>
+    <p:sldId id="275" r:id="rId21"/>
+    <p:sldId id="276" r:id="rId22"/>
+    <p:sldId id="277" r:id="rId23"/>
   </p:sldIdLst>
-  <p:sldSz cy="5143500" cx="9144000"/>
+  <p:sldSz cx="9144000" cy="5143500" type="screen16x9"/>
   <p:notesSz cx="6858000" cy="9144000"/>
-  <p:embeddedFontLst>
-    <p:embeddedFont>
-      <p:font typeface="PT Sans Narrow"/>
-      <p:regular r:id="rId27"/>
-      <p:bold r:id="rId28"/>
-    </p:embeddedFont>
-    <p:embeddedFont>
-      <p:font typeface="Source Code Pro"/>
-      <p:regular r:id="rId29"/>
-      <p:bold r:id="rId30"/>
-    </p:embeddedFont>
-    <p:embeddedFont>
-      <p:font typeface="Open Sans"/>
-      <p:regular r:id="rId31"/>
-      <p:bold r:id="rId32"/>
-      <p:italic r:id="rId33"/>
-      <p:boldItalic r:id="rId34"/>
-    </p:embeddedFont>
-  </p:embeddedFontLst>
   <p:defaultTextStyle>
-    <a:defPPr lvl="0" marR="0" rtl="0" algn="l">
+    <a:defPPr marR="0" lvl="0" algn="l" rtl="0">
       <a:lnSpc>
         <a:spcPct val="100000"/>
       </a:lnSpc>
@@ -64,7 +45,7 @@
         <a:spcPts val="0"/>
       </a:spcAft>
     </a:defPPr>
-    <a:lvl1pPr lvl="0" marR="0" rtl="0" algn="l">
+    <a:lvl1pPr marR="0" lvl="0" algn="l" rtl="0">
       <a:lnSpc>
         <a:spcPct val="100000"/>
       </a:lnSpc>
@@ -75,7 +56,7 @@
         <a:spcPts val="0"/>
       </a:spcAft>
       <a:buNone/>
-      <a:defRPr b="0" i="0" sz="1400" u="none" cap="none" strike="noStrike">
+      <a:defRPr sz="1400" b="0" i="0" u="none" strike="noStrike" cap="none">
         <a:solidFill>
           <a:srgbClr val="000000"/>
         </a:solidFill>
@@ -85,7 +66,7 @@
         <a:sym typeface="Arial"/>
       </a:defRPr>
     </a:lvl1pPr>
-    <a:lvl2pPr lvl="1" marR="0" rtl="0" algn="l">
+    <a:lvl2pPr marR="0" lvl="1" algn="l" rtl="0">
       <a:lnSpc>
         <a:spcPct val="100000"/>
       </a:lnSpc>
@@ -96,7 +77,7 @@
         <a:spcPts val="0"/>
       </a:spcAft>
       <a:buNone/>
-      <a:defRPr b="0" i="0" sz="1400" u="none" cap="none" strike="noStrike">
+      <a:defRPr sz="1400" b="0" i="0" u="none" strike="noStrike" cap="none">
         <a:solidFill>
           <a:srgbClr val="000000"/>
         </a:solidFill>
@@ -106,7 +87,7 @@
         <a:sym typeface="Arial"/>
       </a:defRPr>
     </a:lvl2pPr>
-    <a:lvl3pPr lvl="2" marR="0" rtl="0" algn="l">
+    <a:lvl3pPr marR="0" lvl="2" algn="l" rtl="0">
       <a:lnSpc>
         <a:spcPct val="100000"/>
       </a:lnSpc>
@@ -117,7 +98,7 @@
         <a:spcPts val="0"/>
       </a:spcAft>
       <a:buNone/>
-      <a:defRPr b="0" i="0" sz="1400" u="none" cap="none" strike="noStrike">
+      <a:defRPr sz="1400" b="0" i="0" u="none" strike="noStrike" cap="none">
         <a:solidFill>
           <a:srgbClr val="000000"/>
         </a:solidFill>
@@ -127,7 +108,7 @@
         <a:sym typeface="Arial"/>
       </a:defRPr>
     </a:lvl3pPr>
-    <a:lvl4pPr lvl="3" marR="0" rtl="0" algn="l">
+    <a:lvl4pPr marR="0" lvl="3" algn="l" rtl="0">
       <a:lnSpc>
         <a:spcPct val="100000"/>
       </a:lnSpc>
@@ -138,7 +119,7 @@
         <a:spcPts val="0"/>
       </a:spcAft>
       <a:buNone/>
-      <a:defRPr b="0" i="0" sz="1400" u="none" cap="none" strike="noStrike">
+      <a:defRPr sz="1400" b="0" i="0" u="none" strike="noStrike" cap="none">
         <a:solidFill>
           <a:srgbClr val="000000"/>
         </a:solidFill>
@@ -148,7 +129,7 @@
         <a:sym typeface="Arial"/>
       </a:defRPr>
     </a:lvl4pPr>
-    <a:lvl5pPr lvl="4" marR="0" rtl="0" algn="l">
+    <a:lvl5pPr marR="0" lvl="4" algn="l" rtl="0">
       <a:lnSpc>
         <a:spcPct val="100000"/>
       </a:lnSpc>
@@ -159,7 +140,7 @@
         <a:spcPts val="0"/>
       </a:spcAft>
       <a:buNone/>
-      <a:defRPr b="0" i="0" sz="1400" u="none" cap="none" strike="noStrike">
+      <a:defRPr sz="1400" b="0" i="0" u="none" strike="noStrike" cap="none">
         <a:solidFill>
           <a:srgbClr val="000000"/>
         </a:solidFill>
@@ -169,7 +150,7 @@
         <a:sym typeface="Arial"/>
       </a:defRPr>
     </a:lvl5pPr>
-    <a:lvl6pPr lvl="5" marR="0" rtl="0" algn="l">
+    <a:lvl6pPr marR="0" lvl="5" algn="l" rtl="0">
       <a:lnSpc>
         <a:spcPct val="100000"/>
       </a:lnSpc>
@@ -180,7 +161,7 @@
         <a:spcPts val="0"/>
       </a:spcAft>
       <a:buNone/>
-      <a:defRPr b="0" i="0" sz="1400" u="none" cap="none" strike="noStrike">
+      <a:defRPr sz="1400" b="0" i="0" u="none" strike="noStrike" cap="none">
         <a:solidFill>
           <a:srgbClr val="000000"/>
         </a:solidFill>
@@ -190,7 +171,7 @@
         <a:sym typeface="Arial"/>
       </a:defRPr>
     </a:lvl6pPr>
-    <a:lvl7pPr lvl="6" marR="0" rtl="0" algn="l">
+    <a:lvl7pPr marR="0" lvl="6" algn="l" rtl="0">
       <a:lnSpc>
         <a:spcPct val="100000"/>
       </a:lnSpc>
@@ -201,7 +182,7 @@
         <a:spcPts val="0"/>
       </a:spcAft>
       <a:buNone/>
-      <a:defRPr b="0" i="0" sz="1400" u="none" cap="none" strike="noStrike">
+      <a:defRPr sz="1400" b="0" i="0" u="none" strike="noStrike" cap="none">
         <a:solidFill>
           <a:srgbClr val="000000"/>
         </a:solidFill>
@@ -211,7 +192,7 @@
         <a:sym typeface="Arial"/>
       </a:defRPr>
     </a:lvl7pPr>
-    <a:lvl8pPr lvl="7" marR="0" rtl="0" algn="l">
+    <a:lvl8pPr marR="0" lvl="7" algn="l" rtl="0">
       <a:lnSpc>
         <a:spcPct val="100000"/>
       </a:lnSpc>
@@ -222,7 +203,7 @@
         <a:spcPts val="0"/>
       </a:spcAft>
       <a:buNone/>
-      <a:defRPr b="0" i="0" sz="1400" u="none" cap="none" strike="noStrike">
+      <a:defRPr sz="1400" b="0" i="0" u="none" strike="noStrike" cap="none">
         <a:solidFill>
           <a:srgbClr val="000000"/>
         </a:solidFill>
@@ -232,7 +213,7 @@
         <a:sym typeface="Arial"/>
       </a:defRPr>
     </a:lvl8pPr>
-    <a:lvl9pPr lvl="8" marR="0" rtl="0" algn="l">
+    <a:lvl9pPr marR="0" lvl="8" algn="l" rtl="0">
       <a:lnSpc>
         <a:spcPct val="100000"/>
       </a:lnSpc>
@@ -243,7 +224,7 @@
         <a:spcPts val="0"/>
       </a:spcAft>
       <a:buNone/>
-      <a:defRPr b="0" i="0" sz="1400" u="none" cap="none" strike="noStrike">
+      <a:defRPr sz="1400" b="0" i="0" u="none" strike="noStrike" cap="none">
         <a:solidFill>
           <a:srgbClr val="000000"/>
         </a:solidFill>
@@ -258,11 +239,16 @@
 </file>
 
 <file path=ppt/notesMasters/notesMaster1.xml><?xml version="1.0" encoding="utf-8"?>
-<p:notesMaster xmlns:a="http://schemas.openxmlformats.org/drawingml/2006/main" xmlns:r="http://schemas.openxmlformats.org/officeDocument/2006/relationships" xmlns:mc="http://schemas.openxmlformats.org/markup-compatibility/2006" xmlns:mv="urn:schemas-microsoft-com:mac:vml" xmlns:p="http://schemas.openxmlformats.org/presentationml/2006/main" xmlns:c="http://schemas.openxmlformats.org/drawingml/2006/chart" xmlns:dgm="http://schemas.openxmlformats.org/drawingml/2006/diagram" xmlns:o="urn:schemas-microsoft-com:office:office" xmlns:v="urn:schemas-microsoft-com:vml" xmlns:pvml="urn:schemas-microsoft-com:office:powerpoint" xmlns:com="http://schemas.openxmlformats.org/drawingml/2006/compatibility" xmlns:p14="http://schemas.microsoft.com/office/powerpoint/2010/main">
+<p:notesMaster xmlns:a="http://schemas.openxmlformats.org/drawingml/2006/main" xmlns:r="http://schemas.openxmlformats.org/officeDocument/2006/relationships" xmlns:p="http://schemas.openxmlformats.org/presentationml/2006/main">
   <p:cSld>
+    <p:bg>
+      <p:bgRef idx="1001">
+        <a:schemeClr val="bg1"/>
+      </p:bgRef>
+    </p:bg>
     <p:spTree>
       <p:nvGrpSpPr>
-        <p:cNvPr id="2" name="Shape 2"/>
+        <p:cNvPr id="1" name="Shape 2"/>
         <p:cNvGrpSpPr/>
         <p:nvPr/>
       </p:nvGrpSpPr>
@@ -277,9 +263,11 @@
       <p:sp>
         <p:nvSpPr>
           <p:cNvPr id="3" name="Shape 3"/>
-          <p:cNvSpPr/>
+          <p:cNvSpPr>
+            <a:spLocks noGrp="1" noRot="1" noChangeAspect="1"/>
+          </p:cNvSpPr>
           <p:nvPr>
-            <p:ph idx="2" type="sldImg"/>
+            <p:ph type="sldImg" idx="2"/>
           </p:nvPr>
         </p:nvSpPr>
         <p:spPr>
@@ -288,8 +276,13 @@
             <a:ext cx="6096075" cy="3429000"/>
           </a:xfrm>
           <a:custGeom>
+            <a:avLst/>
+            <a:gdLst/>
+            <a:ahLst/>
+            <a:cxnLst/>
+            <a:rect l="0" t="0" r="0" b="0"/>
             <a:pathLst>
-              <a:path extrusionOk="0" h="120000" w="120000">
+              <a:path w="120000" h="120000" extrusionOk="0">
                 <a:moveTo>
                   <a:pt x="0" y="0"/>
                 </a:moveTo>
@@ -307,23 +300,25 @@
             </a:pathLst>
           </a:custGeom>
           <a:noFill/>
-          <a:ln cap="flat" cmpd="sng" w="9525">
+          <a:ln w="9525" cap="flat" cmpd="sng">
             <a:solidFill>
               <a:srgbClr val="000000"/>
             </a:solidFill>
             <a:prstDash val="solid"/>
             <a:round/>
-            <a:headEnd len="med" w="med" type="none"/>
-            <a:tailEnd len="med" w="med" type="none"/>
+            <a:headEnd type="none" w="med" len="med"/>
+            <a:tailEnd type="none" w="med" len="med"/>
           </a:ln>
         </p:spPr>
       </p:sp>
       <p:sp>
         <p:nvSpPr>
           <p:cNvPr id="4" name="Shape 4"/>
-          <p:cNvSpPr txBox="1"/>
+          <p:cNvSpPr txBox="1">
+            <a:spLocks noGrp="1"/>
+          </p:cNvSpPr>
           <p:nvPr>
-            <p:ph idx="1" type="body"/>
+            <p:ph type="body" idx="1"/>
           </p:nvPr>
         </p:nvSpPr>
         <p:spPr>
@@ -340,7 +335,7 @@
           </a:ln>
         </p:spPr>
         <p:txBody>
-          <a:bodyPr anchorCtr="0" anchor="t" bIns="91425" lIns="91425" rIns="91425" tIns="91425"/>
+          <a:bodyPr lIns="91425" tIns="91425" rIns="91425" bIns="91425" anchor="t" anchorCtr="0"/>
           <a:lstStyle>
             <a:lvl1pPr lvl="0">
               <a:spcBef>
@@ -397,21 +392,120 @@
               <a:defRPr sz="1100"/>
             </a:lvl9pPr>
           </a:lstStyle>
-          <a:p/>
+          <a:p>
+            <a:endParaRPr/>
+          </a:p>
         </p:txBody>
       </p:sp>
     </p:spTree>
+    <p:extLst>
+      <p:ext uri="{BB962C8B-B14F-4D97-AF65-F5344CB8AC3E}">
+        <p14:creationId xmlns:p14="http://schemas.microsoft.com/office/powerpoint/2010/main" val="725329191"/>
+      </p:ext>
+    </p:extLst>
   </p:cSld>
-  <p:clrMap accent1="accent1" accent2="accent2" accent3="accent3" accent4="accent4" accent5="accent5" accent6="accent6" bg1="lt1" bg2="dk2" tx1="dk1" tx2="lt2" folHlink="folHlink" hlink="hlink"/>
+  <p:clrMap bg1="lt1" tx1="dk1" bg2="dk2" tx2="lt2" accent1="accent1" accent2="accent2" accent3="accent3" accent4="accent4" accent5="accent5" accent6="accent6" hlink="hlink" folHlink="folHlink"/>
+  <p:notesStyle>
+    <a:lvl1pPr marL="0" algn="l" defTabSz="457200" rtl="0" eaLnBrk="1" latinLnBrk="0" hangingPunct="1">
+      <a:defRPr sz="1200" kern="1200">
+        <a:solidFill>
+          <a:schemeClr val="tx1"/>
+        </a:solidFill>
+        <a:latin typeface="+mn-lt"/>
+        <a:ea typeface="+mn-ea"/>
+        <a:cs typeface="+mn-cs"/>
+      </a:defRPr>
+    </a:lvl1pPr>
+    <a:lvl2pPr marL="457200" algn="l" defTabSz="457200" rtl="0" eaLnBrk="1" latinLnBrk="0" hangingPunct="1">
+      <a:defRPr sz="1200" kern="1200">
+        <a:solidFill>
+          <a:schemeClr val="tx1"/>
+        </a:solidFill>
+        <a:latin typeface="+mn-lt"/>
+        <a:ea typeface="+mn-ea"/>
+        <a:cs typeface="+mn-cs"/>
+      </a:defRPr>
+    </a:lvl2pPr>
+    <a:lvl3pPr marL="914400" algn="l" defTabSz="457200" rtl="0" eaLnBrk="1" latinLnBrk="0" hangingPunct="1">
+      <a:defRPr sz="1200" kern="1200">
+        <a:solidFill>
+          <a:schemeClr val="tx1"/>
+        </a:solidFill>
+        <a:latin typeface="+mn-lt"/>
+        <a:ea typeface="+mn-ea"/>
+        <a:cs typeface="+mn-cs"/>
+      </a:defRPr>
+    </a:lvl3pPr>
+    <a:lvl4pPr marL="1371600" algn="l" defTabSz="457200" rtl="0" eaLnBrk="1" latinLnBrk="0" hangingPunct="1">
+      <a:defRPr sz="1200" kern="1200">
+        <a:solidFill>
+          <a:schemeClr val="tx1"/>
+        </a:solidFill>
+        <a:latin typeface="+mn-lt"/>
+        <a:ea typeface="+mn-ea"/>
+        <a:cs typeface="+mn-cs"/>
+      </a:defRPr>
+    </a:lvl4pPr>
+    <a:lvl5pPr marL="1828800" algn="l" defTabSz="457200" rtl="0" eaLnBrk="1" latinLnBrk="0" hangingPunct="1">
+      <a:defRPr sz="1200" kern="1200">
+        <a:solidFill>
+          <a:schemeClr val="tx1"/>
+        </a:solidFill>
+        <a:latin typeface="+mn-lt"/>
+        <a:ea typeface="+mn-ea"/>
+        <a:cs typeface="+mn-cs"/>
+      </a:defRPr>
+    </a:lvl5pPr>
+    <a:lvl6pPr marL="2286000" algn="l" defTabSz="457200" rtl="0" eaLnBrk="1" latinLnBrk="0" hangingPunct="1">
+      <a:defRPr sz="1200" kern="1200">
+        <a:solidFill>
+          <a:schemeClr val="tx1"/>
+        </a:solidFill>
+        <a:latin typeface="+mn-lt"/>
+        <a:ea typeface="+mn-ea"/>
+        <a:cs typeface="+mn-cs"/>
+      </a:defRPr>
+    </a:lvl6pPr>
+    <a:lvl7pPr marL="2743200" algn="l" defTabSz="457200" rtl="0" eaLnBrk="1" latinLnBrk="0" hangingPunct="1">
+      <a:defRPr sz="1200" kern="1200">
+        <a:solidFill>
+          <a:schemeClr val="tx1"/>
+        </a:solidFill>
+        <a:latin typeface="+mn-lt"/>
+        <a:ea typeface="+mn-ea"/>
+        <a:cs typeface="+mn-cs"/>
+      </a:defRPr>
+    </a:lvl7pPr>
+    <a:lvl8pPr marL="3200400" algn="l" defTabSz="457200" rtl="0" eaLnBrk="1" latinLnBrk="0" hangingPunct="1">
+      <a:defRPr sz="1200" kern="1200">
+        <a:solidFill>
+          <a:schemeClr val="tx1"/>
+        </a:solidFill>
+        <a:latin typeface="+mn-lt"/>
+        <a:ea typeface="+mn-ea"/>
+        <a:cs typeface="+mn-cs"/>
+      </a:defRPr>
+    </a:lvl8pPr>
+    <a:lvl9pPr marL="3657600" algn="l" defTabSz="457200" rtl="0" eaLnBrk="1" latinLnBrk="0" hangingPunct="1">
+      <a:defRPr sz="1200" kern="1200">
+        <a:solidFill>
+          <a:schemeClr val="tx1"/>
+        </a:solidFill>
+        <a:latin typeface="+mn-lt"/>
+        <a:ea typeface="+mn-ea"/>
+        <a:cs typeface="+mn-cs"/>
+      </a:defRPr>
+    </a:lvl9pPr>
+  </p:notesStyle>
 </p:notesMaster>
 </file>
 
 <file path=ppt/notesSlides/notesSlide1.xml><?xml version="1.0" encoding="utf-8"?>
-<p:notes xmlns:a="http://schemas.openxmlformats.org/drawingml/2006/main" xmlns:r="http://schemas.openxmlformats.org/officeDocument/2006/relationships" xmlns:mc="http://schemas.openxmlformats.org/markup-compatibility/2006" xmlns:mv="urn:schemas-microsoft-com:mac:vml" xmlns:p="http://schemas.openxmlformats.org/presentationml/2006/main" xmlns:c="http://schemas.openxmlformats.org/drawingml/2006/chart" xmlns:dgm="http://schemas.openxmlformats.org/drawingml/2006/diagram" xmlns:o="urn:schemas-microsoft-com:office:office" xmlns:v="urn:schemas-microsoft-com:vml" xmlns:pvml="urn:schemas-microsoft-com:office:powerpoint" xmlns:com="http://schemas.openxmlformats.org/drawingml/2006/compatibility" xmlns:p14="http://schemas.microsoft.com/office/powerpoint/2010/main" showMasterPhAnim="0" showMasterSp="0">
+<p:notes xmlns:a="http://schemas.openxmlformats.org/drawingml/2006/main" xmlns:r="http://schemas.openxmlformats.org/officeDocument/2006/relationships" xmlns:p="http://schemas.openxmlformats.org/presentationml/2006/main" showMasterSp="0" showMasterPhAnim="0">
   <p:cSld>
     <p:spTree>
       <p:nvGrpSpPr>
-        <p:cNvPr id="62" name="Shape 62"/>
+        <p:cNvPr id="1" name="Shape 62"/>
         <p:cNvGrpSpPr/>
         <p:nvPr/>
       </p:nvGrpSpPr>
@@ -426,9 +520,11 @@
       <p:sp>
         <p:nvSpPr>
           <p:cNvPr id="63" name="Shape 63"/>
-          <p:cNvSpPr/>
+          <p:cNvSpPr>
+            <a:spLocks noGrp="1" noRot="1" noChangeAspect="1"/>
+          </p:cNvSpPr>
           <p:nvPr>
-            <p:ph idx="2" type="sldImg"/>
+            <p:ph type="sldImg" idx="2"/>
           </p:nvPr>
         </p:nvSpPr>
         <p:spPr>
@@ -437,8 +533,13 @@
             <a:ext cx="6096075" cy="3429000"/>
           </a:xfrm>
           <a:custGeom>
+            <a:avLst/>
+            <a:gdLst/>
+            <a:ahLst/>
+            <a:cxnLst/>
+            <a:rect l="0" t="0" r="0" b="0"/>
             <a:pathLst>
-              <a:path extrusionOk="0" h="120000" w="120000">
+              <a:path w="120000" h="120000" extrusionOk="0">
                 <a:moveTo>
                   <a:pt x="0" y="0"/>
                 </a:moveTo>
@@ -460,9 +561,11 @@
       <p:sp>
         <p:nvSpPr>
           <p:cNvPr id="64" name="Shape 64"/>
-          <p:cNvSpPr txBox="1"/>
+          <p:cNvSpPr txBox="1">
+            <a:spLocks noGrp="1"/>
+          </p:cNvSpPr>
           <p:nvPr>
-            <p:ph idx="1" type="body"/>
+            <p:ph type="body" idx="1"/>
           </p:nvPr>
         </p:nvSpPr>
         <p:spPr>
@@ -475,7 +578,7 @@
           </a:prstGeom>
         </p:spPr>
         <p:txBody>
-          <a:bodyPr anchorCtr="0" anchor="t" bIns="91425" lIns="91425" rIns="91425" tIns="91425">
+          <a:bodyPr lIns="91425" tIns="91425" rIns="91425" bIns="91425" anchor="t" anchorCtr="0">
             <a:noAutofit/>
           </a:bodyPr>
           <a:lstStyle/>
@@ -486,9 +589,6 @@
               </a:spcBef>
               <a:buNone/>
             </a:pPr>
-            <a:r>
-              <a:t/>
-            </a:r>
             <a:endParaRPr/>
           </a:p>
         </p:txBody>
@@ -502,11 +602,11 @@
 </file>
 
 <file path=ppt/notesSlides/notesSlide10.xml><?xml version="1.0" encoding="utf-8"?>
-<p:notes xmlns:a="http://schemas.openxmlformats.org/drawingml/2006/main" xmlns:r="http://schemas.openxmlformats.org/officeDocument/2006/relationships" xmlns:mc="http://schemas.openxmlformats.org/markup-compatibility/2006" xmlns:mv="urn:schemas-microsoft-com:mac:vml" xmlns:p="http://schemas.openxmlformats.org/presentationml/2006/main" xmlns:c="http://schemas.openxmlformats.org/drawingml/2006/chart" xmlns:dgm="http://schemas.openxmlformats.org/drawingml/2006/diagram" xmlns:o="urn:schemas-microsoft-com:office:office" xmlns:v="urn:schemas-microsoft-com:vml" xmlns:pvml="urn:schemas-microsoft-com:office:powerpoint" xmlns:com="http://schemas.openxmlformats.org/drawingml/2006/compatibility" xmlns:p14="http://schemas.microsoft.com/office/powerpoint/2010/main" showMasterPhAnim="0" showMasterSp="0">
+<p:notes xmlns:a="http://schemas.openxmlformats.org/drawingml/2006/main" xmlns:r="http://schemas.openxmlformats.org/officeDocument/2006/relationships" xmlns:p="http://schemas.openxmlformats.org/presentationml/2006/main" showMasterSp="0" showMasterPhAnim="0">
   <p:cSld>
     <p:spTree>
       <p:nvGrpSpPr>
-        <p:cNvPr id="117" name="Shape 117"/>
+        <p:cNvPr id="1" name="Shape 117"/>
         <p:cNvGrpSpPr/>
         <p:nvPr/>
       </p:nvGrpSpPr>
@@ -521,9 +621,11 @@
       <p:sp>
         <p:nvSpPr>
           <p:cNvPr id="118" name="Shape 118"/>
-          <p:cNvSpPr/>
+          <p:cNvSpPr>
+            <a:spLocks noGrp="1" noRot="1" noChangeAspect="1"/>
+          </p:cNvSpPr>
           <p:nvPr>
-            <p:ph idx="2" type="sldImg"/>
+            <p:ph type="sldImg" idx="2"/>
           </p:nvPr>
         </p:nvSpPr>
         <p:spPr>
@@ -532,8 +634,13 @@
             <a:ext cx="6096000" cy="3429000"/>
           </a:xfrm>
           <a:custGeom>
+            <a:avLst/>
+            <a:gdLst/>
+            <a:ahLst/>
+            <a:cxnLst/>
+            <a:rect l="0" t="0" r="0" b="0"/>
             <a:pathLst>
-              <a:path extrusionOk="0" h="120000" w="120000">
+              <a:path w="120000" h="120000" extrusionOk="0">
                 <a:moveTo>
                   <a:pt x="0" y="0"/>
                 </a:moveTo>
@@ -555,9 +662,11 @@
       <p:sp>
         <p:nvSpPr>
           <p:cNvPr id="119" name="Shape 119"/>
-          <p:cNvSpPr txBox="1"/>
+          <p:cNvSpPr txBox="1">
+            <a:spLocks noGrp="1"/>
+          </p:cNvSpPr>
           <p:nvPr>
-            <p:ph idx="1" type="body"/>
+            <p:ph type="body" idx="1"/>
           </p:nvPr>
         </p:nvSpPr>
         <p:spPr>
@@ -570,7 +679,7 @@
           </a:prstGeom>
         </p:spPr>
         <p:txBody>
-          <a:bodyPr anchorCtr="0" anchor="t" bIns="91425" lIns="91425" rIns="91425" tIns="91425">
+          <a:bodyPr lIns="91425" tIns="91425" rIns="91425" bIns="91425" anchor="t" anchorCtr="0">
             <a:noAutofit/>
           </a:bodyPr>
           <a:lstStyle/>
@@ -581,9 +690,6 @@
               </a:spcBef>
               <a:buNone/>
             </a:pPr>
-            <a:r>
-              <a:t/>
-            </a:r>
             <a:endParaRPr/>
           </a:p>
         </p:txBody>
@@ -597,11 +703,11 @@
 </file>
 
 <file path=ppt/notesSlides/notesSlide11.xml><?xml version="1.0" encoding="utf-8"?>
-<p:notes xmlns:a="http://schemas.openxmlformats.org/drawingml/2006/main" xmlns:r="http://schemas.openxmlformats.org/officeDocument/2006/relationships" xmlns:mc="http://schemas.openxmlformats.org/markup-compatibility/2006" xmlns:mv="urn:schemas-microsoft-com:mac:vml" xmlns:p="http://schemas.openxmlformats.org/presentationml/2006/main" xmlns:c="http://schemas.openxmlformats.org/drawingml/2006/chart" xmlns:dgm="http://schemas.openxmlformats.org/drawingml/2006/diagram" xmlns:o="urn:schemas-microsoft-com:office:office" xmlns:v="urn:schemas-microsoft-com:vml" xmlns:pvml="urn:schemas-microsoft-com:office:powerpoint" xmlns:com="http://schemas.openxmlformats.org/drawingml/2006/compatibility" xmlns:p14="http://schemas.microsoft.com/office/powerpoint/2010/main" showMasterPhAnim="0" showMasterSp="0">
+<p:notes xmlns:a="http://schemas.openxmlformats.org/drawingml/2006/main" xmlns:r="http://schemas.openxmlformats.org/officeDocument/2006/relationships" xmlns:p="http://schemas.openxmlformats.org/presentationml/2006/main" showMasterSp="0" showMasterPhAnim="0">
   <p:cSld>
     <p:spTree>
       <p:nvGrpSpPr>
-        <p:cNvPr id="123" name="Shape 123"/>
+        <p:cNvPr id="1" name="Shape 123"/>
         <p:cNvGrpSpPr/>
         <p:nvPr/>
       </p:nvGrpSpPr>
@@ -616,9 +722,11 @@
       <p:sp>
         <p:nvSpPr>
           <p:cNvPr id="124" name="Shape 124"/>
-          <p:cNvSpPr/>
+          <p:cNvSpPr>
+            <a:spLocks noGrp="1" noRot="1" noChangeAspect="1"/>
+          </p:cNvSpPr>
           <p:nvPr>
-            <p:ph idx="2" type="sldImg"/>
+            <p:ph type="sldImg" idx="2"/>
           </p:nvPr>
         </p:nvSpPr>
         <p:spPr>
@@ -627,8 +735,13 @@
             <a:ext cx="6096000" cy="3429000"/>
           </a:xfrm>
           <a:custGeom>
+            <a:avLst/>
+            <a:gdLst/>
+            <a:ahLst/>
+            <a:cxnLst/>
+            <a:rect l="0" t="0" r="0" b="0"/>
             <a:pathLst>
-              <a:path extrusionOk="0" h="120000" w="120000">
+              <a:path w="120000" h="120000" extrusionOk="0">
                 <a:moveTo>
                   <a:pt x="0" y="0"/>
                 </a:moveTo>
@@ -650,9 +763,11 @@
       <p:sp>
         <p:nvSpPr>
           <p:cNvPr id="125" name="Shape 125"/>
-          <p:cNvSpPr txBox="1"/>
+          <p:cNvSpPr txBox="1">
+            <a:spLocks noGrp="1"/>
+          </p:cNvSpPr>
           <p:nvPr>
-            <p:ph idx="1" type="body"/>
+            <p:ph type="body" idx="1"/>
           </p:nvPr>
         </p:nvSpPr>
         <p:spPr>
@@ -665,7 +780,7 @@
           </a:prstGeom>
         </p:spPr>
         <p:txBody>
-          <a:bodyPr anchorCtr="0" anchor="t" bIns="91425" lIns="91425" rIns="91425" tIns="91425">
+          <a:bodyPr lIns="91425" tIns="91425" rIns="91425" bIns="91425" anchor="t" anchorCtr="0">
             <a:noAutofit/>
           </a:bodyPr>
           <a:lstStyle/>
@@ -689,7 +804,7 @@
               <a:t>In JavaScript, the thing called </a:t>
             </a:r>
             <a:r>
-              <a:rPr b="1" lang="en" sz="1150">
+              <a:rPr lang="en" sz="1150" b="1">
                 <a:highlight>
                   <a:srgbClr val="FFFFFF"/>
                 </a:highlight>
@@ -733,7 +848,7 @@
               <a:t>The value of </a:t>
             </a:r>
             <a:r>
-              <a:rPr b="1" lang="en" sz="1150">
+              <a:rPr lang="en" sz="1150" b="1">
                 <a:highlight>
                   <a:srgbClr val="FFFFFF"/>
                 </a:highlight>
@@ -777,7 +892,7 @@
               <a:t>The value of </a:t>
             </a:r>
             <a:r>
-              <a:rPr b="1" lang="en" sz="1150">
+              <a:rPr lang="en" sz="1150" b="1">
                 <a:highlight>
                   <a:srgbClr val="FFFFFF"/>
                 </a:highlight>
@@ -821,7 +936,7 @@
               <a:t>The </a:t>
             </a:r>
             <a:r>
-              <a:rPr b="1" lang="en" sz="1150">
+              <a:rPr lang="en" sz="1150" b="1">
                 <a:highlight>
                   <a:srgbClr val="FFFFFF"/>
                 </a:highlight>
@@ -865,7 +980,7 @@
               <a:t>The value of </a:t>
             </a:r>
             <a:r>
-              <a:rPr b="1" lang="en" sz="1150">
+              <a:rPr lang="en" sz="1150" b="1">
                 <a:highlight>
                   <a:srgbClr val="FFFFFF"/>
                 </a:highlight>
@@ -909,7 +1024,7 @@
               <a:t>Note that </a:t>
             </a:r>
             <a:r>
-              <a:rPr b="1" lang="en" sz="1150">
+              <a:rPr lang="en" sz="1150" b="1">
                 <a:highlight>
                   <a:srgbClr val="FFFFCC"/>
                 </a:highlight>
@@ -933,7 +1048,7 @@
               <a:t> is not a variable. It is a keyword. You cannot change the value of </a:t>
             </a:r>
             <a:r>
-              <a:rPr b="1" lang="en" sz="1150">
+              <a:rPr lang="en" sz="1150" b="1">
                 <a:highlight>
                   <a:srgbClr val="FFFFCC"/>
                 </a:highlight>
@@ -964,9 +1079,6 @@
               </a:spcBef>
               <a:buNone/>
             </a:pPr>
-            <a:r>
-              <a:t/>
-            </a:r>
             <a:endParaRPr/>
           </a:p>
         </p:txBody>
@@ -980,11 +1092,11 @@
 </file>
 
 <file path=ppt/notesSlides/notesSlide12.xml><?xml version="1.0" encoding="utf-8"?>
-<p:notes xmlns:a="http://schemas.openxmlformats.org/drawingml/2006/main" xmlns:r="http://schemas.openxmlformats.org/officeDocument/2006/relationships" xmlns:mc="http://schemas.openxmlformats.org/markup-compatibility/2006" xmlns:mv="urn:schemas-microsoft-com:mac:vml" xmlns:p="http://schemas.openxmlformats.org/presentationml/2006/main" xmlns:c="http://schemas.openxmlformats.org/drawingml/2006/chart" xmlns:dgm="http://schemas.openxmlformats.org/drawingml/2006/diagram" xmlns:o="urn:schemas-microsoft-com:office:office" xmlns:v="urn:schemas-microsoft-com:vml" xmlns:pvml="urn:schemas-microsoft-com:office:powerpoint" xmlns:com="http://schemas.openxmlformats.org/drawingml/2006/compatibility" xmlns:p14="http://schemas.microsoft.com/office/powerpoint/2010/main" showMasterPhAnim="0" showMasterSp="0">
+<p:notes xmlns:a="http://schemas.openxmlformats.org/drawingml/2006/main" xmlns:r="http://schemas.openxmlformats.org/officeDocument/2006/relationships" xmlns:p="http://schemas.openxmlformats.org/presentationml/2006/main" showMasterSp="0" showMasterPhAnim="0">
   <p:cSld>
     <p:spTree>
       <p:nvGrpSpPr>
-        <p:cNvPr id="129" name="Shape 129"/>
+        <p:cNvPr id="1" name="Shape 129"/>
         <p:cNvGrpSpPr/>
         <p:nvPr/>
       </p:nvGrpSpPr>
@@ -999,9 +1111,11 @@
       <p:sp>
         <p:nvSpPr>
           <p:cNvPr id="130" name="Shape 130"/>
-          <p:cNvSpPr/>
+          <p:cNvSpPr>
+            <a:spLocks noGrp="1" noRot="1" noChangeAspect="1"/>
+          </p:cNvSpPr>
           <p:nvPr>
-            <p:ph idx="2" type="sldImg"/>
+            <p:ph type="sldImg" idx="2"/>
           </p:nvPr>
         </p:nvSpPr>
         <p:spPr>
@@ -1010,8 +1124,13 @@
             <a:ext cx="6096000" cy="3429000"/>
           </a:xfrm>
           <a:custGeom>
+            <a:avLst/>
+            <a:gdLst/>
+            <a:ahLst/>
+            <a:cxnLst/>
+            <a:rect l="0" t="0" r="0" b="0"/>
             <a:pathLst>
-              <a:path extrusionOk="0" h="120000" w="120000">
+              <a:path w="120000" h="120000" extrusionOk="0">
                 <a:moveTo>
                   <a:pt x="0" y="0"/>
                 </a:moveTo>
@@ -1033,9 +1152,11 @@
       <p:sp>
         <p:nvSpPr>
           <p:cNvPr id="131" name="Shape 131"/>
-          <p:cNvSpPr txBox="1"/>
+          <p:cNvSpPr txBox="1">
+            <a:spLocks noGrp="1"/>
+          </p:cNvSpPr>
           <p:nvPr>
-            <p:ph idx="1" type="body"/>
+            <p:ph type="body" idx="1"/>
           </p:nvPr>
         </p:nvSpPr>
         <p:spPr>
@@ -1048,7 +1169,7 @@
           </a:prstGeom>
         </p:spPr>
         <p:txBody>
-          <a:bodyPr anchorCtr="0" anchor="t" bIns="91425" lIns="91425" rIns="91425" tIns="91425">
+          <a:bodyPr lIns="91425" tIns="91425" rIns="91425" bIns="91425" anchor="t" anchorCtr="0">
             <a:noAutofit/>
           </a:bodyPr>
           <a:lstStyle/>
@@ -1059,9 +1180,6 @@
               </a:spcBef>
               <a:buNone/>
             </a:pPr>
-            <a:r>
-              <a:t/>
-            </a:r>
             <a:endParaRPr/>
           </a:p>
         </p:txBody>
@@ -1075,11 +1193,11 @@
 </file>
 
 <file path=ppt/notesSlides/notesSlide13.xml><?xml version="1.0" encoding="utf-8"?>
-<p:notes xmlns:a="http://schemas.openxmlformats.org/drawingml/2006/main" xmlns:r="http://schemas.openxmlformats.org/officeDocument/2006/relationships" xmlns:mc="http://schemas.openxmlformats.org/markup-compatibility/2006" xmlns:mv="urn:schemas-microsoft-com:mac:vml" xmlns:p="http://schemas.openxmlformats.org/presentationml/2006/main" xmlns:c="http://schemas.openxmlformats.org/drawingml/2006/chart" xmlns:dgm="http://schemas.openxmlformats.org/drawingml/2006/diagram" xmlns:o="urn:schemas-microsoft-com:office:office" xmlns:v="urn:schemas-microsoft-com:vml" xmlns:pvml="urn:schemas-microsoft-com:office:powerpoint" xmlns:com="http://schemas.openxmlformats.org/drawingml/2006/compatibility" xmlns:p14="http://schemas.microsoft.com/office/powerpoint/2010/main" showMasterPhAnim="0" showMasterSp="0">
+<p:notes xmlns:a="http://schemas.openxmlformats.org/drawingml/2006/main" xmlns:r="http://schemas.openxmlformats.org/officeDocument/2006/relationships" xmlns:p="http://schemas.openxmlformats.org/presentationml/2006/main" showMasterSp="0" showMasterPhAnim="0">
   <p:cSld>
     <p:spTree>
       <p:nvGrpSpPr>
-        <p:cNvPr id="134" name="Shape 134"/>
+        <p:cNvPr id="1" name="Shape 134"/>
         <p:cNvGrpSpPr/>
         <p:nvPr/>
       </p:nvGrpSpPr>
@@ -1094,19 +1212,26 @@
       <p:sp>
         <p:nvSpPr>
           <p:cNvPr id="135" name="Shape 135"/>
-          <p:cNvSpPr/>
+          <p:cNvSpPr>
+            <a:spLocks noGrp="1" noRot="1" noChangeAspect="1"/>
+          </p:cNvSpPr>
           <p:nvPr>
-            <p:ph idx="2" type="sldImg"/>
+            <p:ph type="sldImg" idx="2"/>
           </p:nvPr>
         </p:nvSpPr>
         <p:spPr>
           <a:xfrm>
-            <a:off x="381300" y="685800"/>
+            <a:off x="381000" y="685800"/>
             <a:ext cx="6096000" cy="3429000"/>
           </a:xfrm>
           <a:custGeom>
+            <a:avLst/>
+            <a:gdLst/>
+            <a:ahLst/>
+            <a:cxnLst/>
+            <a:rect l="0" t="0" r="0" b="0"/>
             <a:pathLst>
-              <a:path extrusionOk="0" h="120000" w="120000">
+              <a:path w="120000" h="120000" extrusionOk="0">
                 <a:moveTo>
                   <a:pt x="0" y="0"/>
                 </a:moveTo>
@@ -1128,9 +1253,11 @@
       <p:sp>
         <p:nvSpPr>
           <p:cNvPr id="136" name="Shape 136"/>
-          <p:cNvSpPr txBox="1"/>
+          <p:cNvSpPr txBox="1">
+            <a:spLocks noGrp="1"/>
+          </p:cNvSpPr>
           <p:nvPr>
-            <p:ph idx="1" type="body"/>
+            <p:ph type="body" idx="1"/>
           </p:nvPr>
         </p:nvSpPr>
         <p:spPr>
@@ -1143,7 +1270,7 @@
           </a:prstGeom>
         </p:spPr>
         <p:txBody>
-          <a:bodyPr anchorCtr="0" anchor="t" bIns="91425" lIns="91425" rIns="91425" tIns="91425">
+          <a:bodyPr lIns="91425" tIns="91425" rIns="91425" bIns="91425" anchor="t" anchorCtr="0">
             <a:noAutofit/>
           </a:bodyPr>
           <a:lstStyle/>
@@ -1154,9 +1281,6 @@
               </a:spcBef>
               <a:buNone/>
             </a:pPr>
-            <a:r>
-              <a:t/>
-            </a:r>
             <a:endParaRPr/>
           </a:p>
         </p:txBody>
@@ -1170,11 +1294,11 @@
 </file>
 
 <file path=ppt/notesSlides/notesSlide14.xml><?xml version="1.0" encoding="utf-8"?>
-<p:notes xmlns:a="http://schemas.openxmlformats.org/drawingml/2006/main" xmlns:r="http://schemas.openxmlformats.org/officeDocument/2006/relationships" xmlns:mc="http://schemas.openxmlformats.org/markup-compatibility/2006" xmlns:mv="urn:schemas-microsoft-com:mac:vml" xmlns:p="http://schemas.openxmlformats.org/presentationml/2006/main" xmlns:c="http://schemas.openxmlformats.org/drawingml/2006/chart" xmlns:dgm="http://schemas.openxmlformats.org/drawingml/2006/diagram" xmlns:o="urn:schemas-microsoft-com:office:office" xmlns:v="urn:schemas-microsoft-com:vml" xmlns:pvml="urn:schemas-microsoft-com:office:powerpoint" xmlns:com="http://schemas.openxmlformats.org/drawingml/2006/compatibility" xmlns:p14="http://schemas.microsoft.com/office/powerpoint/2010/main" showMasterPhAnim="0" showMasterSp="0">
+<p:notes xmlns:a="http://schemas.openxmlformats.org/drawingml/2006/main" xmlns:r="http://schemas.openxmlformats.org/officeDocument/2006/relationships" xmlns:p="http://schemas.openxmlformats.org/presentationml/2006/main" showMasterSp="0" showMasterPhAnim="0">
   <p:cSld>
     <p:spTree>
       <p:nvGrpSpPr>
-        <p:cNvPr id="140" name="Shape 140"/>
+        <p:cNvPr id="1" name="Shape 140"/>
         <p:cNvGrpSpPr/>
         <p:nvPr/>
       </p:nvGrpSpPr>
@@ -1189,9 +1313,11 @@
       <p:sp>
         <p:nvSpPr>
           <p:cNvPr id="141" name="Shape 141"/>
-          <p:cNvSpPr/>
+          <p:cNvSpPr>
+            <a:spLocks noGrp="1" noRot="1" noChangeAspect="1"/>
+          </p:cNvSpPr>
           <p:nvPr>
-            <p:ph idx="2" type="sldImg"/>
+            <p:ph type="sldImg" idx="2"/>
           </p:nvPr>
         </p:nvSpPr>
         <p:spPr>
@@ -1200,8 +1326,13 @@
             <a:ext cx="6096000" cy="3429000"/>
           </a:xfrm>
           <a:custGeom>
+            <a:avLst/>
+            <a:gdLst/>
+            <a:ahLst/>
+            <a:cxnLst/>
+            <a:rect l="0" t="0" r="0" b="0"/>
             <a:pathLst>
-              <a:path extrusionOk="0" h="120000" w="120000">
+              <a:path w="120000" h="120000" extrusionOk="0">
                 <a:moveTo>
                   <a:pt x="0" y="0"/>
                 </a:moveTo>
@@ -1223,9 +1354,11 @@
       <p:sp>
         <p:nvSpPr>
           <p:cNvPr id="142" name="Shape 142"/>
-          <p:cNvSpPr txBox="1"/>
+          <p:cNvSpPr txBox="1">
+            <a:spLocks noGrp="1"/>
+          </p:cNvSpPr>
           <p:nvPr>
-            <p:ph idx="1" type="body"/>
+            <p:ph type="body" idx="1"/>
           </p:nvPr>
         </p:nvSpPr>
         <p:spPr>
@@ -1238,7 +1371,7 @@
           </a:prstGeom>
         </p:spPr>
         <p:txBody>
-          <a:bodyPr anchorCtr="0" anchor="t" bIns="91425" lIns="91425" rIns="91425" tIns="91425">
+          <a:bodyPr lIns="91425" tIns="91425" rIns="91425" bIns="91425" anchor="t" anchorCtr="0">
             <a:noAutofit/>
           </a:bodyPr>
           <a:lstStyle/>
@@ -1249,9 +1382,6 @@
               </a:spcBef>
               <a:buNone/>
             </a:pPr>
-            <a:r>
-              <a:t/>
-            </a:r>
             <a:endParaRPr/>
           </a:p>
         </p:txBody>
@@ -1265,11 +1395,11 @@
 </file>
 
 <file path=ppt/notesSlides/notesSlide15.xml><?xml version="1.0" encoding="utf-8"?>
-<p:notes xmlns:a="http://schemas.openxmlformats.org/drawingml/2006/main" xmlns:r="http://schemas.openxmlformats.org/officeDocument/2006/relationships" xmlns:mc="http://schemas.openxmlformats.org/markup-compatibility/2006" xmlns:mv="urn:schemas-microsoft-com:mac:vml" xmlns:p="http://schemas.openxmlformats.org/presentationml/2006/main" xmlns:c="http://schemas.openxmlformats.org/drawingml/2006/chart" xmlns:dgm="http://schemas.openxmlformats.org/drawingml/2006/diagram" xmlns:o="urn:schemas-microsoft-com:office:office" xmlns:v="urn:schemas-microsoft-com:vml" xmlns:pvml="urn:schemas-microsoft-com:office:powerpoint" xmlns:com="http://schemas.openxmlformats.org/drawingml/2006/compatibility" xmlns:p14="http://schemas.microsoft.com/office/powerpoint/2010/main" showMasterPhAnim="0" showMasterSp="0">
+<p:notes xmlns:a="http://schemas.openxmlformats.org/drawingml/2006/main" xmlns:r="http://schemas.openxmlformats.org/officeDocument/2006/relationships" xmlns:p="http://schemas.openxmlformats.org/presentationml/2006/main" showMasterSp="0" showMasterPhAnim="0">
   <p:cSld>
     <p:spTree>
       <p:nvGrpSpPr>
-        <p:cNvPr id="146" name="Shape 146"/>
+        <p:cNvPr id="1" name="Shape 146"/>
         <p:cNvGrpSpPr/>
         <p:nvPr/>
       </p:nvGrpSpPr>
@@ -1284,9 +1414,11 @@
       <p:sp>
         <p:nvSpPr>
           <p:cNvPr id="147" name="Shape 147"/>
-          <p:cNvSpPr/>
+          <p:cNvSpPr>
+            <a:spLocks noGrp="1" noRot="1" noChangeAspect="1"/>
+          </p:cNvSpPr>
           <p:nvPr>
-            <p:ph idx="2" type="sldImg"/>
+            <p:ph type="sldImg" idx="2"/>
           </p:nvPr>
         </p:nvSpPr>
         <p:spPr>
@@ -1295,8 +1427,13 @@
             <a:ext cx="6096000" cy="3429000"/>
           </a:xfrm>
           <a:custGeom>
+            <a:avLst/>
+            <a:gdLst/>
+            <a:ahLst/>
+            <a:cxnLst/>
+            <a:rect l="0" t="0" r="0" b="0"/>
             <a:pathLst>
-              <a:path extrusionOk="0" h="120000" w="120000">
+              <a:path w="120000" h="120000" extrusionOk="0">
                 <a:moveTo>
                   <a:pt x="0" y="0"/>
                 </a:moveTo>
@@ -1318,9 +1455,11 @@
       <p:sp>
         <p:nvSpPr>
           <p:cNvPr id="148" name="Shape 148"/>
-          <p:cNvSpPr txBox="1"/>
+          <p:cNvSpPr txBox="1">
+            <a:spLocks noGrp="1"/>
+          </p:cNvSpPr>
           <p:nvPr>
-            <p:ph idx="1" type="body"/>
+            <p:ph type="body" idx="1"/>
           </p:nvPr>
         </p:nvSpPr>
         <p:spPr>
@@ -1333,7 +1472,7 @@
           </a:prstGeom>
         </p:spPr>
         <p:txBody>
-          <a:bodyPr anchorCtr="0" anchor="t" bIns="91425" lIns="91425" rIns="91425" tIns="91425">
+          <a:bodyPr lIns="91425" tIns="91425" rIns="91425" bIns="91425" anchor="t" anchorCtr="0">
             <a:noAutofit/>
           </a:bodyPr>
           <a:lstStyle/>
@@ -1344,9 +1483,6 @@
               </a:spcBef>
               <a:buNone/>
             </a:pPr>
-            <a:r>
-              <a:t/>
-            </a:r>
             <a:endParaRPr/>
           </a:p>
         </p:txBody>
@@ -1360,11 +1496,11 @@
 </file>
 
 <file path=ppt/notesSlides/notesSlide16.xml><?xml version="1.0" encoding="utf-8"?>
-<p:notes xmlns:a="http://schemas.openxmlformats.org/drawingml/2006/main" xmlns:r="http://schemas.openxmlformats.org/officeDocument/2006/relationships" xmlns:mc="http://schemas.openxmlformats.org/markup-compatibility/2006" xmlns:mv="urn:schemas-microsoft-com:mac:vml" xmlns:p="http://schemas.openxmlformats.org/presentationml/2006/main" xmlns:c="http://schemas.openxmlformats.org/drawingml/2006/chart" xmlns:dgm="http://schemas.openxmlformats.org/drawingml/2006/diagram" xmlns:o="urn:schemas-microsoft-com:office:office" xmlns:v="urn:schemas-microsoft-com:vml" xmlns:pvml="urn:schemas-microsoft-com:office:powerpoint" xmlns:com="http://schemas.openxmlformats.org/drawingml/2006/compatibility" xmlns:p14="http://schemas.microsoft.com/office/powerpoint/2010/main" showMasterPhAnim="0" showMasterSp="0">
+<p:notes xmlns:a="http://schemas.openxmlformats.org/drawingml/2006/main" xmlns:r="http://schemas.openxmlformats.org/officeDocument/2006/relationships" xmlns:p="http://schemas.openxmlformats.org/presentationml/2006/main" showMasterSp="0" showMasterPhAnim="0">
   <p:cSld>
     <p:spTree>
       <p:nvGrpSpPr>
-        <p:cNvPr id="151" name="Shape 151"/>
+        <p:cNvPr id="1" name="Shape 151"/>
         <p:cNvGrpSpPr/>
         <p:nvPr/>
       </p:nvGrpSpPr>
@@ -1379,9 +1515,11 @@
       <p:sp>
         <p:nvSpPr>
           <p:cNvPr id="152" name="Shape 152"/>
-          <p:cNvSpPr/>
+          <p:cNvSpPr>
+            <a:spLocks noGrp="1" noRot="1" noChangeAspect="1"/>
+          </p:cNvSpPr>
           <p:nvPr>
-            <p:ph idx="2" type="sldImg"/>
+            <p:ph type="sldImg" idx="2"/>
           </p:nvPr>
         </p:nvSpPr>
         <p:spPr>
@@ -1390,8 +1528,13 @@
             <a:ext cx="6096000" cy="3429000"/>
           </a:xfrm>
           <a:custGeom>
+            <a:avLst/>
+            <a:gdLst/>
+            <a:ahLst/>
+            <a:cxnLst/>
+            <a:rect l="0" t="0" r="0" b="0"/>
             <a:pathLst>
-              <a:path extrusionOk="0" h="120000" w="120000">
+              <a:path w="120000" h="120000" extrusionOk="0">
                 <a:moveTo>
                   <a:pt x="0" y="0"/>
                 </a:moveTo>
@@ -1413,9 +1556,11 @@
       <p:sp>
         <p:nvSpPr>
           <p:cNvPr id="153" name="Shape 153"/>
-          <p:cNvSpPr txBox="1"/>
+          <p:cNvSpPr txBox="1">
+            <a:spLocks noGrp="1"/>
+          </p:cNvSpPr>
           <p:nvPr>
-            <p:ph idx="1" type="body"/>
+            <p:ph type="body" idx="1"/>
           </p:nvPr>
         </p:nvSpPr>
         <p:spPr>
@@ -1428,7 +1573,7 @@
           </a:prstGeom>
         </p:spPr>
         <p:txBody>
-          <a:bodyPr anchorCtr="0" anchor="t" bIns="91425" lIns="91425" rIns="91425" tIns="91425">
+          <a:bodyPr lIns="91425" tIns="91425" rIns="91425" bIns="91425" anchor="t" anchorCtr="0">
             <a:noAutofit/>
           </a:bodyPr>
           <a:lstStyle/>
@@ -1439,9 +1584,6 @@
               </a:spcBef>
               <a:buNone/>
             </a:pPr>
-            <a:r>
-              <a:t/>
-            </a:r>
             <a:endParaRPr/>
           </a:p>
         </p:txBody>
@@ -1455,11 +1597,11 @@
 </file>
 
 <file path=ppt/notesSlides/notesSlide17.xml><?xml version="1.0" encoding="utf-8"?>
-<p:notes xmlns:a="http://schemas.openxmlformats.org/drawingml/2006/main" xmlns:r="http://schemas.openxmlformats.org/officeDocument/2006/relationships" xmlns:mc="http://schemas.openxmlformats.org/markup-compatibility/2006" xmlns:mv="urn:schemas-microsoft-com:mac:vml" xmlns:p="http://schemas.openxmlformats.org/presentationml/2006/main" xmlns:c="http://schemas.openxmlformats.org/drawingml/2006/chart" xmlns:dgm="http://schemas.openxmlformats.org/drawingml/2006/diagram" xmlns:o="urn:schemas-microsoft-com:office:office" xmlns:v="urn:schemas-microsoft-com:vml" xmlns:pvml="urn:schemas-microsoft-com:office:powerpoint" xmlns:com="http://schemas.openxmlformats.org/drawingml/2006/compatibility" xmlns:p14="http://schemas.microsoft.com/office/powerpoint/2010/main" showMasterPhAnim="0" showMasterSp="0">
+<p:notes xmlns:a="http://schemas.openxmlformats.org/drawingml/2006/main" xmlns:r="http://schemas.openxmlformats.org/officeDocument/2006/relationships" xmlns:p="http://schemas.openxmlformats.org/presentationml/2006/main" showMasterSp="0" showMasterPhAnim="0">
   <p:cSld>
     <p:spTree>
       <p:nvGrpSpPr>
-        <p:cNvPr id="157" name="Shape 157"/>
+        <p:cNvPr id="1" name="Shape 157"/>
         <p:cNvGrpSpPr/>
         <p:nvPr/>
       </p:nvGrpSpPr>
@@ -1474,9 +1616,11 @@
       <p:sp>
         <p:nvSpPr>
           <p:cNvPr id="158" name="Shape 158"/>
-          <p:cNvSpPr/>
+          <p:cNvSpPr>
+            <a:spLocks noGrp="1" noRot="1" noChangeAspect="1"/>
+          </p:cNvSpPr>
           <p:nvPr>
-            <p:ph idx="2" type="sldImg"/>
+            <p:ph type="sldImg" idx="2"/>
           </p:nvPr>
         </p:nvSpPr>
         <p:spPr>
@@ -1485,8 +1629,13 @@
             <a:ext cx="6096000" cy="3429000"/>
           </a:xfrm>
           <a:custGeom>
+            <a:avLst/>
+            <a:gdLst/>
+            <a:ahLst/>
+            <a:cxnLst/>
+            <a:rect l="0" t="0" r="0" b="0"/>
             <a:pathLst>
-              <a:path extrusionOk="0" h="120000" w="120000">
+              <a:path w="120000" h="120000" extrusionOk="0">
                 <a:moveTo>
                   <a:pt x="0" y="0"/>
                 </a:moveTo>
@@ -1508,9 +1657,11 @@
       <p:sp>
         <p:nvSpPr>
           <p:cNvPr id="159" name="Shape 159"/>
-          <p:cNvSpPr txBox="1"/>
+          <p:cNvSpPr txBox="1">
+            <a:spLocks noGrp="1"/>
+          </p:cNvSpPr>
           <p:nvPr>
-            <p:ph idx="1" type="body"/>
+            <p:ph type="body" idx="1"/>
           </p:nvPr>
         </p:nvSpPr>
         <p:spPr>
@@ -1523,7 +1674,7 @@
           </a:prstGeom>
         </p:spPr>
         <p:txBody>
-          <a:bodyPr anchorCtr="0" anchor="t" bIns="91425" lIns="91425" rIns="91425" tIns="91425">
+          <a:bodyPr lIns="91425" tIns="91425" rIns="91425" bIns="91425" anchor="t" anchorCtr="0">
             <a:noAutofit/>
           </a:bodyPr>
           <a:lstStyle/>
@@ -1534,9 +1685,6 @@
               </a:spcBef>
               <a:buNone/>
             </a:pPr>
-            <a:r>
-              <a:t/>
-            </a:r>
             <a:endParaRPr/>
           </a:p>
         </p:txBody>
@@ -1550,11 +1698,11 @@
 </file>
 
 <file path=ppt/notesSlides/notesSlide18.xml><?xml version="1.0" encoding="utf-8"?>
-<p:notes xmlns:a="http://schemas.openxmlformats.org/drawingml/2006/main" xmlns:r="http://schemas.openxmlformats.org/officeDocument/2006/relationships" xmlns:mc="http://schemas.openxmlformats.org/markup-compatibility/2006" xmlns:mv="urn:schemas-microsoft-com:mac:vml" xmlns:p="http://schemas.openxmlformats.org/presentationml/2006/main" xmlns:c="http://schemas.openxmlformats.org/drawingml/2006/chart" xmlns:dgm="http://schemas.openxmlformats.org/drawingml/2006/diagram" xmlns:o="urn:schemas-microsoft-com:office:office" xmlns:v="urn:schemas-microsoft-com:vml" xmlns:pvml="urn:schemas-microsoft-com:office:powerpoint" xmlns:com="http://schemas.openxmlformats.org/drawingml/2006/compatibility" xmlns:p14="http://schemas.microsoft.com/office/powerpoint/2010/main" showMasterPhAnim="0" showMasterSp="0">
+<p:notes xmlns:a="http://schemas.openxmlformats.org/drawingml/2006/main" xmlns:r="http://schemas.openxmlformats.org/officeDocument/2006/relationships" xmlns:p="http://schemas.openxmlformats.org/presentationml/2006/main" showMasterSp="0" showMasterPhAnim="0">
   <p:cSld>
     <p:spTree>
       <p:nvGrpSpPr>
-        <p:cNvPr id="163" name="Shape 163"/>
+        <p:cNvPr id="1" name="Shape 163"/>
         <p:cNvGrpSpPr/>
         <p:nvPr/>
       </p:nvGrpSpPr>
@@ -1569,9 +1717,11 @@
       <p:sp>
         <p:nvSpPr>
           <p:cNvPr id="164" name="Shape 164"/>
-          <p:cNvSpPr/>
+          <p:cNvSpPr>
+            <a:spLocks noGrp="1" noRot="1" noChangeAspect="1"/>
+          </p:cNvSpPr>
           <p:nvPr>
-            <p:ph idx="2" type="sldImg"/>
+            <p:ph type="sldImg" idx="2"/>
           </p:nvPr>
         </p:nvSpPr>
         <p:spPr>
@@ -1580,8 +1730,13 @@
             <a:ext cx="6096000" cy="3429000"/>
           </a:xfrm>
           <a:custGeom>
+            <a:avLst/>
+            <a:gdLst/>
+            <a:ahLst/>
+            <a:cxnLst/>
+            <a:rect l="0" t="0" r="0" b="0"/>
             <a:pathLst>
-              <a:path extrusionOk="0" h="120000" w="120000">
+              <a:path w="120000" h="120000" extrusionOk="0">
                 <a:moveTo>
                   <a:pt x="0" y="0"/>
                 </a:moveTo>
@@ -1603,9 +1758,11 @@
       <p:sp>
         <p:nvSpPr>
           <p:cNvPr id="165" name="Shape 165"/>
-          <p:cNvSpPr txBox="1"/>
+          <p:cNvSpPr txBox="1">
+            <a:spLocks noGrp="1"/>
+          </p:cNvSpPr>
           <p:nvPr>
-            <p:ph idx="1" type="body"/>
+            <p:ph type="body" idx="1"/>
           </p:nvPr>
         </p:nvSpPr>
         <p:spPr>
@@ -1618,7 +1775,7 @@
           </a:prstGeom>
         </p:spPr>
         <p:txBody>
-          <a:bodyPr anchorCtr="0" anchor="t" bIns="91425" lIns="91425" rIns="91425" tIns="91425">
+          <a:bodyPr lIns="91425" tIns="91425" rIns="91425" bIns="91425" anchor="t" anchorCtr="0">
             <a:noAutofit/>
           </a:bodyPr>
           <a:lstStyle/>
@@ -1629,9 +1786,6 @@
               </a:spcBef>
               <a:buNone/>
             </a:pPr>
-            <a:r>
-              <a:t/>
-            </a:r>
             <a:endParaRPr/>
           </a:p>
         </p:txBody>
@@ -1645,11 +1799,11 @@
 </file>
 
 <file path=ppt/notesSlides/notesSlide19.xml><?xml version="1.0" encoding="utf-8"?>
-<p:notes xmlns:a="http://schemas.openxmlformats.org/drawingml/2006/main" xmlns:r="http://schemas.openxmlformats.org/officeDocument/2006/relationships" xmlns:mc="http://schemas.openxmlformats.org/markup-compatibility/2006" xmlns:mv="urn:schemas-microsoft-com:mac:vml" xmlns:p="http://schemas.openxmlformats.org/presentationml/2006/main" xmlns:c="http://schemas.openxmlformats.org/drawingml/2006/chart" xmlns:dgm="http://schemas.openxmlformats.org/drawingml/2006/diagram" xmlns:o="urn:schemas-microsoft-com:office:office" xmlns:v="urn:schemas-microsoft-com:vml" xmlns:pvml="urn:schemas-microsoft-com:office:powerpoint" xmlns:com="http://schemas.openxmlformats.org/drawingml/2006/compatibility" xmlns:p14="http://schemas.microsoft.com/office/powerpoint/2010/main" showMasterPhAnim="0" showMasterSp="0">
+<p:notes xmlns:a="http://schemas.openxmlformats.org/drawingml/2006/main" xmlns:r="http://schemas.openxmlformats.org/officeDocument/2006/relationships" xmlns:p="http://schemas.openxmlformats.org/presentationml/2006/main" showMasterSp="0" showMasterPhAnim="0">
   <p:cSld>
     <p:spTree>
       <p:nvGrpSpPr>
-        <p:cNvPr id="169" name="Shape 169"/>
+        <p:cNvPr id="1" name="Shape 169"/>
         <p:cNvGrpSpPr/>
         <p:nvPr/>
       </p:nvGrpSpPr>
@@ -1664,9 +1818,11 @@
       <p:sp>
         <p:nvSpPr>
           <p:cNvPr id="170" name="Shape 170"/>
-          <p:cNvSpPr/>
+          <p:cNvSpPr>
+            <a:spLocks noGrp="1" noRot="1" noChangeAspect="1"/>
+          </p:cNvSpPr>
           <p:nvPr>
-            <p:ph idx="2" type="sldImg"/>
+            <p:ph type="sldImg" idx="2"/>
           </p:nvPr>
         </p:nvSpPr>
         <p:spPr>
@@ -1675,8 +1831,13 @@
             <a:ext cx="6096000" cy="3429000"/>
           </a:xfrm>
           <a:custGeom>
+            <a:avLst/>
+            <a:gdLst/>
+            <a:ahLst/>
+            <a:cxnLst/>
+            <a:rect l="0" t="0" r="0" b="0"/>
             <a:pathLst>
-              <a:path extrusionOk="0" h="120000" w="120000">
+              <a:path w="120000" h="120000" extrusionOk="0">
                 <a:moveTo>
                   <a:pt x="0" y="0"/>
                 </a:moveTo>
@@ -1698,9 +1859,11 @@
       <p:sp>
         <p:nvSpPr>
           <p:cNvPr id="171" name="Shape 171"/>
-          <p:cNvSpPr txBox="1"/>
+          <p:cNvSpPr txBox="1">
+            <a:spLocks noGrp="1"/>
+          </p:cNvSpPr>
           <p:nvPr>
-            <p:ph idx="1" type="body"/>
+            <p:ph type="body" idx="1"/>
           </p:nvPr>
         </p:nvSpPr>
         <p:spPr>
@@ -1713,7 +1876,7 @@
           </a:prstGeom>
         </p:spPr>
         <p:txBody>
-          <a:bodyPr anchorCtr="0" anchor="t" bIns="91425" lIns="91425" rIns="91425" tIns="91425">
+          <a:bodyPr lIns="91425" tIns="91425" rIns="91425" bIns="91425" anchor="t" anchorCtr="0">
             <a:noAutofit/>
           </a:bodyPr>
           <a:lstStyle/>
@@ -1746,11 +1909,11 @@
 </file>
 
 <file path=ppt/notesSlides/notesSlide2.xml><?xml version="1.0" encoding="utf-8"?>
-<p:notes xmlns:a="http://schemas.openxmlformats.org/drawingml/2006/main" xmlns:r="http://schemas.openxmlformats.org/officeDocument/2006/relationships" xmlns:mc="http://schemas.openxmlformats.org/markup-compatibility/2006" xmlns:mv="urn:schemas-microsoft-com:mac:vml" xmlns:p="http://schemas.openxmlformats.org/presentationml/2006/main" xmlns:c="http://schemas.openxmlformats.org/drawingml/2006/chart" xmlns:dgm="http://schemas.openxmlformats.org/drawingml/2006/diagram" xmlns:o="urn:schemas-microsoft-com:office:office" xmlns:v="urn:schemas-microsoft-com:vml" xmlns:pvml="urn:schemas-microsoft-com:office:powerpoint" xmlns:com="http://schemas.openxmlformats.org/drawingml/2006/compatibility" xmlns:p14="http://schemas.microsoft.com/office/powerpoint/2010/main" showMasterPhAnim="0" showMasterSp="0">
+<p:notes xmlns:a="http://schemas.openxmlformats.org/drawingml/2006/main" xmlns:r="http://schemas.openxmlformats.org/officeDocument/2006/relationships" xmlns:p="http://schemas.openxmlformats.org/presentationml/2006/main" showMasterSp="0" showMasterPhAnim="0">
   <p:cSld>
     <p:spTree>
       <p:nvGrpSpPr>
-        <p:cNvPr id="68" name="Shape 68"/>
+        <p:cNvPr id="1" name="Shape 68"/>
         <p:cNvGrpSpPr/>
         <p:nvPr/>
       </p:nvGrpSpPr>
@@ -1765,9 +1928,11 @@
       <p:sp>
         <p:nvSpPr>
           <p:cNvPr id="69" name="Shape 69"/>
-          <p:cNvSpPr/>
+          <p:cNvSpPr>
+            <a:spLocks noGrp="1" noRot="1" noChangeAspect="1"/>
+          </p:cNvSpPr>
           <p:nvPr>
-            <p:ph idx="2" type="sldImg"/>
+            <p:ph type="sldImg" idx="2"/>
           </p:nvPr>
         </p:nvSpPr>
         <p:spPr>
@@ -1776,8 +1941,13 @@
             <a:ext cx="6096000" cy="3429000"/>
           </a:xfrm>
           <a:custGeom>
+            <a:avLst/>
+            <a:gdLst/>
+            <a:ahLst/>
+            <a:cxnLst/>
+            <a:rect l="0" t="0" r="0" b="0"/>
             <a:pathLst>
-              <a:path extrusionOk="0" h="120000" w="120000">
+              <a:path w="120000" h="120000" extrusionOk="0">
                 <a:moveTo>
                   <a:pt x="0" y="0"/>
                 </a:moveTo>
@@ -1799,9 +1969,11 @@
       <p:sp>
         <p:nvSpPr>
           <p:cNvPr id="70" name="Shape 70"/>
-          <p:cNvSpPr txBox="1"/>
+          <p:cNvSpPr txBox="1">
+            <a:spLocks noGrp="1"/>
+          </p:cNvSpPr>
           <p:nvPr>
-            <p:ph idx="1" type="body"/>
+            <p:ph type="body" idx="1"/>
           </p:nvPr>
         </p:nvSpPr>
         <p:spPr>
@@ -1814,7 +1986,7 @@
           </a:prstGeom>
         </p:spPr>
         <p:txBody>
-          <a:bodyPr anchorCtr="0" anchor="t" bIns="91425" lIns="91425" rIns="91425" tIns="91425">
+          <a:bodyPr lIns="91425" tIns="91425" rIns="91425" bIns="91425" anchor="t" anchorCtr="0">
             <a:noAutofit/>
           </a:bodyPr>
           <a:lstStyle/>
@@ -1825,9 +1997,6 @@
               </a:spcBef>
               <a:buNone/>
             </a:pPr>
-            <a:r>
-              <a:t/>
-            </a:r>
             <a:endParaRPr/>
           </a:p>
         </p:txBody>
@@ -1841,11 +2010,11 @@
 </file>
 
 <file path=ppt/notesSlides/notesSlide20.xml><?xml version="1.0" encoding="utf-8"?>
-<p:notes xmlns:a="http://schemas.openxmlformats.org/drawingml/2006/main" xmlns:r="http://schemas.openxmlformats.org/officeDocument/2006/relationships" xmlns:mc="http://schemas.openxmlformats.org/markup-compatibility/2006" xmlns:mv="urn:schemas-microsoft-com:mac:vml" xmlns:p="http://schemas.openxmlformats.org/presentationml/2006/main" xmlns:c="http://schemas.openxmlformats.org/drawingml/2006/chart" xmlns:dgm="http://schemas.openxmlformats.org/drawingml/2006/diagram" xmlns:o="urn:schemas-microsoft-com:office:office" xmlns:v="urn:schemas-microsoft-com:vml" xmlns:pvml="urn:schemas-microsoft-com:office:powerpoint" xmlns:com="http://schemas.openxmlformats.org/drawingml/2006/compatibility" xmlns:p14="http://schemas.microsoft.com/office/powerpoint/2010/main" showMasterPhAnim="0" showMasterSp="0">
+<p:notes xmlns:a="http://schemas.openxmlformats.org/drawingml/2006/main" xmlns:r="http://schemas.openxmlformats.org/officeDocument/2006/relationships" xmlns:p="http://schemas.openxmlformats.org/presentationml/2006/main" showMasterSp="0" showMasterPhAnim="0">
   <p:cSld>
     <p:spTree>
       <p:nvGrpSpPr>
-        <p:cNvPr id="175" name="Shape 175"/>
+        <p:cNvPr id="1" name="Shape 175"/>
         <p:cNvGrpSpPr/>
         <p:nvPr/>
       </p:nvGrpSpPr>
@@ -1860,9 +2029,11 @@
       <p:sp>
         <p:nvSpPr>
           <p:cNvPr id="176" name="Shape 176"/>
-          <p:cNvSpPr/>
+          <p:cNvSpPr>
+            <a:spLocks noGrp="1" noRot="1" noChangeAspect="1"/>
+          </p:cNvSpPr>
           <p:nvPr>
-            <p:ph idx="2" type="sldImg"/>
+            <p:ph type="sldImg" idx="2"/>
           </p:nvPr>
         </p:nvSpPr>
         <p:spPr>
@@ -1871,8 +2042,13 @@
             <a:ext cx="6096000" cy="3429000"/>
           </a:xfrm>
           <a:custGeom>
+            <a:avLst/>
+            <a:gdLst/>
+            <a:ahLst/>
+            <a:cxnLst/>
+            <a:rect l="0" t="0" r="0" b="0"/>
             <a:pathLst>
-              <a:path extrusionOk="0" h="120000" w="120000">
+              <a:path w="120000" h="120000" extrusionOk="0">
                 <a:moveTo>
                   <a:pt x="0" y="0"/>
                 </a:moveTo>
@@ -1894,9 +2070,11 @@
       <p:sp>
         <p:nvSpPr>
           <p:cNvPr id="177" name="Shape 177"/>
-          <p:cNvSpPr txBox="1"/>
+          <p:cNvSpPr txBox="1">
+            <a:spLocks noGrp="1"/>
+          </p:cNvSpPr>
           <p:nvPr>
-            <p:ph idx="1" type="body"/>
+            <p:ph type="body" idx="1"/>
           </p:nvPr>
         </p:nvSpPr>
         <p:spPr>
@@ -1909,7 +2087,7 @@
           </a:prstGeom>
         </p:spPr>
         <p:txBody>
-          <a:bodyPr anchorCtr="0" anchor="t" bIns="91425" lIns="91425" rIns="91425" tIns="91425">
+          <a:bodyPr lIns="91425" tIns="91425" rIns="91425" bIns="91425" anchor="t" anchorCtr="0">
             <a:noAutofit/>
           </a:bodyPr>
           <a:lstStyle/>
@@ -1936,11 +2114,11 @@
 </file>
 
 <file path=ppt/notesSlides/notesSlide21.xml><?xml version="1.0" encoding="utf-8"?>
-<p:notes xmlns:a="http://schemas.openxmlformats.org/drawingml/2006/main" xmlns:r="http://schemas.openxmlformats.org/officeDocument/2006/relationships" xmlns:mc="http://schemas.openxmlformats.org/markup-compatibility/2006" xmlns:mv="urn:schemas-microsoft-com:mac:vml" xmlns:p="http://schemas.openxmlformats.org/presentationml/2006/main" xmlns:c="http://schemas.openxmlformats.org/drawingml/2006/chart" xmlns:dgm="http://schemas.openxmlformats.org/drawingml/2006/diagram" xmlns:o="urn:schemas-microsoft-com:office:office" xmlns:v="urn:schemas-microsoft-com:vml" xmlns:pvml="urn:schemas-microsoft-com:office:powerpoint" xmlns:com="http://schemas.openxmlformats.org/drawingml/2006/compatibility" xmlns:p14="http://schemas.microsoft.com/office/powerpoint/2010/main" showMasterPhAnim="0" showMasterSp="0">
+<p:notes xmlns:a="http://schemas.openxmlformats.org/drawingml/2006/main" xmlns:r="http://schemas.openxmlformats.org/officeDocument/2006/relationships" xmlns:p="http://schemas.openxmlformats.org/presentationml/2006/main" showMasterSp="0" showMasterPhAnim="0">
   <p:cSld>
     <p:spTree>
       <p:nvGrpSpPr>
-        <p:cNvPr id="181" name="Shape 181"/>
+        <p:cNvPr id="1" name="Shape 181"/>
         <p:cNvGrpSpPr/>
         <p:nvPr/>
       </p:nvGrpSpPr>
@@ -1955,9 +2133,11 @@
       <p:sp>
         <p:nvSpPr>
           <p:cNvPr id="182" name="Shape 182"/>
-          <p:cNvSpPr/>
+          <p:cNvSpPr>
+            <a:spLocks noGrp="1" noRot="1" noChangeAspect="1"/>
+          </p:cNvSpPr>
           <p:nvPr>
-            <p:ph idx="2" type="sldImg"/>
+            <p:ph type="sldImg" idx="2"/>
           </p:nvPr>
         </p:nvSpPr>
         <p:spPr>
@@ -1966,8 +2146,13 @@
             <a:ext cx="6096000" cy="3429000"/>
           </a:xfrm>
           <a:custGeom>
+            <a:avLst/>
+            <a:gdLst/>
+            <a:ahLst/>
+            <a:cxnLst/>
+            <a:rect l="0" t="0" r="0" b="0"/>
             <a:pathLst>
-              <a:path extrusionOk="0" h="120000" w="120000">
+              <a:path w="120000" h="120000" extrusionOk="0">
                 <a:moveTo>
                   <a:pt x="0" y="0"/>
                 </a:moveTo>
@@ -1989,9 +2174,11 @@
       <p:sp>
         <p:nvSpPr>
           <p:cNvPr id="183" name="Shape 183"/>
-          <p:cNvSpPr txBox="1"/>
+          <p:cNvSpPr txBox="1">
+            <a:spLocks noGrp="1"/>
+          </p:cNvSpPr>
           <p:nvPr>
-            <p:ph idx="1" type="body"/>
+            <p:ph type="body" idx="1"/>
           </p:nvPr>
         </p:nvSpPr>
         <p:spPr>
@@ -2004,7 +2191,7 @@
           </a:prstGeom>
         </p:spPr>
         <p:txBody>
-          <a:bodyPr anchorCtr="0" anchor="t" bIns="91425" lIns="91425" rIns="91425" tIns="91425">
+          <a:bodyPr lIns="91425" tIns="91425" rIns="91425" bIns="91425" anchor="t" anchorCtr="0">
             <a:noAutofit/>
           </a:bodyPr>
           <a:lstStyle/>
@@ -2015,9 +2202,6 @@
               </a:spcBef>
               <a:buNone/>
             </a:pPr>
-            <a:r>
-              <a:t/>
-            </a:r>
             <a:endParaRPr/>
           </a:p>
         </p:txBody>
@@ -2031,11 +2215,11 @@
 </file>
 
 <file path=ppt/notesSlides/notesSlide22.xml><?xml version="1.0" encoding="utf-8"?>
-<p:notes xmlns:a="http://schemas.openxmlformats.org/drawingml/2006/main" xmlns:r="http://schemas.openxmlformats.org/officeDocument/2006/relationships" xmlns:mc="http://schemas.openxmlformats.org/markup-compatibility/2006" xmlns:mv="urn:schemas-microsoft-com:mac:vml" xmlns:p="http://schemas.openxmlformats.org/presentationml/2006/main" xmlns:c="http://schemas.openxmlformats.org/drawingml/2006/chart" xmlns:dgm="http://schemas.openxmlformats.org/drawingml/2006/diagram" xmlns:o="urn:schemas-microsoft-com:office:office" xmlns:v="urn:schemas-microsoft-com:vml" xmlns:pvml="urn:schemas-microsoft-com:office:powerpoint" xmlns:com="http://schemas.openxmlformats.org/drawingml/2006/compatibility" xmlns:p14="http://schemas.microsoft.com/office/powerpoint/2010/main" showMasterPhAnim="0" showMasterSp="0">
+<p:notes xmlns:a="http://schemas.openxmlformats.org/drawingml/2006/main" xmlns:r="http://schemas.openxmlformats.org/officeDocument/2006/relationships" xmlns:p="http://schemas.openxmlformats.org/presentationml/2006/main" showMasterSp="0" showMasterPhAnim="0">
   <p:cSld>
     <p:spTree>
       <p:nvGrpSpPr>
-        <p:cNvPr id="187" name="Shape 187"/>
+        <p:cNvPr id="1" name="Shape 187"/>
         <p:cNvGrpSpPr/>
         <p:nvPr/>
       </p:nvGrpSpPr>
@@ -2050,9 +2234,11 @@
       <p:sp>
         <p:nvSpPr>
           <p:cNvPr id="188" name="Shape 188"/>
-          <p:cNvSpPr/>
+          <p:cNvSpPr>
+            <a:spLocks noGrp="1" noRot="1" noChangeAspect="1"/>
+          </p:cNvSpPr>
           <p:nvPr>
-            <p:ph idx="2" type="sldImg"/>
+            <p:ph type="sldImg" idx="2"/>
           </p:nvPr>
         </p:nvSpPr>
         <p:spPr>
@@ -2061,8 +2247,13 @@
             <a:ext cx="6096000" cy="3429000"/>
           </a:xfrm>
           <a:custGeom>
+            <a:avLst/>
+            <a:gdLst/>
+            <a:ahLst/>
+            <a:cxnLst/>
+            <a:rect l="0" t="0" r="0" b="0"/>
             <a:pathLst>
-              <a:path extrusionOk="0" h="120000" w="120000">
+              <a:path w="120000" h="120000" extrusionOk="0">
                 <a:moveTo>
                   <a:pt x="0" y="0"/>
                 </a:moveTo>
@@ -2084,9 +2275,11 @@
       <p:sp>
         <p:nvSpPr>
           <p:cNvPr id="189" name="Shape 189"/>
-          <p:cNvSpPr txBox="1"/>
+          <p:cNvSpPr txBox="1">
+            <a:spLocks noGrp="1"/>
+          </p:cNvSpPr>
           <p:nvPr>
-            <p:ph idx="1" type="body"/>
+            <p:ph type="body" idx="1"/>
           </p:nvPr>
         </p:nvSpPr>
         <p:spPr>
@@ -2099,7 +2292,7 @@
           </a:prstGeom>
         </p:spPr>
         <p:txBody>
-          <a:bodyPr anchorCtr="0" anchor="t" bIns="91425" lIns="91425" rIns="91425" tIns="91425">
+          <a:bodyPr lIns="91425" tIns="91425" rIns="91425" bIns="91425" anchor="t" anchorCtr="0">
             <a:noAutofit/>
           </a:bodyPr>
           <a:lstStyle/>
@@ -2110,9 +2303,6 @@
               </a:spcBef>
               <a:buNone/>
             </a:pPr>
-            <a:r>
-              <a:t/>
-            </a:r>
             <a:endParaRPr/>
           </a:p>
         </p:txBody>
@@ -2126,11 +2316,11 @@
 </file>
 
 <file path=ppt/notesSlides/notesSlide3.xml><?xml version="1.0" encoding="utf-8"?>
-<p:notes xmlns:a="http://schemas.openxmlformats.org/drawingml/2006/main" xmlns:r="http://schemas.openxmlformats.org/officeDocument/2006/relationships" xmlns:mc="http://schemas.openxmlformats.org/markup-compatibility/2006" xmlns:mv="urn:schemas-microsoft-com:mac:vml" xmlns:p="http://schemas.openxmlformats.org/presentationml/2006/main" xmlns:c="http://schemas.openxmlformats.org/drawingml/2006/chart" xmlns:dgm="http://schemas.openxmlformats.org/drawingml/2006/diagram" xmlns:o="urn:schemas-microsoft-com:office:office" xmlns:v="urn:schemas-microsoft-com:vml" xmlns:pvml="urn:schemas-microsoft-com:office:powerpoint" xmlns:com="http://schemas.openxmlformats.org/drawingml/2006/compatibility" xmlns:p14="http://schemas.microsoft.com/office/powerpoint/2010/main" showMasterPhAnim="0" showMasterSp="0">
+<p:notes xmlns:a="http://schemas.openxmlformats.org/drawingml/2006/main" xmlns:r="http://schemas.openxmlformats.org/officeDocument/2006/relationships" xmlns:p="http://schemas.openxmlformats.org/presentationml/2006/main" showMasterSp="0" showMasterPhAnim="0">
   <p:cSld>
     <p:spTree>
       <p:nvGrpSpPr>
-        <p:cNvPr id="75" name="Shape 75"/>
+        <p:cNvPr id="1" name="Shape 75"/>
         <p:cNvGrpSpPr/>
         <p:nvPr/>
       </p:nvGrpSpPr>
@@ -2145,9 +2335,11 @@
       <p:sp>
         <p:nvSpPr>
           <p:cNvPr id="76" name="Shape 76"/>
-          <p:cNvSpPr/>
+          <p:cNvSpPr>
+            <a:spLocks noGrp="1" noRot="1" noChangeAspect="1"/>
+          </p:cNvSpPr>
           <p:nvPr>
-            <p:ph idx="2" type="sldImg"/>
+            <p:ph type="sldImg" idx="2"/>
           </p:nvPr>
         </p:nvSpPr>
         <p:spPr>
@@ -2156,8 +2348,13 @@
             <a:ext cx="6096000" cy="3429000"/>
           </a:xfrm>
           <a:custGeom>
+            <a:avLst/>
+            <a:gdLst/>
+            <a:ahLst/>
+            <a:cxnLst/>
+            <a:rect l="0" t="0" r="0" b="0"/>
             <a:pathLst>
-              <a:path extrusionOk="0" h="120000" w="120000">
+              <a:path w="120000" h="120000" extrusionOk="0">
                 <a:moveTo>
                   <a:pt x="0" y="0"/>
                 </a:moveTo>
@@ -2179,9 +2376,11 @@
       <p:sp>
         <p:nvSpPr>
           <p:cNvPr id="77" name="Shape 77"/>
-          <p:cNvSpPr txBox="1"/>
+          <p:cNvSpPr txBox="1">
+            <a:spLocks noGrp="1"/>
+          </p:cNvSpPr>
           <p:nvPr>
-            <p:ph idx="1" type="body"/>
+            <p:ph type="body" idx="1"/>
           </p:nvPr>
         </p:nvSpPr>
         <p:spPr>
@@ -2194,7 +2393,7 @@
           </a:prstGeom>
         </p:spPr>
         <p:txBody>
-          <a:bodyPr anchorCtr="0" anchor="t" bIns="91425" lIns="91425" rIns="91425" tIns="91425">
+          <a:bodyPr lIns="91425" tIns="91425" rIns="91425" bIns="91425" anchor="t" anchorCtr="0">
             <a:noAutofit/>
           </a:bodyPr>
           <a:lstStyle/>
@@ -2205,9 +2404,6 @@
               </a:spcBef>
               <a:buNone/>
             </a:pPr>
-            <a:r>
-              <a:t/>
-            </a:r>
             <a:endParaRPr/>
           </a:p>
         </p:txBody>
@@ -2221,11 +2417,11 @@
 </file>
 
 <file path=ppt/notesSlides/notesSlide4.xml><?xml version="1.0" encoding="utf-8"?>
-<p:notes xmlns:a="http://schemas.openxmlformats.org/drawingml/2006/main" xmlns:r="http://schemas.openxmlformats.org/officeDocument/2006/relationships" xmlns:mc="http://schemas.openxmlformats.org/markup-compatibility/2006" xmlns:mv="urn:schemas-microsoft-com:mac:vml" xmlns:p="http://schemas.openxmlformats.org/presentationml/2006/main" xmlns:c="http://schemas.openxmlformats.org/drawingml/2006/chart" xmlns:dgm="http://schemas.openxmlformats.org/drawingml/2006/diagram" xmlns:o="urn:schemas-microsoft-com:office:office" xmlns:v="urn:schemas-microsoft-com:vml" xmlns:pvml="urn:schemas-microsoft-com:office:powerpoint" xmlns:com="http://schemas.openxmlformats.org/drawingml/2006/compatibility" xmlns:p14="http://schemas.microsoft.com/office/powerpoint/2010/main" showMasterPhAnim="0" showMasterSp="0">
+<p:notes xmlns:a="http://schemas.openxmlformats.org/drawingml/2006/main" xmlns:r="http://schemas.openxmlformats.org/officeDocument/2006/relationships" xmlns:p="http://schemas.openxmlformats.org/presentationml/2006/main" showMasterSp="0" showMasterPhAnim="0">
   <p:cSld>
     <p:spTree>
       <p:nvGrpSpPr>
-        <p:cNvPr id="81" name="Shape 81"/>
+        <p:cNvPr id="1" name="Shape 81"/>
         <p:cNvGrpSpPr/>
         <p:nvPr/>
       </p:nvGrpSpPr>
@@ -2240,19 +2436,26 @@
       <p:sp>
         <p:nvSpPr>
           <p:cNvPr id="82" name="Shape 82"/>
-          <p:cNvSpPr/>
+          <p:cNvSpPr>
+            <a:spLocks noGrp="1" noRot="1" noChangeAspect="1"/>
+          </p:cNvSpPr>
           <p:nvPr>
-            <p:ph idx="2" type="sldImg"/>
+            <p:ph type="sldImg" idx="2"/>
           </p:nvPr>
         </p:nvSpPr>
         <p:spPr>
           <a:xfrm>
-            <a:off x="381300" y="685800"/>
+            <a:off x="381000" y="685800"/>
             <a:ext cx="6096000" cy="3429000"/>
           </a:xfrm>
           <a:custGeom>
+            <a:avLst/>
+            <a:gdLst/>
+            <a:ahLst/>
+            <a:cxnLst/>
+            <a:rect l="0" t="0" r="0" b="0"/>
             <a:pathLst>
-              <a:path extrusionOk="0" h="120000" w="120000">
+              <a:path w="120000" h="120000" extrusionOk="0">
                 <a:moveTo>
                   <a:pt x="0" y="0"/>
                 </a:moveTo>
@@ -2274,9 +2477,11 @@
       <p:sp>
         <p:nvSpPr>
           <p:cNvPr id="83" name="Shape 83"/>
-          <p:cNvSpPr txBox="1"/>
+          <p:cNvSpPr txBox="1">
+            <a:spLocks noGrp="1"/>
+          </p:cNvSpPr>
           <p:nvPr>
-            <p:ph idx="1" type="body"/>
+            <p:ph type="body" idx="1"/>
           </p:nvPr>
         </p:nvSpPr>
         <p:spPr>
@@ -2289,7 +2494,7 @@
           </a:prstGeom>
         </p:spPr>
         <p:txBody>
-          <a:bodyPr anchorCtr="0" anchor="t" bIns="91425" lIns="91425" rIns="91425" tIns="91425">
+          <a:bodyPr lIns="91425" tIns="91425" rIns="91425" bIns="91425" anchor="t" anchorCtr="0">
             <a:noAutofit/>
           </a:bodyPr>
           <a:lstStyle/>
@@ -2300,9 +2505,6 @@
               </a:spcBef>
               <a:buNone/>
             </a:pPr>
-            <a:r>
-              <a:t/>
-            </a:r>
             <a:endParaRPr/>
           </a:p>
         </p:txBody>
@@ -2316,11 +2518,11 @@
 </file>
 
 <file path=ppt/notesSlides/notesSlide5.xml><?xml version="1.0" encoding="utf-8"?>
-<p:notes xmlns:a="http://schemas.openxmlformats.org/drawingml/2006/main" xmlns:r="http://schemas.openxmlformats.org/officeDocument/2006/relationships" xmlns:mc="http://schemas.openxmlformats.org/markup-compatibility/2006" xmlns:mv="urn:schemas-microsoft-com:mac:vml" xmlns:p="http://schemas.openxmlformats.org/presentationml/2006/main" xmlns:c="http://schemas.openxmlformats.org/drawingml/2006/chart" xmlns:dgm="http://schemas.openxmlformats.org/drawingml/2006/diagram" xmlns:o="urn:schemas-microsoft-com:office:office" xmlns:v="urn:schemas-microsoft-com:vml" xmlns:pvml="urn:schemas-microsoft-com:office:powerpoint" xmlns:com="http://schemas.openxmlformats.org/drawingml/2006/compatibility" xmlns:p14="http://schemas.microsoft.com/office/powerpoint/2010/main" showMasterPhAnim="0" showMasterSp="0">
+<p:notes xmlns:a="http://schemas.openxmlformats.org/drawingml/2006/main" xmlns:r="http://schemas.openxmlformats.org/officeDocument/2006/relationships" xmlns:p="http://schemas.openxmlformats.org/presentationml/2006/main" showMasterSp="0" showMasterPhAnim="0">
   <p:cSld>
     <p:spTree>
       <p:nvGrpSpPr>
-        <p:cNvPr id="87" name="Shape 87"/>
+        <p:cNvPr id="1" name="Shape 87"/>
         <p:cNvGrpSpPr/>
         <p:nvPr/>
       </p:nvGrpSpPr>
@@ -2335,9 +2537,11 @@
       <p:sp>
         <p:nvSpPr>
           <p:cNvPr id="88" name="Shape 88"/>
-          <p:cNvSpPr/>
+          <p:cNvSpPr>
+            <a:spLocks noGrp="1" noRot="1" noChangeAspect="1"/>
+          </p:cNvSpPr>
           <p:nvPr>
-            <p:ph idx="2" type="sldImg"/>
+            <p:ph type="sldImg" idx="2"/>
           </p:nvPr>
         </p:nvSpPr>
         <p:spPr>
@@ -2346,8 +2550,13 @@
             <a:ext cx="6096000" cy="3429000"/>
           </a:xfrm>
           <a:custGeom>
+            <a:avLst/>
+            <a:gdLst/>
+            <a:ahLst/>
+            <a:cxnLst/>
+            <a:rect l="0" t="0" r="0" b="0"/>
             <a:pathLst>
-              <a:path extrusionOk="0" h="120000" w="120000">
+              <a:path w="120000" h="120000" extrusionOk="0">
                 <a:moveTo>
                   <a:pt x="0" y="0"/>
                 </a:moveTo>
@@ -2369,9 +2578,11 @@
       <p:sp>
         <p:nvSpPr>
           <p:cNvPr id="89" name="Shape 89"/>
-          <p:cNvSpPr txBox="1"/>
+          <p:cNvSpPr txBox="1">
+            <a:spLocks noGrp="1"/>
+          </p:cNvSpPr>
           <p:nvPr>
-            <p:ph idx="1" type="body"/>
+            <p:ph type="body" idx="1"/>
           </p:nvPr>
         </p:nvSpPr>
         <p:spPr>
@@ -2384,7 +2595,7 @@
           </a:prstGeom>
         </p:spPr>
         <p:txBody>
-          <a:bodyPr anchorCtr="0" anchor="t" bIns="91425" lIns="91425" rIns="91425" tIns="91425">
+          <a:bodyPr lIns="91425" tIns="91425" rIns="91425" bIns="91425" anchor="t" anchorCtr="0">
             <a:noAutofit/>
           </a:bodyPr>
           <a:lstStyle/>
@@ -2397,15 +2608,7 @@
             </a:pPr>
             <a:r>
               <a:rPr lang="en"/>
-              <a:t>If you need help figuring out the data type of a variable, use typeof. </a:t>
-            </a:r>
-            <a:r>
-              <a:rPr lang="en"/>
-              <a:t>t</a:t>
-            </a:r>
-            <a:r>
-              <a:rPr lang="en"/>
-              <a:t>ypeof foo would give you Number, String, etc. Practice using typeof</a:t>
+              <a:t>If you need help figuring out the data type of a variable, use typeof. typeof foo would give you Number, String, etc. Practice using typeof</a:t>
             </a:r>
           </a:p>
         </p:txBody>
@@ -2419,11 +2622,11 @@
 </file>
 
 <file path=ppt/notesSlides/notesSlide6.xml><?xml version="1.0" encoding="utf-8"?>
-<p:notes xmlns:a="http://schemas.openxmlformats.org/drawingml/2006/main" xmlns:r="http://schemas.openxmlformats.org/officeDocument/2006/relationships" xmlns:mc="http://schemas.openxmlformats.org/markup-compatibility/2006" xmlns:mv="urn:schemas-microsoft-com:mac:vml" xmlns:p="http://schemas.openxmlformats.org/presentationml/2006/main" xmlns:c="http://schemas.openxmlformats.org/drawingml/2006/chart" xmlns:dgm="http://schemas.openxmlformats.org/drawingml/2006/diagram" xmlns:o="urn:schemas-microsoft-com:office:office" xmlns:v="urn:schemas-microsoft-com:vml" xmlns:pvml="urn:schemas-microsoft-com:office:powerpoint" xmlns:com="http://schemas.openxmlformats.org/drawingml/2006/compatibility" xmlns:p14="http://schemas.microsoft.com/office/powerpoint/2010/main" showMasterPhAnim="0" showMasterSp="0">
+<p:notes xmlns:a="http://schemas.openxmlformats.org/drawingml/2006/main" xmlns:r="http://schemas.openxmlformats.org/officeDocument/2006/relationships" xmlns:p="http://schemas.openxmlformats.org/presentationml/2006/main" showMasterSp="0" showMasterPhAnim="0">
   <p:cSld>
     <p:spTree>
       <p:nvGrpSpPr>
-        <p:cNvPr id="94" name="Shape 94"/>
+        <p:cNvPr id="1" name="Shape 94"/>
         <p:cNvGrpSpPr/>
         <p:nvPr/>
       </p:nvGrpSpPr>
@@ -2438,19 +2641,26 @@
       <p:sp>
         <p:nvSpPr>
           <p:cNvPr id="95" name="Shape 95"/>
-          <p:cNvSpPr/>
+          <p:cNvSpPr>
+            <a:spLocks noGrp="1" noRot="1" noChangeAspect="1"/>
+          </p:cNvSpPr>
           <p:nvPr>
-            <p:ph idx="2" type="sldImg"/>
+            <p:ph type="sldImg" idx="2"/>
           </p:nvPr>
         </p:nvSpPr>
         <p:spPr>
           <a:xfrm>
-            <a:off x="381300" y="685800"/>
+            <a:off x="381000" y="685800"/>
             <a:ext cx="6096000" cy="3429000"/>
           </a:xfrm>
           <a:custGeom>
+            <a:avLst/>
+            <a:gdLst/>
+            <a:ahLst/>
+            <a:cxnLst/>
+            <a:rect l="0" t="0" r="0" b="0"/>
             <a:pathLst>
-              <a:path extrusionOk="0" h="120000" w="120000">
+              <a:path w="120000" h="120000" extrusionOk="0">
                 <a:moveTo>
                   <a:pt x="0" y="0"/>
                 </a:moveTo>
@@ -2472,9 +2682,11 @@
       <p:sp>
         <p:nvSpPr>
           <p:cNvPr id="96" name="Shape 96"/>
-          <p:cNvSpPr txBox="1"/>
+          <p:cNvSpPr txBox="1">
+            <a:spLocks noGrp="1"/>
+          </p:cNvSpPr>
           <p:nvPr>
-            <p:ph idx="1" type="body"/>
+            <p:ph type="body" idx="1"/>
           </p:nvPr>
         </p:nvSpPr>
         <p:spPr>
@@ -2487,7 +2699,7 @@
           </a:prstGeom>
         </p:spPr>
         <p:txBody>
-          <a:bodyPr anchorCtr="0" anchor="t" bIns="91425" lIns="91425" rIns="91425" tIns="91425">
+          <a:bodyPr lIns="91425" tIns="91425" rIns="91425" bIns="91425" anchor="t" anchorCtr="0">
             <a:noAutofit/>
           </a:bodyPr>
           <a:lstStyle/>
@@ -2514,11 +2726,11 @@
 </file>
 
 <file path=ppt/notesSlides/notesSlide7.xml><?xml version="1.0" encoding="utf-8"?>
-<p:notes xmlns:a="http://schemas.openxmlformats.org/drawingml/2006/main" xmlns:r="http://schemas.openxmlformats.org/officeDocument/2006/relationships" xmlns:mc="http://schemas.openxmlformats.org/markup-compatibility/2006" xmlns:mv="urn:schemas-microsoft-com:mac:vml" xmlns:p="http://schemas.openxmlformats.org/presentationml/2006/main" xmlns:c="http://schemas.openxmlformats.org/drawingml/2006/chart" xmlns:dgm="http://schemas.openxmlformats.org/drawingml/2006/diagram" xmlns:o="urn:schemas-microsoft-com:office:office" xmlns:v="urn:schemas-microsoft-com:vml" xmlns:pvml="urn:schemas-microsoft-com:office:powerpoint" xmlns:com="http://schemas.openxmlformats.org/drawingml/2006/compatibility" xmlns:p14="http://schemas.microsoft.com/office/powerpoint/2010/main" showMasterPhAnim="0" showMasterSp="0">
+<p:notes xmlns:a="http://schemas.openxmlformats.org/drawingml/2006/main" xmlns:r="http://schemas.openxmlformats.org/officeDocument/2006/relationships" xmlns:p="http://schemas.openxmlformats.org/presentationml/2006/main" showMasterSp="0" showMasterPhAnim="0">
   <p:cSld>
     <p:spTree>
       <p:nvGrpSpPr>
-        <p:cNvPr id="100" name="Shape 100"/>
+        <p:cNvPr id="1" name="Shape 100"/>
         <p:cNvGrpSpPr/>
         <p:nvPr/>
       </p:nvGrpSpPr>
@@ -2533,9 +2745,11 @@
       <p:sp>
         <p:nvSpPr>
           <p:cNvPr id="101" name="Shape 101"/>
-          <p:cNvSpPr/>
+          <p:cNvSpPr>
+            <a:spLocks noGrp="1" noRot="1" noChangeAspect="1"/>
+          </p:cNvSpPr>
           <p:nvPr>
-            <p:ph idx="2" type="sldImg"/>
+            <p:ph type="sldImg" idx="2"/>
           </p:nvPr>
         </p:nvSpPr>
         <p:spPr>
@@ -2544,8 +2758,13 @@
             <a:ext cx="6096000" cy="3429000"/>
           </a:xfrm>
           <a:custGeom>
+            <a:avLst/>
+            <a:gdLst/>
+            <a:ahLst/>
+            <a:cxnLst/>
+            <a:rect l="0" t="0" r="0" b="0"/>
             <a:pathLst>
-              <a:path extrusionOk="0" h="120000" w="120000">
+              <a:path w="120000" h="120000" extrusionOk="0">
                 <a:moveTo>
                   <a:pt x="0" y="0"/>
                 </a:moveTo>
@@ -2567,9 +2786,11 @@
       <p:sp>
         <p:nvSpPr>
           <p:cNvPr id="102" name="Shape 102"/>
-          <p:cNvSpPr txBox="1"/>
+          <p:cNvSpPr txBox="1">
+            <a:spLocks noGrp="1"/>
+          </p:cNvSpPr>
           <p:nvPr>
-            <p:ph idx="1" type="body"/>
+            <p:ph type="body" idx="1"/>
           </p:nvPr>
         </p:nvSpPr>
         <p:spPr>
@@ -2582,7 +2803,7 @@
           </a:prstGeom>
         </p:spPr>
         <p:txBody>
-          <a:bodyPr anchorCtr="0" anchor="t" bIns="91425" lIns="91425" rIns="91425" tIns="91425">
+          <a:bodyPr lIns="91425" tIns="91425" rIns="91425" bIns="91425" anchor="t" anchorCtr="0">
             <a:noAutofit/>
           </a:bodyPr>
           <a:lstStyle/>
@@ -2593,9 +2814,6 @@
               </a:spcBef>
               <a:buNone/>
             </a:pPr>
-            <a:r>
-              <a:t/>
-            </a:r>
             <a:endParaRPr/>
           </a:p>
         </p:txBody>
@@ -2609,11 +2827,11 @@
 </file>
 
 <file path=ppt/notesSlides/notesSlide8.xml><?xml version="1.0" encoding="utf-8"?>
-<p:notes xmlns:a="http://schemas.openxmlformats.org/drawingml/2006/main" xmlns:r="http://schemas.openxmlformats.org/officeDocument/2006/relationships" xmlns:mc="http://schemas.openxmlformats.org/markup-compatibility/2006" xmlns:mv="urn:schemas-microsoft-com:mac:vml" xmlns:p="http://schemas.openxmlformats.org/presentationml/2006/main" xmlns:c="http://schemas.openxmlformats.org/drawingml/2006/chart" xmlns:dgm="http://schemas.openxmlformats.org/drawingml/2006/diagram" xmlns:o="urn:schemas-microsoft-com:office:office" xmlns:v="urn:schemas-microsoft-com:vml" xmlns:pvml="urn:schemas-microsoft-com:office:powerpoint" xmlns:com="http://schemas.openxmlformats.org/drawingml/2006/compatibility" xmlns:p14="http://schemas.microsoft.com/office/powerpoint/2010/main" showMasterPhAnim="0" showMasterSp="0">
+<p:notes xmlns:a="http://schemas.openxmlformats.org/drawingml/2006/main" xmlns:r="http://schemas.openxmlformats.org/officeDocument/2006/relationships" xmlns:p="http://schemas.openxmlformats.org/presentationml/2006/main" showMasterSp="0" showMasterPhAnim="0">
   <p:cSld>
     <p:spTree>
       <p:nvGrpSpPr>
-        <p:cNvPr id="106" name="Shape 106"/>
+        <p:cNvPr id="1" name="Shape 106"/>
         <p:cNvGrpSpPr/>
         <p:nvPr/>
       </p:nvGrpSpPr>
@@ -2628,9 +2846,11 @@
       <p:sp>
         <p:nvSpPr>
           <p:cNvPr id="107" name="Shape 107"/>
-          <p:cNvSpPr/>
+          <p:cNvSpPr>
+            <a:spLocks noGrp="1" noRot="1" noChangeAspect="1"/>
+          </p:cNvSpPr>
           <p:nvPr>
-            <p:ph idx="2" type="sldImg"/>
+            <p:ph type="sldImg" idx="2"/>
           </p:nvPr>
         </p:nvSpPr>
         <p:spPr>
@@ -2639,8 +2859,13 @@
             <a:ext cx="6096000" cy="3429000"/>
           </a:xfrm>
           <a:custGeom>
+            <a:avLst/>
+            <a:gdLst/>
+            <a:ahLst/>
+            <a:cxnLst/>
+            <a:rect l="0" t="0" r="0" b="0"/>
             <a:pathLst>
-              <a:path extrusionOk="0" h="120000" w="120000">
+              <a:path w="120000" h="120000" extrusionOk="0">
                 <a:moveTo>
                   <a:pt x="0" y="0"/>
                 </a:moveTo>
@@ -2662,9 +2887,11 @@
       <p:sp>
         <p:nvSpPr>
           <p:cNvPr id="108" name="Shape 108"/>
-          <p:cNvSpPr txBox="1"/>
+          <p:cNvSpPr txBox="1">
+            <a:spLocks noGrp="1"/>
+          </p:cNvSpPr>
           <p:nvPr>
-            <p:ph idx="1" type="body"/>
+            <p:ph type="body" idx="1"/>
           </p:nvPr>
         </p:nvSpPr>
         <p:spPr>
@@ -2677,7 +2904,7 @@
           </a:prstGeom>
         </p:spPr>
         <p:txBody>
-          <a:bodyPr anchorCtr="0" anchor="t" bIns="91425" lIns="91425" rIns="91425" tIns="91425">
+          <a:bodyPr lIns="91425" tIns="91425" rIns="91425" bIns="91425" anchor="t" anchorCtr="0">
             <a:noAutofit/>
           </a:bodyPr>
           <a:lstStyle/>
@@ -2704,11 +2931,11 @@
 </file>
 
 <file path=ppt/notesSlides/notesSlide9.xml><?xml version="1.0" encoding="utf-8"?>
-<p:notes xmlns:a="http://schemas.openxmlformats.org/drawingml/2006/main" xmlns:r="http://schemas.openxmlformats.org/officeDocument/2006/relationships" xmlns:mc="http://schemas.openxmlformats.org/markup-compatibility/2006" xmlns:mv="urn:schemas-microsoft-com:mac:vml" xmlns:p="http://schemas.openxmlformats.org/presentationml/2006/main" xmlns:c="http://schemas.openxmlformats.org/drawingml/2006/chart" xmlns:dgm="http://schemas.openxmlformats.org/drawingml/2006/diagram" xmlns:o="urn:schemas-microsoft-com:office:office" xmlns:v="urn:schemas-microsoft-com:vml" xmlns:pvml="urn:schemas-microsoft-com:office:powerpoint" xmlns:com="http://schemas.openxmlformats.org/drawingml/2006/compatibility" xmlns:p14="http://schemas.microsoft.com/office/powerpoint/2010/main" showMasterPhAnim="0" showMasterSp="0">
+<p:notes xmlns:a="http://schemas.openxmlformats.org/drawingml/2006/main" xmlns:r="http://schemas.openxmlformats.org/officeDocument/2006/relationships" xmlns:p="http://schemas.openxmlformats.org/presentationml/2006/main" showMasterSp="0" showMasterPhAnim="0">
   <p:cSld>
     <p:spTree>
       <p:nvGrpSpPr>
-        <p:cNvPr id="112" name="Shape 112"/>
+        <p:cNvPr id="1" name="Shape 112"/>
         <p:cNvGrpSpPr/>
         <p:nvPr/>
       </p:nvGrpSpPr>
@@ -2723,9 +2950,11 @@
       <p:sp>
         <p:nvSpPr>
           <p:cNvPr id="113" name="Shape 113"/>
-          <p:cNvSpPr/>
+          <p:cNvSpPr>
+            <a:spLocks noGrp="1" noRot="1" noChangeAspect="1"/>
+          </p:cNvSpPr>
           <p:nvPr>
-            <p:ph idx="2" type="sldImg"/>
+            <p:ph type="sldImg" idx="2"/>
           </p:nvPr>
         </p:nvSpPr>
         <p:spPr>
@@ -2734,8 +2963,13 @@
             <a:ext cx="6096000" cy="3429000"/>
           </a:xfrm>
           <a:custGeom>
+            <a:avLst/>
+            <a:gdLst/>
+            <a:ahLst/>
+            <a:cxnLst/>
+            <a:rect l="0" t="0" r="0" b="0"/>
             <a:pathLst>
-              <a:path extrusionOk="0" h="120000" w="120000">
+              <a:path w="120000" h="120000" extrusionOk="0">
                 <a:moveTo>
                   <a:pt x="0" y="0"/>
                 </a:moveTo>
@@ -2757,9 +2991,11 @@
       <p:sp>
         <p:nvSpPr>
           <p:cNvPr id="114" name="Shape 114"/>
-          <p:cNvSpPr txBox="1"/>
+          <p:cNvSpPr txBox="1">
+            <a:spLocks noGrp="1"/>
+          </p:cNvSpPr>
           <p:nvPr>
-            <p:ph idx="1" type="body"/>
+            <p:ph type="body" idx="1"/>
           </p:nvPr>
         </p:nvSpPr>
         <p:spPr>
@@ -2772,7 +3008,7 @@
           </a:prstGeom>
         </p:spPr>
         <p:txBody>
-          <a:bodyPr anchorCtr="0" anchor="t" bIns="91425" lIns="91425" rIns="91425" tIns="91425">
+          <a:bodyPr lIns="91425" tIns="91425" rIns="91425" bIns="91425" anchor="t" anchorCtr="0">
             <a:noAutofit/>
           </a:bodyPr>
           <a:lstStyle/>
@@ -2783,9 +3019,6 @@
               </a:spcBef>
               <a:buNone/>
             </a:pPr>
-            <a:r>
-              <a:t/>
-            </a:r>
             <a:endParaRPr/>
           </a:p>
         </p:txBody>
@@ -2799,11 +3032,11 @@
 </file>
 
 <file path=ppt/slideLayouts/slideLayout1.xml><?xml version="1.0" encoding="utf-8"?>
-<p:sldLayout xmlns:a="http://schemas.openxmlformats.org/drawingml/2006/main" xmlns:r="http://schemas.openxmlformats.org/officeDocument/2006/relationships" xmlns:mc="http://schemas.openxmlformats.org/markup-compatibility/2006" xmlns:mv="urn:schemas-microsoft-com:mac:vml" xmlns:p="http://schemas.openxmlformats.org/presentationml/2006/main" xmlns:c="http://schemas.openxmlformats.org/drawingml/2006/chart" xmlns:dgm="http://schemas.openxmlformats.org/drawingml/2006/diagram" xmlns:o="urn:schemas-microsoft-com:office:office" xmlns:v="urn:schemas-microsoft-com:vml" xmlns:pvml="urn:schemas-microsoft-com:office:powerpoint" xmlns:com="http://schemas.openxmlformats.org/drawingml/2006/compatibility" xmlns:p14="http://schemas.microsoft.com/office/powerpoint/2010/main" type="title">
+<p:sldLayout xmlns:a="http://schemas.openxmlformats.org/drawingml/2006/main" xmlns:r="http://schemas.openxmlformats.org/officeDocument/2006/relationships" xmlns:p="http://schemas.openxmlformats.org/presentationml/2006/main" type="title">
   <p:cSld name="Title slide">
     <p:spTree>
       <p:nvGrpSpPr>
-        <p:cNvPr id="9" name="Shape 9"/>
+        <p:cNvPr id="1" name="Shape 9"/>
         <p:cNvGrpSpPr/>
         <p:nvPr/>
       </p:nvGrpSpPr>
@@ -2830,14 +3063,14 @@
             <a:avLst/>
           </a:prstGeom>
           <a:noFill/>
-          <a:ln cap="flat" cmpd="sng" w="76200">
+          <a:ln w="76200" cap="flat" cmpd="sng">
             <a:solidFill>
               <a:schemeClr val="lt2"/>
             </a:solidFill>
             <a:prstDash val="solid"/>
             <a:round/>
-            <a:headEnd len="med" w="med" type="none"/>
-            <a:tailEnd len="med" w="med" type="none"/>
+            <a:headEnd type="none" w="med" len="med"/>
+            <a:tailEnd type="none" w="med" len="med"/>
           </a:ln>
         </p:spPr>
       </p:cxnSp>
@@ -2856,14 +3089,14 @@
             <a:avLst/>
           </a:prstGeom>
           <a:noFill/>
-          <a:ln cap="flat" cmpd="sng" w="76200">
+          <a:ln w="76200" cap="flat" cmpd="sng">
             <a:solidFill>
               <a:schemeClr val="lt2"/>
             </a:solidFill>
             <a:prstDash val="solid"/>
             <a:round/>
-            <a:headEnd len="med" w="med" type="none"/>
-            <a:tailEnd len="med" w="med" type="none"/>
+            <a:headEnd type="none" w="med" len="med"/>
+            <a:tailEnd type="none" w="med" len="med"/>
           </a:ln>
         </p:spPr>
       </p:cxnSp>
@@ -2896,14 +3129,14 @@
               <a:avLst/>
             </a:prstGeom>
             <a:noFill/>
-            <a:ln cap="flat" cmpd="sng" w="76200">
+            <a:ln w="76200" cap="flat" cmpd="sng">
               <a:solidFill>
                 <a:schemeClr val="accent3"/>
               </a:solidFill>
               <a:prstDash val="solid"/>
               <a:round/>
-              <a:headEnd len="med" w="med" type="none"/>
-              <a:tailEnd len="med" w="med" type="none"/>
+              <a:headEnd type="none" w="med" len="med"/>
+              <a:tailEnd type="none" w="med" len="med"/>
             </a:ln>
           </p:spPr>
         </p:cxnSp>
@@ -2922,14 +3155,14 @@
               <a:avLst/>
             </a:prstGeom>
             <a:noFill/>
-            <a:ln cap="flat" cmpd="sng" w="9525">
+            <a:ln w="9525" cap="flat" cmpd="sng">
               <a:solidFill>
                 <a:schemeClr val="accent3"/>
               </a:solidFill>
               <a:prstDash val="solid"/>
               <a:round/>
-              <a:headEnd len="med" w="med" type="none"/>
-              <a:tailEnd len="med" w="med" type="none"/>
+              <a:headEnd type="none" w="med" len="med"/>
+              <a:tailEnd type="none" w="med" len="med"/>
             </a:ln>
           </p:spPr>
         </p:cxnSp>
@@ -2963,14 +3196,14 @@
               <a:avLst/>
             </a:prstGeom>
             <a:noFill/>
-            <a:ln cap="flat" cmpd="sng" w="76200">
+            <a:ln w="76200" cap="flat" cmpd="sng">
               <a:solidFill>
                 <a:schemeClr val="accent3"/>
               </a:solidFill>
               <a:prstDash val="solid"/>
               <a:round/>
-              <a:headEnd len="med" w="med" type="none"/>
-              <a:tailEnd len="med" w="med" type="none"/>
+              <a:headEnd type="none" w="med" len="med"/>
+              <a:tailEnd type="none" w="med" len="med"/>
             </a:ln>
           </p:spPr>
         </p:cxnSp>
@@ -2989,14 +3222,14 @@
               <a:avLst/>
             </a:prstGeom>
             <a:noFill/>
-            <a:ln cap="flat" cmpd="sng" w="9525">
+            <a:ln w="9525" cap="flat" cmpd="sng">
               <a:solidFill>
                 <a:schemeClr val="accent3"/>
               </a:solidFill>
               <a:prstDash val="solid"/>
               <a:round/>
-              <a:headEnd len="med" w="med" type="none"/>
-              <a:tailEnd len="med" w="med" type="none"/>
+              <a:headEnd type="none" w="med" len="med"/>
+              <a:tailEnd type="none" w="med" len="med"/>
             </a:ln>
           </p:spPr>
         </p:cxnSp>
@@ -3004,7 +3237,9 @@
       <p:sp>
         <p:nvSpPr>
           <p:cNvPr id="18" name="Shape 18"/>
-          <p:cNvSpPr txBox="1"/>
+          <p:cNvSpPr txBox="1">
+            <a:spLocks noGrp="1"/>
+          </p:cNvSpPr>
           <p:nvPr>
             <p:ph type="ctrTitle"/>
           </p:nvPr>
@@ -3019,7 +3254,7 @@
           </a:prstGeom>
         </p:spPr>
         <p:txBody>
-          <a:bodyPr anchorCtr="0" anchor="b" bIns="91425" lIns="91425" rIns="91425" tIns="91425"/>
+          <a:bodyPr lIns="91425" tIns="91425" rIns="91425" bIns="91425" anchor="b" anchorCtr="0"/>
           <a:lstStyle>
             <a:lvl1pPr lvl="0" algn="ctr">
               <a:spcBef>
@@ -3085,15 +3320,19 @@
               <a:defRPr sz="5400"/>
             </a:lvl9pPr>
           </a:lstStyle>
-          <a:p/>
+          <a:p>
+            <a:endParaRPr/>
+          </a:p>
         </p:txBody>
       </p:sp>
       <p:sp>
         <p:nvSpPr>
           <p:cNvPr id="19" name="Shape 19"/>
-          <p:cNvSpPr txBox="1"/>
+          <p:cNvSpPr txBox="1">
+            <a:spLocks noGrp="1"/>
+          </p:cNvSpPr>
           <p:nvPr>
-            <p:ph idx="1" type="subTitle"/>
+            <p:ph type="subTitle" idx="1"/>
           </p:nvPr>
         </p:nvSpPr>
         <p:spPr>
@@ -3106,7 +3345,7 @@
           </a:prstGeom>
         </p:spPr>
         <p:txBody>
-          <a:bodyPr anchorCtr="0" anchor="t" bIns="91425" lIns="91425" rIns="91425" tIns="91425"/>
+          <a:bodyPr lIns="91425" tIns="91425" rIns="91425" bIns="91425" anchor="t" anchorCtr="0"/>
           <a:lstStyle>
             <a:lvl1pPr lvl="0" algn="ctr">
               <a:lnSpc>
@@ -3235,15 +3474,19 @@
               <a:defRPr sz="2400"/>
             </a:lvl9pPr>
           </a:lstStyle>
-          <a:p/>
+          <a:p>
+            <a:endParaRPr/>
+          </a:p>
         </p:txBody>
       </p:sp>
       <p:sp>
         <p:nvSpPr>
           <p:cNvPr id="20" name="Shape 20"/>
-          <p:cNvSpPr txBox="1"/>
+          <p:cNvSpPr txBox="1">
+            <a:spLocks noGrp="1"/>
+          </p:cNvSpPr>
           <p:nvPr>
-            <p:ph idx="12" type="sldNum"/>
+            <p:ph type="sldNum" idx="12"/>
           </p:nvPr>
         </p:nvSpPr>
         <p:spPr>
@@ -3256,7 +3499,7 @@
           </a:prstGeom>
         </p:spPr>
         <p:txBody>
-          <a:bodyPr anchorCtr="0" anchor="ctr" bIns="91425" lIns="91425" rIns="91425" tIns="91425">
+          <a:bodyPr lIns="91425" tIns="91425" rIns="91425" bIns="91425" anchor="ctr" anchorCtr="0">
             <a:noAutofit/>
           </a:bodyPr>
           <a:lstStyle/>
@@ -3271,6 +3514,7 @@
               <a:rPr lang="en"/>
               <a:t>‹#›</a:t>
             </a:fld>
+            <a:endParaRPr lang="en"/>
           </a:p>
         </p:txBody>
       </p:sp>
@@ -3283,11 +3527,11 @@
 </file>
 
 <file path=ppt/slideLayouts/slideLayout10.xml><?xml version="1.0" encoding="utf-8"?>
-<p:sldLayout xmlns:a="http://schemas.openxmlformats.org/drawingml/2006/main" xmlns:r="http://schemas.openxmlformats.org/officeDocument/2006/relationships" xmlns:mc="http://schemas.openxmlformats.org/markup-compatibility/2006" xmlns:mv="urn:schemas-microsoft-com:mac:vml" xmlns:p="http://schemas.openxmlformats.org/presentationml/2006/main" xmlns:c="http://schemas.openxmlformats.org/drawingml/2006/chart" xmlns:dgm="http://schemas.openxmlformats.org/drawingml/2006/diagram" xmlns:o="urn:schemas-microsoft-com:office:office" xmlns:v="urn:schemas-microsoft-com:vml" xmlns:pvml="urn:schemas-microsoft-com:office:powerpoint" xmlns:com="http://schemas.openxmlformats.org/drawingml/2006/compatibility" xmlns:p14="http://schemas.microsoft.com/office/powerpoint/2010/main">
+<p:sldLayout xmlns:a="http://schemas.openxmlformats.org/drawingml/2006/main" xmlns:r="http://schemas.openxmlformats.org/officeDocument/2006/relationships" xmlns:p="http://schemas.openxmlformats.org/presentationml/2006/main">
   <p:cSld name="Big number">
     <p:spTree>
       <p:nvGrpSpPr>
-        <p:cNvPr id="55" name="Shape 55"/>
+        <p:cNvPr id="1" name="Shape 55"/>
         <p:cNvGrpSpPr/>
         <p:nvPr/>
       </p:nvGrpSpPr>
@@ -3321,7 +3565,7 @@
           </a:ln>
         </p:spPr>
         <p:txBody>
-          <a:bodyPr anchorCtr="0" anchor="ctr" bIns="91425" lIns="91425" rIns="91425" tIns="91425">
+          <a:bodyPr lIns="91425" tIns="91425" rIns="91425" bIns="91425" anchor="ctr" anchorCtr="0">
             <a:noAutofit/>
           </a:bodyPr>
           <a:lstStyle/>
@@ -3332,9 +3576,6 @@
               </a:spcBef>
               <a:buNone/>
             </a:pPr>
-            <a:r>
-              <a:t/>
-            </a:r>
             <a:endParaRPr/>
           </a:p>
         </p:txBody>
@@ -3342,7 +3583,9 @@
       <p:sp>
         <p:nvSpPr>
           <p:cNvPr id="57" name="Shape 57"/>
-          <p:cNvSpPr txBox="1"/>
+          <p:cNvSpPr txBox="1">
+            <a:spLocks noGrp="1"/>
+          </p:cNvSpPr>
           <p:nvPr>
             <p:ph type="title"/>
           </p:nvPr>
@@ -3357,7 +3600,7 @@
           </a:prstGeom>
         </p:spPr>
         <p:txBody>
-          <a:bodyPr anchorCtr="0" anchor="ctr" bIns="91425" lIns="91425" rIns="91425" tIns="91425"/>
+          <a:bodyPr lIns="91425" tIns="91425" rIns="91425" bIns="91425" anchor="ctr" anchorCtr="0"/>
           <a:lstStyle>
             <a:lvl1pPr lvl="0" algn="ctr">
               <a:spcBef>
@@ -3486,15 +3729,19 @@
               </a:defRPr>
             </a:lvl9pPr>
           </a:lstStyle>
-          <a:p/>
+          <a:p>
+            <a:endParaRPr/>
+          </a:p>
         </p:txBody>
       </p:sp>
       <p:sp>
         <p:nvSpPr>
           <p:cNvPr id="58" name="Shape 58"/>
-          <p:cNvSpPr txBox="1"/>
+          <p:cNvSpPr txBox="1">
+            <a:spLocks noGrp="1"/>
+          </p:cNvSpPr>
           <p:nvPr>
-            <p:ph idx="1" type="body"/>
+            <p:ph type="body" idx="1"/>
           </p:nvPr>
         </p:nvSpPr>
         <p:spPr>
@@ -3507,7 +3754,7 @@
           </a:prstGeom>
         </p:spPr>
         <p:txBody>
-          <a:bodyPr anchorCtr="0" anchor="t" bIns="91425" lIns="91425" rIns="91425" tIns="91425"/>
+          <a:bodyPr lIns="91425" tIns="91425" rIns="91425" bIns="91425" anchor="t" anchorCtr="0"/>
           <a:lstStyle>
             <a:lvl1pPr lvl="0" algn="ctr">
               <a:spcBef>
@@ -3564,15 +3811,19 @@
               <a:defRPr/>
             </a:lvl9pPr>
           </a:lstStyle>
-          <a:p/>
+          <a:p>
+            <a:endParaRPr/>
+          </a:p>
         </p:txBody>
       </p:sp>
       <p:sp>
         <p:nvSpPr>
           <p:cNvPr id="59" name="Shape 59"/>
-          <p:cNvSpPr txBox="1"/>
+          <p:cNvSpPr txBox="1">
+            <a:spLocks noGrp="1"/>
+          </p:cNvSpPr>
           <p:nvPr>
-            <p:ph idx="12" type="sldNum"/>
+            <p:ph type="sldNum" idx="12"/>
           </p:nvPr>
         </p:nvSpPr>
         <p:spPr>
@@ -3585,7 +3836,7 @@
           </a:prstGeom>
         </p:spPr>
         <p:txBody>
-          <a:bodyPr anchorCtr="0" anchor="ctr" bIns="91425" lIns="91425" rIns="91425" tIns="91425">
+          <a:bodyPr lIns="91425" tIns="91425" rIns="91425" bIns="91425" anchor="ctr" anchorCtr="0">
             <a:noAutofit/>
           </a:bodyPr>
           <a:lstStyle/>
@@ -3600,6 +3851,7 @@
               <a:rPr lang="en"/>
               <a:t>‹#›</a:t>
             </a:fld>
+            <a:endParaRPr lang="en"/>
           </a:p>
         </p:txBody>
       </p:sp>
@@ -3612,11 +3864,11 @@
 </file>
 
 <file path=ppt/slideLayouts/slideLayout11.xml><?xml version="1.0" encoding="utf-8"?>
-<p:sldLayout xmlns:a="http://schemas.openxmlformats.org/drawingml/2006/main" xmlns:r="http://schemas.openxmlformats.org/officeDocument/2006/relationships" xmlns:mc="http://schemas.openxmlformats.org/markup-compatibility/2006" xmlns:mv="urn:schemas-microsoft-com:mac:vml" xmlns:p="http://schemas.openxmlformats.org/presentationml/2006/main" xmlns:c="http://schemas.openxmlformats.org/drawingml/2006/chart" xmlns:dgm="http://schemas.openxmlformats.org/drawingml/2006/diagram" xmlns:o="urn:schemas-microsoft-com:office:office" xmlns:v="urn:schemas-microsoft-com:vml" xmlns:pvml="urn:schemas-microsoft-com:office:powerpoint" xmlns:com="http://schemas.openxmlformats.org/drawingml/2006/compatibility" xmlns:p14="http://schemas.microsoft.com/office/powerpoint/2010/main" type="blank">
+<p:sldLayout xmlns:a="http://schemas.openxmlformats.org/drawingml/2006/main" xmlns:r="http://schemas.openxmlformats.org/officeDocument/2006/relationships" xmlns:p="http://schemas.openxmlformats.org/presentationml/2006/main" type="blank">
   <p:cSld name="Blank">
     <p:spTree>
       <p:nvGrpSpPr>
-        <p:cNvPr id="60" name="Shape 60"/>
+        <p:cNvPr id="1" name="Shape 60"/>
         <p:cNvGrpSpPr/>
         <p:nvPr/>
       </p:nvGrpSpPr>
@@ -3631,9 +3883,11 @@
       <p:sp>
         <p:nvSpPr>
           <p:cNvPr id="61" name="Shape 61"/>
-          <p:cNvSpPr txBox="1"/>
+          <p:cNvSpPr txBox="1">
+            <a:spLocks noGrp="1"/>
+          </p:cNvSpPr>
           <p:nvPr>
-            <p:ph idx="12" type="sldNum"/>
+            <p:ph type="sldNum" idx="12"/>
           </p:nvPr>
         </p:nvSpPr>
         <p:spPr>
@@ -3646,7 +3900,7 @@
           </a:prstGeom>
         </p:spPr>
         <p:txBody>
-          <a:bodyPr anchorCtr="0" anchor="ctr" bIns="91425" lIns="91425" rIns="91425" tIns="91425">
+          <a:bodyPr lIns="91425" tIns="91425" rIns="91425" bIns="91425" anchor="ctr" anchorCtr="0">
             <a:noAutofit/>
           </a:bodyPr>
           <a:lstStyle/>
@@ -3661,6 +3915,7 @@
               <a:rPr lang="en"/>
               <a:t>‹#›</a:t>
             </a:fld>
+            <a:endParaRPr lang="en"/>
           </a:p>
         </p:txBody>
       </p:sp>
@@ -3673,11 +3928,11 @@
 </file>
 
 <file path=ppt/slideLayouts/slideLayout2.xml><?xml version="1.0" encoding="utf-8"?>
-<p:sldLayout xmlns:a="http://schemas.openxmlformats.org/drawingml/2006/main" xmlns:r="http://schemas.openxmlformats.org/officeDocument/2006/relationships" xmlns:mc="http://schemas.openxmlformats.org/markup-compatibility/2006" xmlns:mv="urn:schemas-microsoft-com:mac:vml" xmlns:p="http://schemas.openxmlformats.org/presentationml/2006/main" xmlns:c="http://schemas.openxmlformats.org/drawingml/2006/chart" xmlns:dgm="http://schemas.openxmlformats.org/drawingml/2006/diagram" xmlns:o="urn:schemas-microsoft-com:office:office" xmlns:v="urn:schemas-microsoft-com:vml" xmlns:pvml="urn:schemas-microsoft-com:office:powerpoint" xmlns:com="http://schemas.openxmlformats.org/drawingml/2006/compatibility" xmlns:p14="http://schemas.microsoft.com/office/powerpoint/2010/main" type="secHead">
+<p:sldLayout xmlns:a="http://schemas.openxmlformats.org/drawingml/2006/main" xmlns:r="http://schemas.openxmlformats.org/officeDocument/2006/relationships" xmlns:p="http://schemas.openxmlformats.org/presentationml/2006/main" type="secHead">
   <p:cSld name="Section header">
     <p:spTree>
       <p:nvGrpSpPr>
-        <p:cNvPr id="21" name="Shape 21"/>
+        <p:cNvPr id="1" name="Shape 21"/>
         <p:cNvGrpSpPr/>
         <p:nvPr/>
       </p:nvGrpSpPr>
@@ -3711,7 +3966,7 @@
           </a:ln>
         </p:spPr>
         <p:txBody>
-          <a:bodyPr anchorCtr="0" anchor="ctr" bIns="91425" lIns="91425" rIns="91425" tIns="91425">
+          <a:bodyPr lIns="91425" tIns="91425" rIns="91425" bIns="91425" anchor="ctr" anchorCtr="0">
             <a:noAutofit/>
           </a:bodyPr>
           <a:lstStyle/>
@@ -3722,9 +3977,6 @@
               </a:spcBef>
               <a:buNone/>
             </a:pPr>
-            <a:r>
-              <a:t/>
-            </a:r>
             <a:endParaRPr/>
           </a:p>
         </p:txBody>
@@ -3732,7 +3984,9 @@
       <p:sp>
         <p:nvSpPr>
           <p:cNvPr id="23" name="Shape 23"/>
-          <p:cNvSpPr txBox="1"/>
+          <p:cNvSpPr txBox="1">
+            <a:spLocks noGrp="1"/>
+          </p:cNvSpPr>
           <p:nvPr>
             <p:ph type="title"/>
           </p:nvPr>
@@ -3747,7 +4001,7 @@
           </a:prstGeom>
         </p:spPr>
         <p:txBody>
-          <a:bodyPr anchorCtr="0" anchor="ctr" bIns="91425" lIns="91425" rIns="91425" tIns="91425"/>
+          <a:bodyPr lIns="91425" tIns="91425" rIns="91425" bIns="91425" anchor="ctr" anchorCtr="0"/>
           <a:lstStyle>
             <a:lvl1pPr lvl="0" algn="ctr">
               <a:spcBef>
@@ -3804,15 +4058,19 @@
               <a:defRPr/>
             </a:lvl9pPr>
           </a:lstStyle>
-          <a:p/>
+          <a:p>
+            <a:endParaRPr/>
+          </a:p>
         </p:txBody>
       </p:sp>
       <p:sp>
         <p:nvSpPr>
           <p:cNvPr id="24" name="Shape 24"/>
-          <p:cNvSpPr txBox="1"/>
+          <p:cNvSpPr txBox="1">
+            <a:spLocks noGrp="1"/>
+          </p:cNvSpPr>
           <p:nvPr>
-            <p:ph idx="12" type="sldNum"/>
+            <p:ph type="sldNum" idx="12"/>
           </p:nvPr>
         </p:nvSpPr>
         <p:spPr>
@@ -3825,7 +4083,7 @@
           </a:prstGeom>
         </p:spPr>
         <p:txBody>
-          <a:bodyPr anchorCtr="0" anchor="ctr" bIns="91425" lIns="91425" rIns="91425" tIns="91425">
+          <a:bodyPr lIns="91425" tIns="91425" rIns="91425" bIns="91425" anchor="ctr" anchorCtr="0">
             <a:noAutofit/>
           </a:bodyPr>
           <a:lstStyle/>
@@ -3844,6 +4102,11 @@
               </a:rPr>
               <a:t>‹#›</a:t>
             </a:fld>
+            <a:endParaRPr lang="en">
+              <a:solidFill>
+                <a:schemeClr val="lt1"/>
+              </a:solidFill>
+            </a:endParaRPr>
           </a:p>
         </p:txBody>
       </p:sp>
@@ -3856,11 +4119,11 @@
 </file>
 
 <file path=ppt/slideLayouts/slideLayout3.xml><?xml version="1.0" encoding="utf-8"?>
-<p:sldLayout xmlns:a="http://schemas.openxmlformats.org/drawingml/2006/main" xmlns:r="http://schemas.openxmlformats.org/officeDocument/2006/relationships" xmlns:mc="http://schemas.openxmlformats.org/markup-compatibility/2006" xmlns:mv="urn:schemas-microsoft-com:mac:vml" xmlns:p="http://schemas.openxmlformats.org/presentationml/2006/main" xmlns:c="http://schemas.openxmlformats.org/drawingml/2006/chart" xmlns:dgm="http://schemas.openxmlformats.org/drawingml/2006/diagram" xmlns:o="urn:schemas-microsoft-com:office:office" xmlns:v="urn:schemas-microsoft-com:vml" xmlns:pvml="urn:schemas-microsoft-com:office:powerpoint" xmlns:com="http://schemas.openxmlformats.org/drawingml/2006/compatibility" xmlns:p14="http://schemas.microsoft.com/office/powerpoint/2010/main" type="tx">
+<p:sldLayout xmlns:a="http://schemas.openxmlformats.org/drawingml/2006/main" xmlns:r="http://schemas.openxmlformats.org/officeDocument/2006/relationships" xmlns:p="http://schemas.openxmlformats.org/presentationml/2006/main" type="tx">
   <p:cSld name="Title and body">
     <p:spTree>
       <p:nvGrpSpPr>
-        <p:cNvPr id="25" name="Shape 25"/>
+        <p:cNvPr id="1" name="Shape 25"/>
         <p:cNvGrpSpPr/>
         <p:nvPr/>
       </p:nvGrpSpPr>
@@ -3894,7 +4157,7 @@
           </a:ln>
         </p:spPr>
         <p:txBody>
-          <a:bodyPr anchorCtr="0" anchor="ctr" bIns="91425" lIns="91425" rIns="91425" tIns="91425">
+          <a:bodyPr lIns="91425" tIns="91425" rIns="91425" bIns="91425" anchor="ctr" anchorCtr="0">
             <a:noAutofit/>
           </a:bodyPr>
           <a:lstStyle/>
@@ -3905,9 +4168,6 @@
               </a:spcBef>
               <a:buNone/>
             </a:pPr>
-            <a:r>
-              <a:t/>
-            </a:r>
             <a:endParaRPr/>
           </a:p>
         </p:txBody>
@@ -3915,7 +4175,9 @@
       <p:sp>
         <p:nvSpPr>
           <p:cNvPr id="27" name="Shape 27"/>
-          <p:cNvSpPr txBox="1"/>
+          <p:cNvSpPr txBox="1">
+            <a:spLocks noGrp="1"/>
+          </p:cNvSpPr>
           <p:nvPr>
             <p:ph type="title"/>
           </p:nvPr>
@@ -3930,7 +4192,7 @@
           </a:prstGeom>
         </p:spPr>
         <p:txBody>
-          <a:bodyPr anchorCtr="0" anchor="t" bIns="91425" lIns="91425" rIns="91425" tIns="91425"/>
+          <a:bodyPr lIns="91425" tIns="91425" rIns="91425" bIns="91425" anchor="t" anchorCtr="0"/>
           <a:lstStyle>
             <a:lvl1pPr lvl="0">
               <a:spcBef>
@@ -3987,15 +4249,19 @@
               <a:defRPr/>
             </a:lvl9pPr>
           </a:lstStyle>
-          <a:p/>
+          <a:p>
+            <a:endParaRPr/>
+          </a:p>
         </p:txBody>
       </p:sp>
       <p:sp>
         <p:nvSpPr>
           <p:cNvPr id="28" name="Shape 28"/>
-          <p:cNvSpPr txBox="1"/>
+          <p:cNvSpPr txBox="1">
+            <a:spLocks noGrp="1"/>
+          </p:cNvSpPr>
           <p:nvPr>
-            <p:ph idx="1" type="body"/>
+            <p:ph type="body" idx="1"/>
           </p:nvPr>
         </p:nvSpPr>
         <p:spPr>
@@ -4008,7 +4274,7 @@
           </a:prstGeom>
         </p:spPr>
         <p:txBody>
-          <a:bodyPr anchorCtr="0" anchor="t" bIns="91425" lIns="91425" rIns="91425" tIns="91425"/>
+          <a:bodyPr lIns="91425" tIns="91425" rIns="91425" bIns="91425" anchor="t" anchorCtr="0"/>
           <a:lstStyle>
             <a:lvl1pPr lvl="0">
               <a:spcBef>
@@ -4065,15 +4331,19 @@
               <a:defRPr/>
             </a:lvl9pPr>
           </a:lstStyle>
-          <a:p/>
+          <a:p>
+            <a:endParaRPr/>
+          </a:p>
         </p:txBody>
       </p:sp>
       <p:sp>
         <p:nvSpPr>
           <p:cNvPr id="29" name="Shape 29"/>
-          <p:cNvSpPr txBox="1"/>
+          <p:cNvSpPr txBox="1">
+            <a:spLocks noGrp="1"/>
+          </p:cNvSpPr>
           <p:nvPr>
-            <p:ph idx="12" type="sldNum"/>
+            <p:ph type="sldNum" idx="12"/>
           </p:nvPr>
         </p:nvSpPr>
         <p:spPr>
@@ -4086,7 +4356,7 @@
           </a:prstGeom>
         </p:spPr>
         <p:txBody>
-          <a:bodyPr anchorCtr="0" anchor="ctr" bIns="91425" lIns="91425" rIns="91425" tIns="91425">
+          <a:bodyPr lIns="91425" tIns="91425" rIns="91425" bIns="91425" anchor="ctr" anchorCtr="0">
             <a:noAutofit/>
           </a:bodyPr>
           <a:lstStyle/>
@@ -4101,6 +4371,7 @@
               <a:rPr lang="en"/>
               <a:t>‹#›</a:t>
             </a:fld>
+            <a:endParaRPr lang="en"/>
           </a:p>
         </p:txBody>
       </p:sp>
@@ -4113,11 +4384,11 @@
 </file>
 
 <file path=ppt/slideLayouts/slideLayout4.xml><?xml version="1.0" encoding="utf-8"?>
-<p:sldLayout xmlns:a="http://schemas.openxmlformats.org/drawingml/2006/main" xmlns:r="http://schemas.openxmlformats.org/officeDocument/2006/relationships" xmlns:mc="http://schemas.openxmlformats.org/markup-compatibility/2006" xmlns:mv="urn:schemas-microsoft-com:mac:vml" xmlns:p="http://schemas.openxmlformats.org/presentationml/2006/main" xmlns:c="http://schemas.openxmlformats.org/drawingml/2006/chart" xmlns:dgm="http://schemas.openxmlformats.org/drawingml/2006/diagram" xmlns:o="urn:schemas-microsoft-com:office:office" xmlns:v="urn:schemas-microsoft-com:vml" xmlns:pvml="urn:schemas-microsoft-com:office:powerpoint" xmlns:com="http://schemas.openxmlformats.org/drawingml/2006/compatibility" xmlns:p14="http://schemas.microsoft.com/office/powerpoint/2010/main" type="twoColTx">
+<p:sldLayout xmlns:a="http://schemas.openxmlformats.org/drawingml/2006/main" xmlns:r="http://schemas.openxmlformats.org/officeDocument/2006/relationships" xmlns:p="http://schemas.openxmlformats.org/presentationml/2006/main" type="twoColTx">
   <p:cSld name="Title and two columns">
     <p:spTree>
       <p:nvGrpSpPr>
-        <p:cNvPr id="30" name="Shape 30"/>
+        <p:cNvPr id="1" name="Shape 30"/>
         <p:cNvGrpSpPr/>
         <p:nvPr/>
       </p:nvGrpSpPr>
@@ -4132,7 +4403,9 @@
       <p:sp>
         <p:nvSpPr>
           <p:cNvPr id="31" name="Shape 31"/>
-          <p:cNvSpPr txBox="1"/>
+          <p:cNvSpPr txBox="1">
+            <a:spLocks noGrp="1"/>
+          </p:cNvSpPr>
           <p:nvPr>
             <p:ph type="title"/>
           </p:nvPr>
@@ -4147,7 +4420,7 @@
           </a:prstGeom>
         </p:spPr>
         <p:txBody>
-          <a:bodyPr anchorCtr="0" anchor="t" bIns="91425" lIns="91425" rIns="91425" tIns="91425"/>
+          <a:bodyPr lIns="91425" tIns="91425" rIns="91425" bIns="91425" anchor="t" anchorCtr="0"/>
           <a:lstStyle>
             <a:lvl1pPr lvl="0">
               <a:spcBef>
@@ -4204,15 +4477,19 @@
               <a:defRPr/>
             </a:lvl9pPr>
           </a:lstStyle>
-          <a:p/>
+          <a:p>
+            <a:endParaRPr/>
+          </a:p>
         </p:txBody>
       </p:sp>
       <p:sp>
         <p:nvSpPr>
           <p:cNvPr id="32" name="Shape 32"/>
-          <p:cNvSpPr txBox="1"/>
+          <p:cNvSpPr txBox="1">
+            <a:spLocks noGrp="1"/>
+          </p:cNvSpPr>
           <p:nvPr>
-            <p:ph idx="1" type="body"/>
+            <p:ph type="body" idx="1"/>
           </p:nvPr>
         </p:nvSpPr>
         <p:spPr>
@@ -4225,7 +4502,7 @@
           </a:prstGeom>
         </p:spPr>
         <p:txBody>
-          <a:bodyPr anchorCtr="0" anchor="t" bIns="91425" lIns="91425" rIns="91425" tIns="91425"/>
+          <a:bodyPr lIns="91425" tIns="91425" rIns="91425" bIns="91425" anchor="t" anchorCtr="0"/>
           <a:lstStyle>
             <a:lvl1pPr lvl="0">
               <a:spcBef>
@@ -4291,15 +4568,19 @@
               <a:defRPr sz="1200"/>
             </a:lvl9pPr>
           </a:lstStyle>
-          <a:p/>
+          <a:p>
+            <a:endParaRPr/>
+          </a:p>
         </p:txBody>
       </p:sp>
       <p:sp>
         <p:nvSpPr>
           <p:cNvPr id="33" name="Shape 33"/>
-          <p:cNvSpPr txBox="1"/>
+          <p:cNvSpPr txBox="1">
+            <a:spLocks noGrp="1"/>
+          </p:cNvSpPr>
           <p:nvPr>
-            <p:ph idx="2" type="body"/>
+            <p:ph type="body" idx="2"/>
           </p:nvPr>
         </p:nvSpPr>
         <p:spPr>
@@ -4312,7 +4593,7 @@
           </a:prstGeom>
         </p:spPr>
         <p:txBody>
-          <a:bodyPr anchorCtr="0" anchor="t" bIns="91425" lIns="91425" rIns="91425" tIns="91425"/>
+          <a:bodyPr lIns="91425" tIns="91425" rIns="91425" bIns="91425" anchor="t" anchorCtr="0"/>
           <a:lstStyle>
             <a:lvl1pPr lvl="0">
               <a:spcBef>
@@ -4378,15 +4659,19 @@
               <a:defRPr sz="1200"/>
             </a:lvl9pPr>
           </a:lstStyle>
-          <a:p/>
+          <a:p>
+            <a:endParaRPr/>
+          </a:p>
         </p:txBody>
       </p:sp>
       <p:sp>
         <p:nvSpPr>
           <p:cNvPr id="34" name="Shape 34"/>
-          <p:cNvSpPr txBox="1"/>
+          <p:cNvSpPr txBox="1">
+            <a:spLocks noGrp="1"/>
+          </p:cNvSpPr>
           <p:nvPr>
-            <p:ph idx="12" type="sldNum"/>
+            <p:ph type="sldNum" idx="12"/>
           </p:nvPr>
         </p:nvSpPr>
         <p:spPr>
@@ -4399,7 +4684,7 @@
           </a:prstGeom>
         </p:spPr>
         <p:txBody>
-          <a:bodyPr anchorCtr="0" anchor="ctr" bIns="91425" lIns="91425" rIns="91425" tIns="91425">
+          <a:bodyPr lIns="91425" tIns="91425" rIns="91425" bIns="91425" anchor="ctr" anchorCtr="0">
             <a:noAutofit/>
           </a:bodyPr>
           <a:lstStyle/>
@@ -4414,6 +4699,7 @@
               <a:rPr lang="en"/>
               <a:t>‹#›</a:t>
             </a:fld>
+            <a:endParaRPr lang="en"/>
           </a:p>
         </p:txBody>
       </p:sp>
@@ -4426,11 +4712,11 @@
 </file>
 
 <file path=ppt/slideLayouts/slideLayout5.xml><?xml version="1.0" encoding="utf-8"?>
-<p:sldLayout xmlns:a="http://schemas.openxmlformats.org/drawingml/2006/main" xmlns:r="http://schemas.openxmlformats.org/officeDocument/2006/relationships" xmlns:mc="http://schemas.openxmlformats.org/markup-compatibility/2006" xmlns:mv="urn:schemas-microsoft-com:mac:vml" xmlns:p="http://schemas.openxmlformats.org/presentationml/2006/main" xmlns:c="http://schemas.openxmlformats.org/drawingml/2006/chart" xmlns:dgm="http://schemas.openxmlformats.org/drawingml/2006/diagram" xmlns:o="urn:schemas-microsoft-com:office:office" xmlns:v="urn:schemas-microsoft-com:vml" xmlns:pvml="urn:schemas-microsoft-com:office:powerpoint" xmlns:com="http://schemas.openxmlformats.org/drawingml/2006/compatibility" xmlns:p14="http://schemas.microsoft.com/office/powerpoint/2010/main" type="titleOnly">
+<p:sldLayout xmlns:a="http://schemas.openxmlformats.org/drawingml/2006/main" xmlns:r="http://schemas.openxmlformats.org/officeDocument/2006/relationships" xmlns:p="http://schemas.openxmlformats.org/presentationml/2006/main" type="titleOnly">
   <p:cSld name="Title only">
     <p:spTree>
       <p:nvGrpSpPr>
-        <p:cNvPr id="35" name="Shape 35"/>
+        <p:cNvPr id="1" name="Shape 35"/>
         <p:cNvGrpSpPr/>
         <p:nvPr/>
       </p:nvGrpSpPr>
@@ -4445,7 +4731,9 @@
       <p:sp>
         <p:nvSpPr>
           <p:cNvPr id="36" name="Shape 36"/>
-          <p:cNvSpPr txBox="1"/>
+          <p:cNvSpPr txBox="1">
+            <a:spLocks noGrp="1"/>
+          </p:cNvSpPr>
           <p:nvPr>
             <p:ph type="title"/>
           </p:nvPr>
@@ -4460,7 +4748,7 @@
           </a:prstGeom>
         </p:spPr>
         <p:txBody>
-          <a:bodyPr anchorCtr="0" anchor="t" bIns="91425" lIns="91425" rIns="91425" tIns="91425"/>
+          <a:bodyPr lIns="91425" tIns="91425" rIns="91425" bIns="91425" anchor="t" anchorCtr="0"/>
           <a:lstStyle>
             <a:lvl1pPr lvl="0">
               <a:spcBef>
@@ -4517,15 +4805,19 @@
               <a:defRPr/>
             </a:lvl9pPr>
           </a:lstStyle>
-          <a:p/>
+          <a:p>
+            <a:endParaRPr/>
+          </a:p>
         </p:txBody>
       </p:sp>
       <p:sp>
         <p:nvSpPr>
           <p:cNvPr id="37" name="Shape 37"/>
-          <p:cNvSpPr txBox="1"/>
+          <p:cNvSpPr txBox="1">
+            <a:spLocks noGrp="1"/>
+          </p:cNvSpPr>
           <p:nvPr>
-            <p:ph idx="12" type="sldNum"/>
+            <p:ph type="sldNum" idx="12"/>
           </p:nvPr>
         </p:nvSpPr>
         <p:spPr>
@@ -4538,7 +4830,7 @@
           </a:prstGeom>
         </p:spPr>
         <p:txBody>
-          <a:bodyPr anchorCtr="0" anchor="ctr" bIns="91425" lIns="91425" rIns="91425" tIns="91425">
+          <a:bodyPr lIns="91425" tIns="91425" rIns="91425" bIns="91425" anchor="ctr" anchorCtr="0">
             <a:noAutofit/>
           </a:bodyPr>
           <a:lstStyle/>
@@ -4553,6 +4845,7 @@
               <a:rPr lang="en"/>
               <a:t>‹#›</a:t>
             </a:fld>
+            <a:endParaRPr lang="en"/>
           </a:p>
         </p:txBody>
       </p:sp>
@@ -4565,11 +4858,11 @@
 </file>
 
 <file path=ppt/slideLayouts/slideLayout6.xml><?xml version="1.0" encoding="utf-8"?>
-<p:sldLayout xmlns:a="http://schemas.openxmlformats.org/drawingml/2006/main" xmlns:r="http://schemas.openxmlformats.org/officeDocument/2006/relationships" xmlns:mc="http://schemas.openxmlformats.org/markup-compatibility/2006" xmlns:mv="urn:schemas-microsoft-com:mac:vml" xmlns:p="http://schemas.openxmlformats.org/presentationml/2006/main" xmlns:c="http://schemas.openxmlformats.org/drawingml/2006/chart" xmlns:dgm="http://schemas.openxmlformats.org/drawingml/2006/diagram" xmlns:o="urn:schemas-microsoft-com:office:office" xmlns:v="urn:schemas-microsoft-com:vml" xmlns:pvml="urn:schemas-microsoft-com:office:powerpoint" xmlns:com="http://schemas.openxmlformats.org/drawingml/2006/compatibility" xmlns:p14="http://schemas.microsoft.com/office/powerpoint/2010/main">
+<p:sldLayout xmlns:a="http://schemas.openxmlformats.org/drawingml/2006/main" xmlns:r="http://schemas.openxmlformats.org/officeDocument/2006/relationships" xmlns:p="http://schemas.openxmlformats.org/presentationml/2006/main">
   <p:cSld name="One column text">
     <p:spTree>
       <p:nvGrpSpPr>
-        <p:cNvPr id="38" name="Shape 38"/>
+        <p:cNvPr id="1" name="Shape 38"/>
         <p:cNvGrpSpPr/>
         <p:nvPr/>
       </p:nvGrpSpPr>
@@ -4584,7 +4877,9 @@
       <p:sp>
         <p:nvSpPr>
           <p:cNvPr id="39" name="Shape 39"/>
-          <p:cNvSpPr txBox="1"/>
+          <p:cNvSpPr txBox="1">
+            <a:spLocks noGrp="1"/>
+          </p:cNvSpPr>
           <p:nvPr>
             <p:ph type="title"/>
           </p:nvPr>
@@ -4599,7 +4894,7 @@
           </a:prstGeom>
         </p:spPr>
         <p:txBody>
-          <a:bodyPr anchorCtr="0" anchor="b" bIns="91425" lIns="91425" rIns="91425" tIns="91425"/>
+          <a:bodyPr lIns="91425" tIns="91425" rIns="91425" bIns="91425" anchor="b" anchorCtr="0"/>
           <a:lstStyle>
             <a:lvl1pPr lvl="0">
               <a:spcBef>
@@ -4665,15 +4960,19 @@
               <a:defRPr sz="2400"/>
             </a:lvl9pPr>
           </a:lstStyle>
-          <a:p/>
+          <a:p>
+            <a:endParaRPr/>
+          </a:p>
         </p:txBody>
       </p:sp>
       <p:sp>
         <p:nvSpPr>
           <p:cNvPr id="40" name="Shape 40"/>
-          <p:cNvSpPr txBox="1"/>
+          <p:cNvSpPr txBox="1">
+            <a:spLocks noGrp="1"/>
+          </p:cNvSpPr>
           <p:nvPr>
-            <p:ph idx="1" type="body"/>
+            <p:ph type="body" idx="1"/>
           </p:nvPr>
         </p:nvSpPr>
         <p:spPr>
@@ -4686,7 +4985,7 @@
           </a:prstGeom>
         </p:spPr>
         <p:txBody>
-          <a:bodyPr anchorCtr="0" anchor="t" bIns="91425" lIns="91425" rIns="91425" tIns="91425"/>
+          <a:bodyPr lIns="91425" tIns="91425" rIns="91425" bIns="91425" anchor="t" anchorCtr="0"/>
           <a:lstStyle>
             <a:lvl1pPr lvl="0">
               <a:spcBef>
@@ -4752,15 +5051,19 @@
               <a:defRPr sz="1200"/>
             </a:lvl9pPr>
           </a:lstStyle>
-          <a:p/>
+          <a:p>
+            <a:endParaRPr/>
+          </a:p>
         </p:txBody>
       </p:sp>
       <p:sp>
         <p:nvSpPr>
           <p:cNvPr id="41" name="Shape 41"/>
-          <p:cNvSpPr txBox="1"/>
+          <p:cNvSpPr txBox="1">
+            <a:spLocks noGrp="1"/>
+          </p:cNvSpPr>
           <p:nvPr>
-            <p:ph idx="12" type="sldNum"/>
+            <p:ph type="sldNum" idx="12"/>
           </p:nvPr>
         </p:nvSpPr>
         <p:spPr>
@@ -4773,7 +5076,7 @@
           </a:prstGeom>
         </p:spPr>
         <p:txBody>
-          <a:bodyPr anchorCtr="0" anchor="ctr" bIns="91425" lIns="91425" rIns="91425" tIns="91425">
+          <a:bodyPr lIns="91425" tIns="91425" rIns="91425" bIns="91425" anchor="ctr" anchorCtr="0">
             <a:noAutofit/>
           </a:bodyPr>
           <a:lstStyle/>
@@ -4788,6 +5091,7 @@
               <a:rPr lang="en"/>
               <a:t>‹#›</a:t>
             </a:fld>
+            <a:endParaRPr lang="en"/>
           </a:p>
         </p:txBody>
       </p:sp>
@@ -4800,18 +5104,19 @@
 </file>
 
 <file path=ppt/slideLayouts/slideLayout7.xml><?xml version="1.0" encoding="utf-8"?>
-<p:sldLayout xmlns:a="http://schemas.openxmlformats.org/drawingml/2006/main" xmlns:r="http://schemas.openxmlformats.org/officeDocument/2006/relationships" xmlns:mc="http://schemas.openxmlformats.org/markup-compatibility/2006" xmlns:mv="urn:schemas-microsoft-com:mac:vml" xmlns:p="http://schemas.openxmlformats.org/presentationml/2006/main" xmlns:c="http://schemas.openxmlformats.org/drawingml/2006/chart" xmlns:dgm="http://schemas.openxmlformats.org/drawingml/2006/diagram" xmlns:o="urn:schemas-microsoft-com:office:office" xmlns:v="urn:schemas-microsoft-com:vml" xmlns:pvml="urn:schemas-microsoft-com:office:powerpoint" xmlns:com="http://schemas.openxmlformats.org/drawingml/2006/compatibility" xmlns:p14="http://schemas.microsoft.com/office/powerpoint/2010/main">
+<p:sldLayout xmlns:a="http://schemas.openxmlformats.org/drawingml/2006/main" xmlns:r="http://schemas.openxmlformats.org/officeDocument/2006/relationships" xmlns:p="http://schemas.openxmlformats.org/presentationml/2006/main">
   <p:cSld name="Main point">
     <p:bg>
       <p:bgPr>
         <a:solidFill>
           <a:schemeClr val="accent6"/>
         </a:solidFill>
+        <a:effectLst/>
       </p:bgPr>
     </p:bg>
     <p:spTree>
       <p:nvGrpSpPr>
-        <p:cNvPr id="42" name="Shape 42"/>
+        <p:cNvPr id="1" name="Shape 42"/>
         <p:cNvGrpSpPr/>
         <p:nvPr/>
       </p:nvGrpSpPr>
@@ -4826,7 +5131,9 @@
       <p:sp>
         <p:nvSpPr>
           <p:cNvPr id="43" name="Shape 43"/>
-          <p:cNvSpPr txBox="1"/>
+          <p:cNvSpPr txBox="1">
+            <a:spLocks noGrp="1"/>
+          </p:cNvSpPr>
           <p:nvPr>
             <p:ph type="title"/>
           </p:nvPr>
@@ -4841,7 +5148,7 @@
           </a:prstGeom>
         </p:spPr>
         <p:txBody>
-          <a:bodyPr anchorCtr="0" anchor="ctr" bIns="91425" lIns="91425" rIns="91425" tIns="91425"/>
+          <a:bodyPr lIns="91425" tIns="91425" rIns="91425" bIns="91425" anchor="ctr" anchorCtr="0"/>
           <a:lstStyle>
             <a:lvl1pPr lvl="0">
               <a:spcBef>
@@ -4851,7 +5158,7 @@
                 <a:schemeClr val="dk2"/>
               </a:buClr>
               <a:buSzPct val="100000"/>
-              <a:defRPr b="0" sz="5400">
+              <a:defRPr sz="5400" b="0">
                 <a:solidFill>
                   <a:schemeClr val="dk2"/>
                 </a:solidFill>
@@ -4865,7 +5172,7 @@
                 <a:schemeClr val="dk2"/>
               </a:buClr>
               <a:buSzPct val="100000"/>
-              <a:defRPr b="0" sz="5400">
+              <a:defRPr sz="5400" b="0">
                 <a:solidFill>
                   <a:schemeClr val="dk2"/>
                 </a:solidFill>
@@ -4879,7 +5186,7 @@
                 <a:schemeClr val="dk2"/>
               </a:buClr>
               <a:buSzPct val="100000"/>
-              <a:defRPr b="0" sz="5400">
+              <a:defRPr sz="5400" b="0">
                 <a:solidFill>
                   <a:schemeClr val="dk2"/>
                 </a:solidFill>
@@ -4893,7 +5200,7 @@
                 <a:schemeClr val="dk2"/>
               </a:buClr>
               <a:buSzPct val="100000"/>
-              <a:defRPr b="0" sz="5400">
+              <a:defRPr sz="5400" b="0">
                 <a:solidFill>
                   <a:schemeClr val="dk2"/>
                 </a:solidFill>
@@ -4907,7 +5214,7 @@
                 <a:schemeClr val="dk2"/>
               </a:buClr>
               <a:buSzPct val="100000"/>
-              <a:defRPr b="0" sz="5400">
+              <a:defRPr sz="5400" b="0">
                 <a:solidFill>
                   <a:schemeClr val="dk2"/>
                 </a:solidFill>
@@ -4921,7 +5228,7 @@
                 <a:schemeClr val="dk2"/>
               </a:buClr>
               <a:buSzPct val="100000"/>
-              <a:defRPr b="0" sz="5400">
+              <a:defRPr sz="5400" b="0">
                 <a:solidFill>
                   <a:schemeClr val="dk2"/>
                 </a:solidFill>
@@ -4935,7 +5242,7 @@
                 <a:schemeClr val="dk2"/>
               </a:buClr>
               <a:buSzPct val="100000"/>
-              <a:defRPr b="0" sz="5400">
+              <a:defRPr sz="5400" b="0">
                 <a:solidFill>
                   <a:schemeClr val="dk2"/>
                 </a:solidFill>
@@ -4949,7 +5256,7 @@
                 <a:schemeClr val="dk2"/>
               </a:buClr>
               <a:buSzPct val="100000"/>
-              <a:defRPr b="0" sz="5400">
+              <a:defRPr sz="5400" b="0">
                 <a:solidFill>
                   <a:schemeClr val="dk2"/>
                 </a:solidFill>
@@ -4963,22 +5270,26 @@
                 <a:schemeClr val="dk2"/>
               </a:buClr>
               <a:buSzPct val="100000"/>
-              <a:defRPr b="0" sz="5400">
+              <a:defRPr sz="5400" b="0">
                 <a:solidFill>
                   <a:schemeClr val="dk2"/>
                 </a:solidFill>
               </a:defRPr>
             </a:lvl9pPr>
           </a:lstStyle>
-          <a:p/>
+          <a:p>
+            <a:endParaRPr/>
+          </a:p>
         </p:txBody>
       </p:sp>
       <p:sp>
         <p:nvSpPr>
           <p:cNvPr id="44" name="Shape 44"/>
-          <p:cNvSpPr txBox="1"/>
+          <p:cNvSpPr txBox="1">
+            <a:spLocks noGrp="1"/>
+          </p:cNvSpPr>
           <p:nvPr>
-            <p:ph idx="12" type="sldNum"/>
+            <p:ph type="sldNum" idx="12"/>
           </p:nvPr>
         </p:nvSpPr>
         <p:spPr>
@@ -4991,7 +5302,7 @@
           </a:prstGeom>
         </p:spPr>
         <p:txBody>
-          <a:bodyPr anchorCtr="0" anchor="ctr" bIns="91425" lIns="91425" rIns="91425" tIns="91425">
+          <a:bodyPr lIns="91425" tIns="91425" rIns="91425" bIns="91425" anchor="ctr" anchorCtr="0">
             <a:noAutofit/>
           </a:bodyPr>
           <a:lstStyle/>
@@ -5006,6 +5317,7 @@
               <a:rPr lang="en"/>
               <a:t>‹#›</a:t>
             </a:fld>
+            <a:endParaRPr lang="en"/>
           </a:p>
         </p:txBody>
       </p:sp>
@@ -5018,11 +5330,11 @@
 </file>
 
 <file path=ppt/slideLayouts/slideLayout8.xml><?xml version="1.0" encoding="utf-8"?>
-<p:sldLayout xmlns:a="http://schemas.openxmlformats.org/drawingml/2006/main" xmlns:r="http://schemas.openxmlformats.org/officeDocument/2006/relationships" xmlns:mc="http://schemas.openxmlformats.org/markup-compatibility/2006" xmlns:mv="urn:schemas-microsoft-com:mac:vml" xmlns:p="http://schemas.openxmlformats.org/presentationml/2006/main" xmlns:c="http://schemas.openxmlformats.org/drawingml/2006/chart" xmlns:dgm="http://schemas.openxmlformats.org/drawingml/2006/diagram" xmlns:o="urn:schemas-microsoft-com:office:office" xmlns:v="urn:schemas-microsoft-com:vml" xmlns:pvml="urn:schemas-microsoft-com:office:powerpoint" xmlns:com="http://schemas.openxmlformats.org/drawingml/2006/compatibility" xmlns:p14="http://schemas.microsoft.com/office/powerpoint/2010/main">
+<p:sldLayout xmlns:a="http://schemas.openxmlformats.org/drawingml/2006/main" xmlns:r="http://schemas.openxmlformats.org/officeDocument/2006/relationships" xmlns:p="http://schemas.openxmlformats.org/presentationml/2006/main">
   <p:cSld name="Section title and description">
     <p:spTree>
       <p:nvGrpSpPr>
-        <p:cNvPr id="45" name="Shape 45"/>
+        <p:cNvPr id="1" name="Shape 45"/>
         <p:cNvGrpSpPr/>
         <p:nvPr/>
       </p:nvGrpSpPr>
@@ -5056,7 +5368,7 @@
           </a:ln>
         </p:spPr>
         <p:txBody>
-          <a:bodyPr anchorCtr="0" anchor="ctr" bIns="91425" lIns="91425" rIns="91425" tIns="91425">
+          <a:bodyPr lIns="91425" tIns="91425" rIns="91425" bIns="91425" anchor="ctr" anchorCtr="0">
             <a:noAutofit/>
           </a:bodyPr>
           <a:lstStyle/>
@@ -5067,9 +5379,6 @@
               </a:spcBef>
               <a:buNone/>
             </a:pPr>
-            <a:r>
-              <a:t/>
-            </a:r>
             <a:endParaRPr/>
           </a:p>
         </p:txBody>
@@ -5089,21 +5398,23 @@
             <a:avLst/>
           </a:prstGeom>
           <a:noFill/>
-          <a:ln cap="flat" cmpd="sng" w="19050">
+          <a:ln w="19050" cap="flat" cmpd="sng">
             <a:solidFill>
               <a:schemeClr val="lt1"/>
             </a:solidFill>
             <a:prstDash val="solid"/>
             <a:round/>
-            <a:headEnd len="med" w="med" type="none"/>
-            <a:tailEnd len="med" w="med" type="none"/>
+            <a:headEnd type="none" w="med" len="med"/>
+            <a:tailEnd type="none" w="med" len="med"/>
           </a:ln>
         </p:spPr>
       </p:cxnSp>
       <p:sp>
         <p:nvSpPr>
           <p:cNvPr id="48" name="Shape 48"/>
-          <p:cNvSpPr txBox="1"/>
+          <p:cNvSpPr txBox="1">
+            <a:spLocks noGrp="1"/>
+          </p:cNvSpPr>
           <p:nvPr>
             <p:ph type="title"/>
           </p:nvPr>
@@ -5118,7 +5429,7 @@
           </a:prstGeom>
         </p:spPr>
         <p:txBody>
-          <a:bodyPr anchorCtr="0" anchor="b" bIns="91425" lIns="91425" rIns="91425" tIns="91425"/>
+          <a:bodyPr lIns="91425" tIns="91425" rIns="91425" bIns="91425" anchor="b" anchorCtr="0"/>
           <a:lstStyle>
             <a:lvl1pPr lvl="0" algn="ctr">
               <a:spcBef>
@@ -5184,15 +5495,19 @@
               <a:defRPr sz="4200"/>
             </a:lvl9pPr>
           </a:lstStyle>
-          <a:p/>
+          <a:p>
+            <a:endParaRPr/>
+          </a:p>
         </p:txBody>
       </p:sp>
       <p:sp>
         <p:nvSpPr>
           <p:cNvPr id="49" name="Shape 49"/>
-          <p:cNvSpPr txBox="1"/>
+          <p:cNvSpPr txBox="1">
+            <a:spLocks noGrp="1"/>
+          </p:cNvSpPr>
           <p:nvPr>
-            <p:ph idx="1" type="subTitle"/>
+            <p:ph type="subTitle" idx="1"/>
           </p:nvPr>
         </p:nvSpPr>
         <p:spPr>
@@ -5205,7 +5520,7 @@
           </a:prstGeom>
         </p:spPr>
         <p:txBody>
-          <a:bodyPr anchorCtr="0" anchor="t" bIns="91425" lIns="91425" rIns="91425" tIns="91425"/>
+          <a:bodyPr lIns="91425" tIns="91425" rIns="91425" bIns="91425" anchor="t" anchorCtr="0"/>
           <a:lstStyle>
             <a:lvl1pPr lvl="0" algn="ctr">
               <a:lnSpc>
@@ -5334,15 +5649,19 @@
               <a:defRPr sz="2100"/>
             </a:lvl9pPr>
           </a:lstStyle>
-          <a:p/>
+          <a:p>
+            <a:endParaRPr/>
+          </a:p>
         </p:txBody>
       </p:sp>
       <p:sp>
         <p:nvSpPr>
           <p:cNvPr id="50" name="Shape 50"/>
-          <p:cNvSpPr txBox="1"/>
+          <p:cNvSpPr txBox="1">
+            <a:spLocks noGrp="1"/>
+          </p:cNvSpPr>
           <p:nvPr>
-            <p:ph idx="2" type="body"/>
+            <p:ph type="body" idx="2"/>
           </p:nvPr>
         </p:nvSpPr>
         <p:spPr>
@@ -5355,7 +5674,7 @@
           </a:prstGeom>
         </p:spPr>
         <p:txBody>
-          <a:bodyPr anchorCtr="0" anchor="ctr" bIns="91425" lIns="91425" rIns="91425" tIns="91425"/>
+          <a:bodyPr lIns="91425" tIns="91425" rIns="91425" bIns="91425" anchor="ctr" anchorCtr="0"/>
           <a:lstStyle>
             <a:lvl1pPr lvl="0">
               <a:spcBef>
@@ -5475,15 +5794,19 @@
               </a:defRPr>
             </a:lvl9pPr>
           </a:lstStyle>
-          <a:p/>
+          <a:p>
+            <a:endParaRPr/>
+          </a:p>
         </p:txBody>
       </p:sp>
       <p:sp>
         <p:nvSpPr>
           <p:cNvPr id="51" name="Shape 51"/>
-          <p:cNvSpPr txBox="1"/>
+          <p:cNvSpPr txBox="1">
+            <a:spLocks noGrp="1"/>
+          </p:cNvSpPr>
           <p:nvPr>
-            <p:ph idx="12" type="sldNum"/>
+            <p:ph type="sldNum" idx="12"/>
           </p:nvPr>
         </p:nvSpPr>
         <p:spPr>
@@ -5496,7 +5819,7 @@
           </a:prstGeom>
         </p:spPr>
         <p:txBody>
-          <a:bodyPr anchorCtr="0" anchor="ctr" bIns="91425" lIns="91425" rIns="91425" tIns="91425">
+          <a:bodyPr lIns="91425" tIns="91425" rIns="91425" bIns="91425" anchor="ctr" anchorCtr="0">
             <a:noAutofit/>
           </a:bodyPr>
           <a:lstStyle/>
@@ -5515,6 +5838,11 @@
               </a:rPr>
               <a:t>‹#›</a:t>
             </a:fld>
+            <a:endParaRPr lang="en">
+              <a:solidFill>
+                <a:schemeClr val="lt1"/>
+              </a:solidFill>
+            </a:endParaRPr>
           </a:p>
         </p:txBody>
       </p:sp>
@@ -5527,11 +5855,11 @@
 </file>
 
 <file path=ppt/slideLayouts/slideLayout9.xml><?xml version="1.0" encoding="utf-8"?>
-<p:sldLayout xmlns:a="http://schemas.openxmlformats.org/drawingml/2006/main" xmlns:r="http://schemas.openxmlformats.org/officeDocument/2006/relationships" xmlns:mc="http://schemas.openxmlformats.org/markup-compatibility/2006" xmlns:mv="urn:schemas-microsoft-com:mac:vml" xmlns:p="http://schemas.openxmlformats.org/presentationml/2006/main" xmlns:c="http://schemas.openxmlformats.org/drawingml/2006/chart" xmlns:dgm="http://schemas.openxmlformats.org/drawingml/2006/diagram" xmlns:o="urn:schemas-microsoft-com:office:office" xmlns:v="urn:schemas-microsoft-com:vml" xmlns:pvml="urn:schemas-microsoft-com:office:powerpoint" xmlns:com="http://schemas.openxmlformats.org/drawingml/2006/compatibility" xmlns:p14="http://schemas.microsoft.com/office/powerpoint/2010/main">
+<p:sldLayout xmlns:a="http://schemas.openxmlformats.org/drawingml/2006/main" xmlns:r="http://schemas.openxmlformats.org/officeDocument/2006/relationships" xmlns:p="http://schemas.openxmlformats.org/presentationml/2006/main">
   <p:cSld name="Caption">
     <p:spTree>
       <p:nvGrpSpPr>
-        <p:cNvPr id="52" name="Shape 52"/>
+        <p:cNvPr id="1" name="Shape 52"/>
         <p:cNvGrpSpPr/>
         <p:nvPr/>
       </p:nvGrpSpPr>
@@ -5546,9 +5874,11 @@
       <p:sp>
         <p:nvSpPr>
           <p:cNvPr id="53" name="Shape 53"/>
-          <p:cNvSpPr txBox="1"/>
+          <p:cNvSpPr txBox="1">
+            <a:spLocks noGrp="1"/>
+          </p:cNvSpPr>
           <p:nvPr>
-            <p:ph idx="1" type="body"/>
+            <p:ph type="body" idx="1"/>
           </p:nvPr>
         </p:nvSpPr>
         <p:spPr>
@@ -5561,7 +5891,7 @@
           </a:prstGeom>
         </p:spPr>
         <p:txBody>
-          <a:bodyPr anchorCtr="0" anchor="ctr" bIns="91425" lIns="91425" rIns="91425" tIns="91425"/>
+          <a:bodyPr lIns="91425" tIns="91425" rIns="91425" bIns="91425" anchor="ctr" anchorCtr="0"/>
           <a:lstStyle>
             <a:lvl1pPr lvl="0">
               <a:lnSpc>
@@ -5584,15 +5914,19 @@
               </a:defRPr>
             </a:lvl1pPr>
           </a:lstStyle>
-          <a:p/>
+          <a:p>
+            <a:endParaRPr/>
+          </a:p>
         </p:txBody>
       </p:sp>
       <p:sp>
         <p:nvSpPr>
           <p:cNvPr id="54" name="Shape 54"/>
-          <p:cNvSpPr txBox="1"/>
+          <p:cNvSpPr txBox="1">
+            <a:spLocks noGrp="1"/>
+          </p:cNvSpPr>
           <p:nvPr>
-            <p:ph idx="12" type="sldNum"/>
+            <p:ph type="sldNum" idx="12"/>
           </p:nvPr>
         </p:nvSpPr>
         <p:spPr>
@@ -5605,7 +5939,7 @@
           </a:prstGeom>
         </p:spPr>
         <p:txBody>
-          <a:bodyPr anchorCtr="0" anchor="ctr" bIns="91425" lIns="91425" rIns="91425" tIns="91425">
+          <a:bodyPr lIns="91425" tIns="91425" rIns="91425" bIns="91425" anchor="ctr" anchorCtr="0">
             <a:noAutofit/>
           </a:bodyPr>
           <a:lstStyle/>
@@ -5620,6 +5954,7 @@
               <a:rPr lang="en"/>
               <a:t>‹#›</a:t>
             </a:fld>
+            <a:endParaRPr lang="en"/>
           </a:p>
         </p:txBody>
       </p:sp>
@@ -5632,18 +5967,19 @@
 </file>
 
 <file path=ppt/slideMasters/slideMaster1.xml><?xml version="1.0" encoding="utf-8"?>
-<p:sldMaster xmlns:a="http://schemas.openxmlformats.org/drawingml/2006/main" xmlns:r="http://schemas.openxmlformats.org/officeDocument/2006/relationships" xmlns:mc="http://schemas.openxmlformats.org/markup-compatibility/2006" xmlns:mv="urn:schemas-microsoft-com:mac:vml" xmlns:p="http://schemas.openxmlformats.org/presentationml/2006/main" xmlns:c="http://schemas.openxmlformats.org/drawingml/2006/chart" xmlns:dgm="http://schemas.openxmlformats.org/drawingml/2006/diagram" xmlns:o="urn:schemas-microsoft-com:office:office" xmlns:v="urn:schemas-microsoft-com:vml" xmlns:pvml="urn:schemas-microsoft-com:office:powerpoint" xmlns:com="http://schemas.openxmlformats.org/drawingml/2006/compatibility" xmlns:p14="http://schemas.microsoft.com/office/powerpoint/2010/main">
+<p:sldMaster xmlns:a="http://schemas.openxmlformats.org/drawingml/2006/main" xmlns:r="http://schemas.openxmlformats.org/officeDocument/2006/relationships" xmlns:p="http://schemas.openxmlformats.org/presentationml/2006/main">
   <p:cSld>
     <p:bg>
       <p:bgPr>
         <a:solidFill>
           <a:schemeClr val="lt1"/>
         </a:solidFill>
+        <a:effectLst/>
       </p:bgPr>
     </p:bg>
     <p:spTree>
       <p:nvGrpSpPr>
-        <p:cNvPr id="5" name="Shape 5"/>
+        <p:cNvPr id="1" name="Shape 5"/>
         <p:cNvGrpSpPr/>
         <p:nvPr/>
       </p:nvGrpSpPr>
@@ -5658,7 +5994,9 @@
       <p:sp>
         <p:nvSpPr>
           <p:cNvPr id="6" name="Shape 6"/>
-          <p:cNvSpPr txBox="1"/>
+          <p:cNvSpPr txBox="1">
+            <a:spLocks noGrp="1"/>
+          </p:cNvSpPr>
           <p:nvPr>
             <p:ph type="title"/>
           </p:nvPr>
@@ -5677,7 +6015,7 @@
           </a:ln>
         </p:spPr>
         <p:txBody>
-          <a:bodyPr anchorCtr="0" anchor="t" bIns="91425" lIns="91425" rIns="91425" tIns="91425"/>
+          <a:bodyPr lIns="91425" tIns="91425" rIns="91425" bIns="91425" anchor="t" anchorCtr="0"/>
           <a:lstStyle>
             <a:lvl1pPr lvl="0">
               <a:spcBef>
@@ -5689,7 +6027,7 @@
               <a:buSzPct val="100000"/>
               <a:buFont typeface="PT Sans Narrow"/>
               <a:buNone/>
-              <a:defRPr b="1" sz="3600">
+              <a:defRPr sz="3600" b="1">
                 <a:solidFill>
                   <a:schemeClr val="accent1"/>
                 </a:solidFill>
@@ -5709,7 +6047,7 @@
               <a:buSzPct val="100000"/>
               <a:buFont typeface="PT Sans Narrow"/>
               <a:buNone/>
-              <a:defRPr b="1" sz="3600">
+              <a:defRPr sz="3600" b="1">
                 <a:solidFill>
                   <a:schemeClr val="accent1"/>
                 </a:solidFill>
@@ -5729,7 +6067,7 @@
               <a:buSzPct val="100000"/>
               <a:buFont typeface="PT Sans Narrow"/>
               <a:buNone/>
-              <a:defRPr b="1" sz="3600">
+              <a:defRPr sz="3600" b="1">
                 <a:solidFill>
                   <a:schemeClr val="accent1"/>
                 </a:solidFill>
@@ -5749,7 +6087,7 @@
               <a:buSzPct val="100000"/>
               <a:buFont typeface="PT Sans Narrow"/>
               <a:buNone/>
-              <a:defRPr b="1" sz="3600">
+              <a:defRPr sz="3600" b="1">
                 <a:solidFill>
                   <a:schemeClr val="accent1"/>
                 </a:solidFill>
@@ -5769,7 +6107,7 @@
               <a:buSzPct val="100000"/>
               <a:buFont typeface="PT Sans Narrow"/>
               <a:buNone/>
-              <a:defRPr b="1" sz="3600">
+              <a:defRPr sz="3600" b="1">
                 <a:solidFill>
                   <a:schemeClr val="accent1"/>
                 </a:solidFill>
@@ -5789,7 +6127,7 @@
               <a:buSzPct val="100000"/>
               <a:buFont typeface="PT Sans Narrow"/>
               <a:buNone/>
-              <a:defRPr b="1" sz="3600">
+              <a:defRPr sz="3600" b="1">
                 <a:solidFill>
                   <a:schemeClr val="accent1"/>
                 </a:solidFill>
@@ -5809,7 +6147,7 @@
               <a:buSzPct val="100000"/>
               <a:buFont typeface="PT Sans Narrow"/>
               <a:buNone/>
-              <a:defRPr b="1" sz="3600">
+              <a:defRPr sz="3600" b="1">
                 <a:solidFill>
                   <a:schemeClr val="accent1"/>
                 </a:solidFill>
@@ -5829,7 +6167,7 @@
               <a:buSzPct val="100000"/>
               <a:buFont typeface="PT Sans Narrow"/>
               <a:buNone/>
-              <a:defRPr b="1" sz="3600">
+              <a:defRPr sz="3600" b="1">
                 <a:solidFill>
                   <a:schemeClr val="accent1"/>
                 </a:solidFill>
@@ -5849,7 +6187,7 @@
               <a:buSzPct val="100000"/>
               <a:buFont typeface="PT Sans Narrow"/>
               <a:buNone/>
-              <a:defRPr b="1" sz="3600">
+              <a:defRPr sz="3600" b="1">
                 <a:solidFill>
                   <a:schemeClr val="accent1"/>
                 </a:solidFill>
@@ -5860,15 +6198,19 @@
               </a:defRPr>
             </a:lvl9pPr>
           </a:lstStyle>
-          <a:p/>
+          <a:p>
+            <a:endParaRPr/>
+          </a:p>
         </p:txBody>
       </p:sp>
       <p:sp>
         <p:nvSpPr>
           <p:cNvPr id="7" name="Shape 7"/>
-          <p:cNvSpPr txBox="1"/>
+          <p:cNvSpPr txBox="1">
+            <a:spLocks noGrp="1"/>
+          </p:cNvSpPr>
           <p:nvPr>
-            <p:ph idx="1" type="body"/>
+            <p:ph type="body" idx="1"/>
           </p:nvPr>
         </p:nvSpPr>
         <p:spPr>
@@ -5885,7 +6227,7 @@
           </a:ln>
         </p:spPr>
         <p:txBody>
-          <a:bodyPr anchorCtr="0" anchor="t" bIns="91425" lIns="91425" rIns="91425" tIns="91425"/>
+          <a:bodyPr lIns="91425" tIns="91425" rIns="91425" bIns="91425" anchor="t" anchorCtr="0"/>
           <a:lstStyle>
             <a:lvl1pPr lvl="0">
               <a:lnSpc>
@@ -6105,15 +6447,19 @@
               </a:defRPr>
             </a:lvl9pPr>
           </a:lstStyle>
-          <a:p/>
+          <a:p>
+            <a:endParaRPr/>
+          </a:p>
         </p:txBody>
       </p:sp>
       <p:sp>
         <p:nvSpPr>
           <p:cNvPr id="8" name="Shape 8"/>
-          <p:cNvSpPr txBox="1"/>
+          <p:cNvSpPr txBox="1">
+            <a:spLocks noGrp="1"/>
+          </p:cNvSpPr>
           <p:nvPr>
-            <p:ph idx="12" type="sldNum"/>
+            <p:ph type="sldNum" idx="12"/>
           </p:nvPr>
         </p:nvSpPr>
         <p:spPr>
@@ -6130,7 +6476,7 @@
           </a:ln>
         </p:spPr>
         <p:txBody>
-          <a:bodyPr anchorCtr="0" anchor="ctr" bIns="91425" lIns="91425" rIns="91425" tIns="91425">
+          <a:bodyPr lIns="91425" tIns="91425" rIns="91425" bIns="91425" anchor="ctr" anchorCtr="0">
             <a:noAutofit/>
           </a:bodyPr>
           <a:lstStyle/>
@@ -6153,12 +6499,21 @@
               </a:rPr>
               <a:t>‹#›</a:t>
             </a:fld>
+            <a:endParaRPr lang="en" sz="1000">
+              <a:solidFill>
+                <a:schemeClr val="dk2"/>
+              </a:solidFill>
+              <a:latin typeface="Open Sans"/>
+              <a:ea typeface="Open Sans"/>
+              <a:cs typeface="Open Sans"/>
+              <a:sym typeface="Open Sans"/>
+            </a:endParaRPr>
           </a:p>
         </p:txBody>
       </p:sp>
     </p:spTree>
   </p:cSld>
-  <p:clrMap accent1="accent1" accent2="accent2" accent3="accent3" accent4="accent4" accent5="accent5" accent6="accent6" bg1="lt1" bg2="dk2" tx1="dk1" tx2="lt2" folHlink="folHlink" hlink="hlink"/>
+  <p:clrMap bg1="lt1" tx1="dk1" bg2="dk2" tx2="lt2" accent1="accent1" accent2="accent2" accent3="accent3" accent4="accent4" accent5="accent5" accent6="accent6" hlink="hlink" folHlink="folHlink"/>
   <p:sldLayoutIdLst>
     <p:sldLayoutId id="2147483648" r:id="rId1"/>
     <p:sldLayoutId id="2147483649" r:id="rId2"/>
@@ -6172,10 +6527,10 @@
     <p:sldLayoutId id="2147483657" r:id="rId10"/>
     <p:sldLayoutId id="2147483658" r:id="rId11"/>
   </p:sldLayoutIdLst>
-  <p:hf dt="0" ftr="0" hdr="0" sldNum="0"/>
+  <p:hf sldNum="0" hdr="0" ftr="0" dt="0"/>
   <p:txStyles>
     <p:titleStyle>
-      <a:defPPr lvl="0" marR="0" rtl="0" algn="l">
+      <a:defPPr marR="0" lvl="0" algn="l" rtl="0">
         <a:lnSpc>
           <a:spcPct val="100000"/>
         </a:lnSpc>
@@ -6186,7 +6541,7 @@
           <a:spcPts val="0"/>
         </a:spcAft>
       </a:defPPr>
-      <a:lvl1pPr lvl="0" marR="0" rtl="0" algn="l">
+      <a:lvl1pPr marR="0" lvl="0" algn="l" rtl="0">
         <a:lnSpc>
           <a:spcPct val="100000"/>
         </a:lnSpc>
@@ -6197,7 +6552,7 @@
           <a:spcPts val="0"/>
         </a:spcAft>
         <a:buNone/>
-        <a:defRPr b="0" i="0" sz="1400" u="none" cap="none" strike="noStrike">
+        <a:defRPr sz="1400" b="0" i="0" u="none" strike="noStrike" cap="none">
           <a:solidFill>
             <a:srgbClr val="000000"/>
           </a:solidFill>
@@ -6209,7 +6564,7 @@
       </a:lvl1pPr>
     </p:titleStyle>
     <p:bodyStyle>
-      <a:defPPr lvl="0" marR="0" rtl="0" algn="l">
+      <a:defPPr marR="0" lvl="0" algn="l" rtl="0">
         <a:lnSpc>
           <a:spcPct val="100000"/>
         </a:lnSpc>
@@ -6220,7 +6575,7 @@
           <a:spcPts val="0"/>
         </a:spcAft>
       </a:defPPr>
-      <a:lvl1pPr lvl="0" marR="0" rtl="0" algn="l">
+      <a:lvl1pPr marR="0" lvl="0" algn="l" rtl="0">
         <a:lnSpc>
           <a:spcPct val="100000"/>
         </a:lnSpc>
@@ -6231,7 +6586,7 @@
           <a:spcPts val="0"/>
         </a:spcAft>
         <a:buNone/>
-        <a:defRPr b="0" i="0" sz="1400" u="none" cap="none" strike="noStrike">
+        <a:defRPr sz="1400" b="0" i="0" u="none" strike="noStrike" cap="none">
           <a:solidFill>
             <a:srgbClr val="000000"/>
           </a:solidFill>
@@ -6241,7 +6596,7 @@
           <a:sym typeface="Arial"/>
         </a:defRPr>
       </a:lvl1pPr>
-      <a:lvl2pPr lvl="1" marR="0" rtl="0" algn="l">
+      <a:lvl2pPr marR="0" lvl="1" algn="l" rtl="0">
         <a:lnSpc>
           <a:spcPct val="100000"/>
         </a:lnSpc>
@@ -6252,7 +6607,7 @@
           <a:spcPts val="0"/>
         </a:spcAft>
         <a:buNone/>
-        <a:defRPr b="0" i="0" sz="1400" u="none" cap="none" strike="noStrike">
+        <a:defRPr sz="1400" b="0" i="0" u="none" strike="noStrike" cap="none">
           <a:solidFill>
             <a:srgbClr val="000000"/>
           </a:solidFill>
@@ -6262,7 +6617,7 @@
           <a:sym typeface="Arial"/>
         </a:defRPr>
       </a:lvl2pPr>
-      <a:lvl3pPr lvl="2" marR="0" rtl="0" algn="l">
+      <a:lvl3pPr marR="0" lvl="2" algn="l" rtl="0">
         <a:lnSpc>
           <a:spcPct val="100000"/>
         </a:lnSpc>
@@ -6273,7 +6628,7 @@
           <a:spcPts val="0"/>
         </a:spcAft>
         <a:buNone/>
-        <a:defRPr b="0" i="0" sz="1400" u="none" cap="none" strike="noStrike">
+        <a:defRPr sz="1400" b="0" i="0" u="none" strike="noStrike" cap="none">
           <a:solidFill>
             <a:srgbClr val="000000"/>
           </a:solidFill>
@@ -6283,7 +6638,7 @@
           <a:sym typeface="Arial"/>
         </a:defRPr>
       </a:lvl3pPr>
-      <a:lvl4pPr lvl="3" marR="0" rtl="0" algn="l">
+      <a:lvl4pPr marR="0" lvl="3" algn="l" rtl="0">
         <a:lnSpc>
           <a:spcPct val="100000"/>
         </a:lnSpc>
@@ -6294,7 +6649,7 @@
           <a:spcPts val="0"/>
         </a:spcAft>
         <a:buNone/>
-        <a:defRPr b="0" i="0" sz="1400" u="none" cap="none" strike="noStrike">
+        <a:defRPr sz="1400" b="0" i="0" u="none" strike="noStrike" cap="none">
           <a:solidFill>
             <a:srgbClr val="000000"/>
           </a:solidFill>
@@ -6304,7 +6659,7 @@
           <a:sym typeface="Arial"/>
         </a:defRPr>
       </a:lvl4pPr>
-      <a:lvl5pPr lvl="4" marR="0" rtl="0" algn="l">
+      <a:lvl5pPr marR="0" lvl="4" algn="l" rtl="0">
         <a:lnSpc>
           <a:spcPct val="100000"/>
         </a:lnSpc>
@@ -6315,7 +6670,7 @@
           <a:spcPts val="0"/>
         </a:spcAft>
         <a:buNone/>
-        <a:defRPr b="0" i="0" sz="1400" u="none" cap="none" strike="noStrike">
+        <a:defRPr sz="1400" b="0" i="0" u="none" strike="noStrike" cap="none">
           <a:solidFill>
             <a:srgbClr val="000000"/>
           </a:solidFill>
@@ -6325,7 +6680,7 @@
           <a:sym typeface="Arial"/>
         </a:defRPr>
       </a:lvl5pPr>
-      <a:lvl6pPr lvl="5" marR="0" rtl="0" algn="l">
+      <a:lvl6pPr marR="0" lvl="5" algn="l" rtl="0">
         <a:lnSpc>
           <a:spcPct val="100000"/>
         </a:lnSpc>
@@ -6336,7 +6691,7 @@
           <a:spcPts val="0"/>
         </a:spcAft>
         <a:buNone/>
-        <a:defRPr b="0" i="0" sz="1400" u="none" cap="none" strike="noStrike">
+        <a:defRPr sz="1400" b="0" i="0" u="none" strike="noStrike" cap="none">
           <a:solidFill>
             <a:srgbClr val="000000"/>
           </a:solidFill>
@@ -6346,7 +6701,7 @@
           <a:sym typeface="Arial"/>
         </a:defRPr>
       </a:lvl6pPr>
-      <a:lvl7pPr lvl="6" marR="0" rtl="0" algn="l">
+      <a:lvl7pPr marR="0" lvl="6" algn="l" rtl="0">
         <a:lnSpc>
           <a:spcPct val="100000"/>
         </a:lnSpc>
@@ -6357,7 +6712,7 @@
           <a:spcPts val="0"/>
         </a:spcAft>
         <a:buNone/>
-        <a:defRPr b="0" i="0" sz="1400" u="none" cap="none" strike="noStrike">
+        <a:defRPr sz="1400" b="0" i="0" u="none" strike="noStrike" cap="none">
           <a:solidFill>
             <a:srgbClr val="000000"/>
           </a:solidFill>
@@ -6367,7 +6722,7 @@
           <a:sym typeface="Arial"/>
         </a:defRPr>
       </a:lvl7pPr>
-      <a:lvl8pPr lvl="7" marR="0" rtl="0" algn="l">
+      <a:lvl8pPr marR="0" lvl="7" algn="l" rtl="0">
         <a:lnSpc>
           <a:spcPct val="100000"/>
         </a:lnSpc>
@@ -6378,7 +6733,7 @@
           <a:spcPts val="0"/>
         </a:spcAft>
         <a:buNone/>
-        <a:defRPr b="0" i="0" sz="1400" u="none" cap="none" strike="noStrike">
+        <a:defRPr sz="1400" b="0" i="0" u="none" strike="noStrike" cap="none">
           <a:solidFill>
             <a:srgbClr val="000000"/>
           </a:solidFill>
@@ -6388,7 +6743,7 @@
           <a:sym typeface="Arial"/>
         </a:defRPr>
       </a:lvl8pPr>
-      <a:lvl9pPr lvl="8" marR="0" rtl="0" algn="l">
+      <a:lvl9pPr marR="0" lvl="8" algn="l" rtl="0">
         <a:lnSpc>
           <a:spcPct val="100000"/>
         </a:lnSpc>
@@ -6399,7 +6754,7 @@
           <a:spcPts val="0"/>
         </a:spcAft>
         <a:buNone/>
-        <a:defRPr b="0" i="0" sz="1400" u="none" cap="none" strike="noStrike">
+        <a:defRPr sz="1400" b="0" i="0" u="none" strike="noStrike" cap="none">
           <a:solidFill>
             <a:srgbClr val="000000"/>
           </a:solidFill>
@@ -6411,7 +6766,7 @@
       </a:lvl9pPr>
     </p:bodyStyle>
     <p:otherStyle>
-      <a:defPPr lvl="0" marR="0" rtl="0" algn="l">
+      <a:defPPr marR="0" lvl="0" algn="l" rtl="0">
         <a:lnSpc>
           <a:spcPct val="100000"/>
         </a:lnSpc>
@@ -6422,7 +6777,7 @@
           <a:spcPts val="0"/>
         </a:spcAft>
       </a:defPPr>
-      <a:lvl1pPr lvl="0" marR="0" rtl="0" algn="l">
+      <a:lvl1pPr marR="0" lvl="0" algn="l" rtl="0">
         <a:lnSpc>
           <a:spcPct val="100000"/>
         </a:lnSpc>
@@ -6433,7 +6788,7 @@
           <a:spcPts val="0"/>
         </a:spcAft>
         <a:buNone/>
-        <a:defRPr b="0" i="0" sz="1400" u="none" cap="none" strike="noStrike">
+        <a:defRPr sz="1400" b="0" i="0" u="none" strike="noStrike" cap="none">
           <a:solidFill>
             <a:srgbClr val="000000"/>
           </a:solidFill>
@@ -6443,7 +6798,7 @@
           <a:sym typeface="Arial"/>
         </a:defRPr>
       </a:lvl1pPr>
-      <a:lvl2pPr lvl="1" marR="0" rtl="0" algn="l">
+      <a:lvl2pPr marR="0" lvl="1" algn="l" rtl="0">
         <a:lnSpc>
           <a:spcPct val="100000"/>
         </a:lnSpc>
@@ -6454,7 +6809,7 @@
           <a:spcPts val="0"/>
         </a:spcAft>
         <a:buNone/>
-        <a:defRPr b="0" i="0" sz="1400" u="none" cap="none" strike="noStrike">
+        <a:defRPr sz="1400" b="0" i="0" u="none" strike="noStrike" cap="none">
           <a:solidFill>
             <a:srgbClr val="000000"/>
           </a:solidFill>
@@ -6464,7 +6819,7 @@
           <a:sym typeface="Arial"/>
         </a:defRPr>
       </a:lvl2pPr>
-      <a:lvl3pPr lvl="2" marR="0" rtl="0" algn="l">
+      <a:lvl3pPr marR="0" lvl="2" algn="l" rtl="0">
         <a:lnSpc>
           <a:spcPct val="100000"/>
         </a:lnSpc>
@@ -6475,7 +6830,7 @@
           <a:spcPts val="0"/>
         </a:spcAft>
         <a:buNone/>
-        <a:defRPr b="0" i="0" sz="1400" u="none" cap="none" strike="noStrike">
+        <a:defRPr sz="1400" b="0" i="0" u="none" strike="noStrike" cap="none">
           <a:solidFill>
             <a:srgbClr val="000000"/>
           </a:solidFill>
@@ -6485,7 +6840,7 @@
           <a:sym typeface="Arial"/>
         </a:defRPr>
       </a:lvl3pPr>
-      <a:lvl4pPr lvl="3" marR="0" rtl="0" algn="l">
+      <a:lvl4pPr marR="0" lvl="3" algn="l" rtl="0">
         <a:lnSpc>
           <a:spcPct val="100000"/>
         </a:lnSpc>
@@ -6496,7 +6851,7 @@
           <a:spcPts val="0"/>
         </a:spcAft>
         <a:buNone/>
-        <a:defRPr b="0" i="0" sz="1400" u="none" cap="none" strike="noStrike">
+        <a:defRPr sz="1400" b="0" i="0" u="none" strike="noStrike" cap="none">
           <a:solidFill>
             <a:srgbClr val="000000"/>
           </a:solidFill>
@@ -6506,7 +6861,7 @@
           <a:sym typeface="Arial"/>
         </a:defRPr>
       </a:lvl4pPr>
-      <a:lvl5pPr lvl="4" marR="0" rtl="0" algn="l">
+      <a:lvl5pPr marR="0" lvl="4" algn="l" rtl="0">
         <a:lnSpc>
           <a:spcPct val="100000"/>
         </a:lnSpc>
@@ -6517,7 +6872,7 @@
           <a:spcPts val="0"/>
         </a:spcAft>
         <a:buNone/>
-        <a:defRPr b="0" i="0" sz="1400" u="none" cap="none" strike="noStrike">
+        <a:defRPr sz="1400" b="0" i="0" u="none" strike="noStrike" cap="none">
           <a:solidFill>
             <a:srgbClr val="000000"/>
           </a:solidFill>
@@ -6527,7 +6882,7 @@
           <a:sym typeface="Arial"/>
         </a:defRPr>
       </a:lvl5pPr>
-      <a:lvl6pPr lvl="5" marR="0" rtl="0" algn="l">
+      <a:lvl6pPr marR="0" lvl="5" algn="l" rtl="0">
         <a:lnSpc>
           <a:spcPct val="100000"/>
         </a:lnSpc>
@@ -6538,7 +6893,7 @@
           <a:spcPts val="0"/>
         </a:spcAft>
         <a:buNone/>
-        <a:defRPr b="0" i="0" sz="1400" u="none" cap="none" strike="noStrike">
+        <a:defRPr sz="1400" b="0" i="0" u="none" strike="noStrike" cap="none">
           <a:solidFill>
             <a:srgbClr val="000000"/>
           </a:solidFill>
@@ -6548,7 +6903,7 @@
           <a:sym typeface="Arial"/>
         </a:defRPr>
       </a:lvl6pPr>
-      <a:lvl7pPr lvl="6" marR="0" rtl="0" algn="l">
+      <a:lvl7pPr marR="0" lvl="6" algn="l" rtl="0">
         <a:lnSpc>
           <a:spcPct val="100000"/>
         </a:lnSpc>
@@ -6559,7 +6914,7 @@
           <a:spcPts val="0"/>
         </a:spcAft>
         <a:buNone/>
-        <a:defRPr b="0" i="0" sz="1400" u="none" cap="none" strike="noStrike">
+        <a:defRPr sz="1400" b="0" i="0" u="none" strike="noStrike" cap="none">
           <a:solidFill>
             <a:srgbClr val="000000"/>
           </a:solidFill>
@@ -6569,7 +6924,7 @@
           <a:sym typeface="Arial"/>
         </a:defRPr>
       </a:lvl7pPr>
-      <a:lvl8pPr lvl="7" marR="0" rtl="0" algn="l">
+      <a:lvl8pPr marR="0" lvl="7" algn="l" rtl="0">
         <a:lnSpc>
           <a:spcPct val="100000"/>
         </a:lnSpc>
@@ -6580,7 +6935,7 @@
           <a:spcPts val="0"/>
         </a:spcAft>
         <a:buNone/>
-        <a:defRPr b="0" i="0" sz="1400" u="none" cap="none" strike="noStrike">
+        <a:defRPr sz="1400" b="0" i="0" u="none" strike="noStrike" cap="none">
           <a:solidFill>
             <a:srgbClr val="000000"/>
           </a:solidFill>
@@ -6590,7 +6945,7 @@
           <a:sym typeface="Arial"/>
         </a:defRPr>
       </a:lvl8pPr>
-      <a:lvl9pPr lvl="8" marR="0" rtl="0" algn="l">
+      <a:lvl9pPr marR="0" lvl="8" algn="l" rtl="0">
         <a:lnSpc>
           <a:spcPct val="100000"/>
         </a:lnSpc>
@@ -6601,7 +6956,7 @@
           <a:spcPts val="0"/>
         </a:spcAft>
         <a:buNone/>
-        <a:defRPr b="0" i="0" sz="1400" u="none" cap="none" strike="noStrike">
+        <a:defRPr sz="1400" b="0" i="0" u="none" strike="noStrike" cap="none">
           <a:solidFill>
             <a:srgbClr val="000000"/>
           </a:solidFill>
@@ -6617,11 +6972,11 @@
 </file>
 
 <file path=ppt/slides/slide1.xml><?xml version="1.0" encoding="utf-8"?>
-<p:sld xmlns:a="http://schemas.openxmlformats.org/drawingml/2006/main" xmlns:r="http://schemas.openxmlformats.org/officeDocument/2006/relationships" xmlns:mc="http://schemas.openxmlformats.org/markup-compatibility/2006" xmlns:mv="urn:schemas-microsoft-com:mac:vml" xmlns:p="http://schemas.openxmlformats.org/presentationml/2006/main" xmlns:c="http://schemas.openxmlformats.org/drawingml/2006/chart" xmlns:dgm="http://schemas.openxmlformats.org/drawingml/2006/diagram" xmlns:o="urn:schemas-microsoft-com:office:office" xmlns:v="urn:schemas-microsoft-com:vml" xmlns:pvml="urn:schemas-microsoft-com:office:powerpoint" xmlns:com="http://schemas.openxmlformats.org/drawingml/2006/compatibility" xmlns:p14="http://schemas.microsoft.com/office/powerpoint/2010/main">
+<p:sld xmlns:a="http://schemas.openxmlformats.org/drawingml/2006/main" xmlns:r="http://schemas.openxmlformats.org/officeDocument/2006/relationships" xmlns:p="http://schemas.openxmlformats.org/presentationml/2006/main">
   <p:cSld>
     <p:spTree>
       <p:nvGrpSpPr>
-        <p:cNvPr id="65" name="Shape 65"/>
+        <p:cNvPr id="1" name="Shape 65"/>
         <p:cNvGrpSpPr/>
         <p:nvPr/>
       </p:nvGrpSpPr>
@@ -6636,7 +6991,9 @@
       <p:sp>
         <p:nvSpPr>
           <p:cNvPr id="66" name="Shape 66"/>
-          <p:cNvSpPr txBox="1"/>
+          <p:cNvSpPr txBox="1">
+            <a:spLocks noGrp="1"/>
+          </p:cNvSpPr>
           <p:nvPr>
             <p:ph type="ctrTitle"/>
           </p:nvPr>
@@ -6651,7 +7008,7 @@
           </a:prstGeom>
         </p:spPr>
         <p:txBody>
-          <a:bodyPr anchorCtr="0" anchor="b" bIns="91425" lIns="91425" rIns="91425" tIns="91425">
+          <a:bodyPr lIns="91425" tIns="91425" rIns="91425" bIns="91425" anchor="b" anchorCtr="0">
             <a:noAutofit/>
           </a:bodyPr>
           <a:lstStyle/>
@@ -6672,9 +7029,11 @@
       <p:sp>
         <p:nvSpPr>
           <p:cNvPr id="67" name="Shape 67"/>
-          <p:cNvSpPr txBox="1"/>
+          <p:cNvSpPr txBox="1">
+            <a:spLocks noGrp="1"/>
+          </p:cNvSpPr>
           <p:nvPr>
-            <p:ph idx="1" type="subTitle"/>
+            <p:ph type="subTitle" idx="1"/>
           </p:nvPr>
         </p:nvSpPr>
         <p:spPr>
@@ -6687,7 +7046,7 @@
           </a:prstGeom>
         </p:spPr>
         <p:txBody>
-          <a:bodyPr anchorCtr="0" anchor="t" bIns="91425" lIns="91425" rIns="91425" tIns="91425">
+          <a:bodyPr lIns="91425" tIns="91425" rIns="91425" bIns="91425" anchor="t" anchorCtr="0">
             <a:noAutofit/>
           </a:bodyPr>
           <a:lstStyle/>
@@ -6714,11 +7073,11 @@
 </file>
 
 <file path=ppt/slides/slide10.xml><?xml version="1.0" encoding="utf-8"?>
-<p:sld xmlns:a="http://schemas.openxmlformats.org/drawingml/2006/main" xmlns:r="http://schemas.openxmlformats.org/officeDocument/2006/relationships" xmlns:mc="http://schemas.openxmlformats.org/markup-compatibility/2006" xmlns:mv="urn:schemas-microsoft-com:mac:vml" xmlns:p="http://schemas.openxmlformats.org/presentationml/2006/main" xmlns:c="http://schemas.openxmlformats.org/drawingml/2006/chart" xmlns:dgm="http://schemas.openxmlformats.org/drawingml/2006/diagram" xmlns:o="urn:schemas-microsoft-com:office:office" xmlns:v="urn:schemas-microsoft-com:vml" xmlns:pvml="urn:schemas-microsoft-com:office:powerpoint" xmlns:com="http://schemas.openxmlformats.org/drawingml/2006/compatibility" xmlns:p14="http://schemas.microsoft.com/office/powerpoint/2010/main">
+<p:sld xmlns:a="http://schemas.openxmlformats.org/drawingml/2006/main" xmlns:r="http://schemas.openxmlformats.org/officeDocument/2006/relationships" xmlns:p="http://schemas.openxmlformats.org/presentationml/2006/main">
   <p:cSld>
     <p:spTree>
       <p:nvGrpSpPr>
-        <p:cNvPr id="120" name="Shape 120"/>
+        <p:cNvPr id="1" name="Shape 120"/>
         <p:cNvGrpSpPr/>
         <p:nvPr/>
       </p:nvGrpSpPr>
@@ -6733,7 +7092,9 @@
       <p:sp>
         <p:nvSpPr>
           <p:cNvPr id="121" name="Shape 121"/>
-          <p:cNvSpPr txBox="1"/>
+          <p:cNvSpPr txBox="1">
+            <a:spLocks noGrp="1"/>
+          </p:cNvSpPr>
           <p:nvPr>
             <p:ph type="title"/>
           </p:nvPr>
@@ -6748,7 +7109,7 @@
           </a:prstGeom>
         </p:spPr>
         <p:txBody>
-          <a:bodyPr anchorCtr="0" anchor="t" bIns="91425" lIns="91425" rIns="91425" tIns="91425">
+          <a:bodyPr lIns="91425" tIns="91425" rIns="91425" bIns="91425" anchor="t" anchorCtr="0">
             <a:noAutofit/>
           </a:bodyPr>
           <a:lstStyle/>
@@ -6769,9 +7130,11 @@
       <p:sp>
         <p:nvSpPr>
           <p:cNvPr id="122" name="Shape 122"/>
-          <p:cNvSpPr txBox="1"/>
+          <p:cNvSpPr txBox="1">
+            <a:spLocks noGrp="1"/>
+          </p:cNvSpPr>
           <p:nvPr>
-            <p:ph idx="1" type="body"/>
+            <p:ph type="body" idx="1"/>
           </p:nvPr>
         </p:nvSpPr>
         <p:spPr>
@@ -6784,7 +7147,7 @@
           </a:prstGeom>
         </p:spPr>
         <p:txBody>
-          <a:bodyPr anchorCtr="0" anchor="t" bIns="91425" lIns="91425" rIns="91425" tIns="91425">
+          <a:bodyPr lIns="91425" tIns="91425" rIns="91425" bIns="91425" anchor="t" anchorCtr="0">
             <a:noAutofit/>
           </a:bodyPr>
           <a:lstStyle/>
@@ -6892,7 +7255,7 @@
             </a:r>
           </a:p>
           <a:p>
-            <a:pPr indent="0" lvl="0" marL="0" rtl="0">
+            <a:pPr marL="0" lvl="0" indent="0" rtl="0">
               <a:lnSpc>
                 <a:spcPct val="115000"/>
               </a:lnSpc>
@@ -7152,11 +7515,11 @@
 </file>
 
 <file path=ppt/slides/slide11.xml><?xml version="1.0" encoding="utf-8"?>
-<p:sld xmlns:a="http://schemas.openxmlformats.org/drawingml/2006/main" xmlns:r="http://schemas.openxmlformats.org/officeDocument/2006/relationships" xmlns:mc="http://schemas.openxmlformats.org/markup-compatibility/2006" xmlns:mv="urn:schemas-microsoft-com:mac:vml" xmlns:p="http://schemas.openxmlformats.org/presentationml/2006/main" xmlns:c="http://schemas.openxmlformats.org/drawingml/2006/chart" xmlns:dgm="http://schemas.openxmlformats.org/drawingml/2006/diagram" xmlns:o="urn:schemas-microsoft-com:office:office" xmlns:v="urn:schemas-microsoft-com:vml" xmlns:pvml="urn:schemas-microsoft-com:office:powerpoint" xmlns:com="http://schemas.openxmlformats.org/drawingml/2006/compatibility" xmlns:p14="http://schemas.microsoft.com/office/powerpoint/2010/main">
+<p:sld xmlns:a="http://schemas.openxmlformats.org/drawingml/2006/main" xmlns:r="http://schemas.openxmlformats.org/officeDocument/2006/relationships" xmlns:p="http://schemas.openxmlformats.org/presentationml/2006/main">
   <p:cSld>
     <p:spTree>
       <p:nvGrpSpPr>
-        <p:cNvPr id="126" name="Shape 126"/>
+        <p:cNvPr id="1" name="Shape 126"/>
         <p:cNvGrpSpPr/>
         <p:nvPr/>
       </p:nvGrpSpPr>
@@ -7171,7 +7534,9 @@
       <p:sp>
         <p:nvSpPr>
           <p:cNvPr id="127" name="Shape 127"/>
-          <p:cNvSpPr txBox="1"/>
+          <p:cNvSpPr txBox="1">
+            <a:spLocks noGrp="1"/>
+          </p:cNvSpPr>
           <p:nvPr>
             <p:ph type="title"/>
           </p:nvPr>
@@ -7186,7 +7551,7 @@
           </a:prstGeom>
         </p:spPr>
         <p:txBody>
-          <a:bodyPr anchorCtr="0" anchor="t" bIns="91425" lIns="91425" rIns="91425" tIns="91425">
+          <a:bodyPr lIns="91425" tIns="91425" rIns="91425" bIns="91425" anchor="t" anchorCtr="0">
             <a:noAutofit/>
           </a:bodyPr>
           <a:lstStyle/>
@@ -7207,9 +7572,11 @@
       <p:sp>
         <p:nvSpPr>
           <p:cNvPr id="128" name="Shape 128"/>
-          <p:cNvSpPr txBox="1"/>
+          <p:cNvSpPr txBox="1">
+            <a:spLocks noGrp="1"/>
+          </p:cNvSpPr>
           <p:nvPr>
-            <p:ph idx="1" type="body"/>
+            <p:ph type="body" idx="1"/>
           </p:nvPr>
         </p:nvSpPr>
         <p:spPr>
@@ -7222,7 +7589,7 @@
           </a:prstGeom>
         </p:spPr>
         <p:txBody>
-          <a:bodyPr anchorCtr="0" anchor="t" bIns="91425" lIns="91425" rIns="91425" tIns="91425">
+          <a:bodyPr lIns="91425" tIns="91425" rIns="91425" bIns="91425" anchor="t" anchorCtr="0">
             <a:noAutofit/>
           </a:bodyPr>
           <a:lstStyle/>
@@ -7852,9 +8219,6 @@
               </a:spcBef>
               <a:buNone/>
             </a:pPr>
-            <a:r>
-              <a:t/>
-            </a:r>
             <a:endParaRPr>
               <a:latin typeface="Source Code Pro"/>
               <a:ea typeface="Source Code Pro"/>
@@ -7873,11 +8237,11 @@
 </file>
 
 <file path=ppt/slides/slide12.xml><?xml version="1.0" encoding="utf-8"?>
-<p:sld xmlns:a="http://schemas.openxmlformats.org/drawingml/2006/main" xmlns:r="http://schemas.openxmlformats.org/officeDocument/2006/relationships" xmlns:mc="http://schemas.openxmlformats.org/markup-compatibility/2006" xmlns:mv="urn:schemas-microsoft-com:mac:vml" xmlns:p="http://schemas.openxmlformats.org/presentationml/2006/main" xmlns:c="http://schemas.openxmlformats.org/drawingml/2006/chart" xmlns:dgm="http://schemas.openxmlformats.org/drawingml/2006/diagram" xmlns:o="urn:schemas-microsoft-com:office:office" xmlns:v="urn:schemas-microsoft-com:vml" xmlns:pvml="urn:schemas-microsoft-com:office:powerpoint" xmlns:com="http://schemas.openxmlformats.org/drawingml/2006/compatibility" xmlns:p14="http://schemas.microsoft.com/office/powerpoint/2010/main">
+<p:sld xmlns:a="http://schemas.openxmlformats.org/drawingml/2006/main" xmlns:r="http://schemas.openxmlformats.org/officeDocument/2006/relationships" xmlns:p="http://schemas.openxmlformats.org/presentationml/2006/main">
   <p:cSld>
     <p:spTree>
       <p:nvGrpSpPr>
-        <p:cNvPr id="132" name="Shape 132"/>
+        <p:cNvPr id="1" name="Shape 132"/>
         <p:cNvGrpSpPr/>
         <p:nvPr/>
       </p:nvGrpSpPr>
@@ -7892,7 +8256,9 @@
       <p:sp>
         <p:nvSpPr>
           <p:cNvPr id="133" name="Shape 133"/>
-          <p:cNvSpPr txBox="1"/>
+          <p:cNvSpPr txBox="1">
+            <a:spLocks noGrp="1"/>
+          </p:cNvSpPr>
           <p:nvPr>
             <p:ph type="title"/>
           </p:nvPr>
@@ -7907,7 +8273,7 @@
           </a:prstGeom>
         </p:spPr>
         <p:txBody>
-          <a:bodyPr anchorCtr="0" anchor="ctr" bIns="91425" lIns="91425" rIns="91425" tIns="91425">
+          <a:bodyPr lIns="91425" tIns="91425" rIns="91425" bIns="91425" anchor="ctr" anchorCtr="0">
             <a:noAutofit/>
           </a:bodyPr>
           <a:lstStyle/>
@@ -7934,11 +8300,11 @@
 </file>
 
 <file path=ppt/slides/slide13.xml><?xml version="1.0" encoding="utf-8"?>
-<p:sld xmlns:a="http://schemas.openxmlformats.org/drawingml/2006/main" xmlns:r="http://schemas.openxmlformats.org/officeDocument/2006/relationships" xmlns:mc="http://schemas.openxmlformats.org/markup-compatibility/2006" xmlns:mv="urn:schemas-microsoft-com:mac:vml" xmlns:p="http://schemas.openxmlformats.org/presentationml/2006/main" xmlns:c="http://schemas.openxmlformats.org/drawingml/2006/chart" xmlns:dgm="http://schemas.openxmlformats.org/drawingml/2006/diagram" xmlns:o="urn:schemas-microsoft-com:office:office" xmlns:v="urn:schemas-microsoft-com:vml" xmlns:pvml="urn:schemas-microsoft-com:office:powerpoint" xmlns:com="http://schemas.openxmlformats.org/drawingml/2006/compatibility" xmlns:p14="http://schemas.microsoft.com/office/powerpoint/2010/main">
+<p:sld xmlns:a="http://schemas.openxmlformats.org/drawingml/2006/main" xmlns:r="http://schemas.openxmlformats.org/officeDocument/2006/relationships" xmlns:p="http://schemas.openxmlformats.org/presentationml/2006/main">
   <p:cSld>
     <p:spTree>
       <p:nvGrpSpPr>
-        <p:cNvPr id="137" name="Shape 137"/>
+        <p:cNvPr id="1" name="Shape 137"/>
         <p:cNvGrpSpPr/>
         <p:nvPr/>
       </p:nvGrpSpPr>
@@ -7953,7 +8319,9 @@
       <p:sp>
         <p:nvSpPr>
           <p:cNvPr id="138" name="Shape 138"/>
-          <p:cNvSpPr txBox="1"/>
+          <p:cNvSpPr txBox="1">
+            <a:spLocks noGrp="1"/>
+          </p:cNvSpPr>
           <p:nvPr>
             <p:ph type="title"/>
           </p:nvPr>
@@ -7968,7 +8336,7 @@
           </a:prstGeom>
         </p:spPr>
         <p:txBody>
-          <a:bodyPr anchorCtr="0" anchor="t" bIns="91425" lIns="91425" rIns="91425" tIns="91425">
+          <a:bodyPr lIns="91425" tIns="91425" rIns="91425" bIns="91425" anchor="t" anchorCtr="0">
             <a:noAutofit/>
           </a:bodyPr>
           <a:lstStyle/>
@@ -7989,9 +8357,11 @@
       <p:sp>
         <p:nvSpPr>
           <p:cNvPr id="139" name="Shape 139"/>
-          <p:cNvSpPr txBox="1"/>
+          <p:cNvSpPr txBox="1">
+            <a:spLocks noGrp="1"/>
+          </p:cNvSpPr>
           <p:nvPr>
-            <p:ph idx="1" type="body"/>
+            <p:ph type="body" idx="1"/>
           </p:nvPr>
         </p:nvSpPr>
         <p:spPr>
@@ -8004,18 +8374,18 @@
           </a:prstGeom>
         </p:spPr>
         <p:txBody>
-          <a:bodyPr anchorCtr="0" anchor="t" bIns="91425" lIns="91425" rIns="91425" tIns="91425">
+          <a:bodyPr lIns="91425" tIns="91425" rIns="91425" bIns="91425" anchor="t" anchorCtr="0">
             <a:noAutofit/>
           </a:bodyPr>
           <a:lstStyle/>
           <a:p>
-            <a:pPr indent="-228600" lvl="0" marL="457200" rtl="0">
-              <a:spcBef>
-                <a:spcPts val="0"/>
-              </a:spcBef>
-            </a:pPr>
-            <a:r>
-              <a:rPr lang="en"/>
+            <a:pPr marL="457200" lvl="0" indent="-228600" rtl="0">
+              <a:spcBef>
+                <a:spcPts val="0"/>
+              </a:spcBef>
+            </a:pPr>
+            <a:r>
+              <a:rPr lang="en" dirty="0"/>
               <a:t>aka methods</a:t>
             </a:r>
           </a:p>
@@ -8033,7 +8403,7 @@
               <a:buNone/>
             </a:pPr>
             <a:r>
-              <a:rPr lang="en" sz="1200">
+              <a:rPr lang="en" sz="1200" dirty="0">
                 <a:solidFill>
                   <a:srgbClr val="0000CD"/>
                 </a:solidFill>
@@ -8048,7 +8418,7 @@
               <a:t>function</a:t>
             </a:r>
             <a:r>
-              <a:rPr lang="en" sz="1200">
+              <a:rPr lang="en" sz="1200" dirty="0">
                 <a:solidFill>
                   <a:srgbClr val="000000"/>
                 </a:solidFill>
@@ -8077,7 +8447,7 @@
               <a:buNone/>
             </a:pPr>
             <a:r>
-              <a:rPr lang="en" sz="1200">
+              <a:rPr lang="en" sz="1200" dirty="0">
                 <a:solidFill>
                   <a:srgbClr val="000000"/>
                 </a:solidFill>
@@ -8092,7 +8462,7 @@
               <a:t>  </a:t>
             </a:r>
             <a:r>
-              <a:rPr lang="en" sz="1200">
+              <a:rPr lang="en" sz="1200" dirty="0">
                 <a:solidFill>
                   <a:srgbClr val="0000CD"/>
                 </a:solidFill>
@@ -8107,7 +8477,7 @@
               <a:t>var</a:t>
             </a:r>
             <a:r>
-              <a:rPr lang="en" sz="1200">
+              <a:rPr lang="en" sz="1200" dirty="0">
                 <a:solidFill>
                   <a:srgbClr val="000000"/>
                 </a:solidFill>
@@ -8122,7 +8492,7 @@
               <a:t> greeting = </a:t>
             </a:r>
             <a:r>
-              <a:rPr lang="en" sz="1200">
+              <a:rPr lang="en" sz="1200" dirty="0">
                 <a:solidFill>
                   <a:srgbClr val="A52A2A"/>
                 </a:solidFill>
@@ -8137,7 +8507,7 @@
               <a:t>“Hello ” + </a:t>
             </a:r>
             <a:r>
-              <a:rPr lang="en" sz="1200">
+              <a:rPr lang="en" sz="1200" dirty="0">
                 <a:solidFill>
                   <a:srgbClr val="000000"/>
                 </a:solidFill>
@@ -8152,7 +8522,7 @@
               <a:t>name</a:t>
             </a:r>
             <a:r>
-              <a:rPr lang="en" sz="1200">
+              <a:rPr lang="en" sz="1200" dirty="0">
                 <a:solidFill>
                   <a:srgbClr val="A52A2A"/>
                 </a:solidFill>
@@ -8167,7 +8537,7 @@
               <a:t> + “. ”</a:t>
             </a:r>
             <a:r>
-              <a:rPr lang="en" sz="1200">
+              <a:rPr lang="en" sz="1200" dirty="0">
                 <a:solidFill>
                   <a:srgbClr val="000000"/>
                 </a:solidFill>
@@ -8196,7 +8566,7 @@
               <a:buNone/>
             </a:pPr>
             <a:r>
-              <a:rPr lang="en" sz="1200">
+              <a:rPr lang="en" sz="1200" dirty="0">
                 <a:solidFill>
                   <a:srgbClr val="000000"/>
                 </a:solidFill>
@@ -8211,7 +8581,7 @@
               <a:t>  </a:t>
             </a:r>
             <a:r>
-              <a:rPr lang="en" sz="1200">
+              <a:rPr lang="en" sz="1200" dirty="0">
                 <a:solidFill>
                   <a:srgbClr val="0000CD"/>
                 </a:solidFill>
@@ -8226,7 +8596,7 @@
               <a:t>var</a:t>
             </a:r>
             <a:r>
-              <a:rPr lang="en" sz="1200">
+              <a:rPr lang="en" sz="1200" dirty="0">
                 <a:solidFill>
                   <a:srgbClr val="000000"/>
                 </a:solidFill>
@@ -8241,7 +8611,7 @@
               <a:t> question = </a:t>
             </a:r>
             <a:r>
-              <a:rPr lang="en" sz="1200">
+              <a:rPr lang="en" sz="1200" dirty="0">
                 <a:solidFill>
                   <a:srgbClr val="A52A2A"/>
                 </a:solidFill>
@@ -8256,7 +8626,7 @@
               <a:t>“How are you?”</a:t>
             </a:r>
             <a:r>
-              <a:rPr lang="en" sz="1200">
+              <a:rPr lang="en" sz="1200" dirty="0">
                 <a:solidFill>
                   <a:srgbClr val="000000"/>
                 </a:solidFill>
@@ -8285,7 +8655,7 @@
               <a:buNone/>
             </a:pPr>
             <a:r>
-              <a:rPr lang="en" sz="1200">
+              <a:rPr lang="en" sz="1200" dirty="0">
                 <a:solidFill>
                   <a:srgbClr val="000000"/>
                 </a:solidFill>
@@ -8300,7 +8670,7 @@
               <a:t>  </a:t>
             </a:r>
             <a:r>
-              <a:rPr lang="en" sz="1200">
+              <a:rPr lang="en" sz="1200" dirty="0">
                 <a:solidFill>
                   <a:srgbClr val="0000CD"/>
                 </a:solidFill>
@@ -8315,7 +8685,7 @@
               <a:t>var</a:t>
             </a:r>
             <a:r>
-              <a:rPr lang="en" sz="1200">
+              <a:rPr lang="en" sz="1200" dirty="0">
                 <a:solidFill>
                   <a:srgbClr val="000000"/>
                 </a:solidFill>
@@ -8331,6 +8701,100 @@
             </a:r>
           </a:p>
           <a:p>
+            <a:pPr>
+              <a:spcAft>
+                <a:spcPts val="0"/>
+              </a:spcAft>
+            </a:pPr>
+            <a:r>
+              <a:rPr lang="en" sz="1200" dirty="0">
+                <a:solidFill>
+                  <a:srgbClr val="000000"/>
+                </a:solidFill>
+                <a:highlight>
+                  <a:srgbClr val="FFFFFF"/>
+                </a:highlight>
+                <a:latin typeface="Source Code Pro"/>
+                <a:ea typeface="Source Code Pro"/>
+                <a:cs typeface="Source Code Pro"/>
+                <a:sym typeface="Source Code Pro"/>
+              </a:rPr>
+              <a:t>  console.log(line</a:t>
+            </a:r>
+            <a:r>
+              <a:rPr lang="en" sz="1200" dirty="0" smtClean="0">
+                <a:solidFill>
+                  <a:srgbClr val="000000"/>
+                </a:solidFill>
+                <a:highlight>
+                  <a:srgbClr val="FFFFFF"/>
+                </a:highlight>
+                <a:latin typeface="Source Code Pro"/>
+                <a:ea typeface="Source Code Pro"/>
+                <a:cs typeface="Source Code Pro"/>
+                <a:sym typeface="Source Code Pro"/>
+              </a:rPr>
+              <a:t>);</a:t>
+            </a:r>
+            <a:r>
+              <a:rPr lang="en-US" sz="1200" dirty="0" smtClean="0">
+                <a:solidFill>
+                  <a:srgbClr val="000000"/>
+                </a:solidFill>
+                <a:highlight>
+                  <a:srgbClr val="FFFFFF"/>
+                </a:highlight>
+                <a:latin typeface="Source Code Pro"/>
+                <a:ea typeface="Source Code Pro"/>
+                <a:cs typeface="Source Code Pro"/>
+                <a:sym typeface="Source Code Pro"/>
+              </a:rPr>
+              <a:t> </a:t>
+            </a:r>
+            <a:r>
+              <a:rPr lang="en" sz="1200" dirty="0">
+                <a:solidFill>
+                  <a:srgbClr val="999999"/>
+                </a:solidFill>
+                <a:highlight>
+                  <a:srgbClr val="FFFFFF"/>
+                </a:highlight>
+                <a:latin typeface="Source Code Pro"/>
+                <a:ea typeface="Source Code Pro"/>
+                <a:cs typeface="Source Code Pro"/>
+                <a:sym typeface="Source Code Pro"/>
+              </a:rPr>
+              <a:t>// will print out “Hello Crystal. How are you</a:t>
+            </a:r>
+            <a:r>
+              <a:rPr lang="en" sz="1200" dirty="0" smtClean="0">
+                <a:solidFill>
+                  <a:srgbClr val="999999"/>
+                </a:solidFill>
+                <a:highlight>
+                  <a:srgbClr val="FFFFFF"/>
+                </a:highlight>
+                <a:latin typeface="Source Code Pro"/>
+                <a:ea typeface="Source Code Pro"/>
+                <a:cs typeface="Source Code Pro"/>
+                <a:sym typeface="Source Code Pro"/>
+              </a:rPr>
+              <a:t>?”</a:t>
+            </a:r>
+            <a:endParaRPr lang="en" sz="1200" dirty="0">
+              <a:solidFill>
+                <a:srgbClr val="000000"/>
+              </a:solidFill>
+              <a:highlight>
+                <a:srgbClr val="FFFFFF"/>
+              </a:highlight>
+              <a:latin typeface="Source Code Pro"/>
+              <a:ea typeface="Source Code Pro"/>
+              <a:cs typeface="Source Code Pro"/>
+              <a:sym typeface="Source Code Pro"/>
+            </a:endParaRPr>
+          </a:p>
+          <a:p>
             <a:pPr lvl="0" rtl="0">
               <a:lnSpc>
                 <a:spcPct val="115000"/>
@@ -8344,19 +8808,19 @@
               <a:buNone/>
             </a:pPr>
             <a:r>
-              <a:rPr lang="en" sz="1200">
-                <a:solidFill>
-                  <a:srgbClr val="000000"/>
-                </a:solidFill>
-                <a:highlight>
-                  <a:srgbClr val="FFFFFF"/>
-                </a:highlight>
-                <a:latin typeface="Source Code Pro"/>
-                <a:ea typeface="Source Code Pro"/>
-                <a:cs typeface="Source Code Pro"/>
-                <a:sym typeface="Source Code Pro"/>
-              </a:rPr>
-              <a:t>  console.log(line);</a:t>
+              <a:rPr lang="en" sz="1200" dirty="0">
+                <a:solidFill>
+                  <a:srgbClr val="000000"/>
+                </a:solidFill>
+                <a:highlight>
+                  <a:srgbClr val="FFFFFF"/>
+                </a:highlight>
+                <a:latin typeface="Source Code Pro"/>
+                <a:ea typeface="Source Code Pro"/>
+                <a:cs typeface="Source Code Pro"/>
+                <a:sym typeface="Source Code Pro"/>
+              </a:rPr>
+              <a:t>  return age;</a:t>
             </a:r>
           </a:p>
           <a:p>
@@ -8373,36 +8837,7 @@
               <a:buNone/>
             </a:pPr>
             <a:r>
-              <a:rPr lang="en" sz="1200">
-                <a:solidFill>
-                  <a:srgbClr val="000000"/>
-                </a:solidFill>
-                <a:highlight>
-                  <a:srgbClr val="FFFFFF"/>
-                </a:highlight>
-                <a:latin typeface="Source Code Pro"/>
-                <a:ea typeface="Source Code Pro"/>
-                <a:cs typeface="Source Code Pro"/>
-                <a:sym typeface="Source Code Pro"/>
-              </a:rPr>
-              <a:t>  return age;</a:t>
-            </a:r>
-          </a:p>
-          <a:p>
-            <a:pPr lvl="0" rtl="0">
-              <a:lnSpc>
-                <a:spcPct val="115000"/>
-              </a:lnSpc>
-              <a:spcBef>
-                <a:spcPts val="0"/>
-              </a:spcBef>
-              <a:spcAft>
-                <a:spcPts val="0"/>
-              </a:spcAft>
-              <a:buNone/>
-            </a:pPr>
-            <a:r>
-              <a:rPr lang="en" sz="1200">
+              <a:rPr lang="en" sz="1200" dirty="0">
                 <a:solidFill>
                   <a:srgbClr val="000000"/>
                 </a:solidFill>
@@ -8418,20 +8853,13 @@
             </a:r>
           </a:p>
           <a:p>
-            <a:pPr lvl="0" rtl="0">
-              <a:lnSpc>
-                <a:spcPct val="115000"/>
-              </a:lnSpc>
-              <a:spcBef>
-                <a:spcPts val="0"/>
-              </a:spcBef>
-              <a:spcAft>
-                <a:spcPts val="0"/>
-              </a:spcAft>
-              <a:buNone/>
-            </a:pPr>
-            <a:r>
-              <a:rPr lang="en" sz="1200">
+            <a:pPr lvl="0">
+              <a:spcAft>
+                <a:spcPts val="0"/>
+              </a:spcAft>
+            </a:pPr>
+            <a:r>
+              <a:rPr lang="en" sz="1200" dirty="0">
                 <a:solidFill>
                   <a:srgbClr val="0000CD"/>
                 </a:solidFill>
@@ -8446,22 +8874,22 @@
               <a:t>var</a:t>
             </a:r>
             <a:r>
-              <a:rPr lang="en" sz="1200">
-                <a:solidFill>
-                  <a:srgbClr val="000000"/>
-                </a:solidFill>
-                <a:highlight>
-                  <a:srgbClr val="FFFFFF"/>
-                </a:highlight>
-                <a:latin typeface="Source Code Pro"/>
-                <a:ea typeface="Source Code Pro"/>
-                <a:cs typeface="Source Code Pro"/>
-                <a:sym typeface="Source Code Pro"/>
-              </a:rPr>
-              <a:t> result = myFunction(“Crystal”, 22);  </a:t>
-            </a:r>
-            <a:r>
-              <a:rPr lang="en" sz="1200">
+              <a:rPr lang="en" sz="1200" dirty="0">
+                <a:solidFill>
+                  <a:srgbClr val="000000"/>
+                </a:solidFill>
+                <a:highlight>
+                  <a:srgbClr val="FFFFFF"/>
+                </a:highlight>
+                <a:latin typeface="Source Code Pro"/>
+                <a:ea typeface="Source Code Pro"/>
+                <a:cs typeface="Source Code Pro"/>
+                <a:sym typeface="Source Code Pro"/>
+              </a:rPr>
+              <a:t> result = myFunction(“Crystal”, 22); </a:t>
+            </a:r>
+            <a:r>
+              <a:rPr lang="en" sz="1200" dirty="0">
                 <a:solidFill>
                   <a:srgbClr val="999999"/>
                 </a:solidFill>
@@ -8473,24 +8901,10 @@
                 <a:cs typeface="Source Code Pro"/>
                 <a:sym typeface="Source Code Pro"/>
               </a:rPr>
-              <a:t>// will print out “Hello Crystal. How are you?”</a:t>
-            </a:r>
-          </a:p>
-          <a:p>
-            <a:pPr lvl="0" rtl="0">
-              <a:lnSpc>
-                <a:spcPct val="115000"/>
-              </a:lnSpc>
-              <a:spcBef>
-                <a:spcPts val="0"/>
-              </a:spcBef>
-              <a:spcAft>
-                <a:spcPts val="0"/>
-              </a:spcAft>
-              <a:buNone/>
-            </a:pPr>
-            <a:r>
-              <a:rPr lang="en" sz="1200">
+              <a:t>	</a:t>
+            </a:r>
+            <a:r>
+              <a:rPr lang="en" sz="1200" dirty="0">
                 <a:solidFill>
                   <a:srgbClr val="999999"/>
                 </a:solidFill>
@@ -8502,20 +8916,24 @@
                 <a:cs typeface="Source Code Pro"/>
                 <a:sym typeface="Source Code Pro"/>
               </a:rPr>
-              <a:t>							      // result = 22</a:t>
-            </a:r>
-          </a:p>
-          <a:p>
-            <a:pPr lvl="0">
-              <a:spcBef>
-                <a:spcPts val="0"/>
-              </a:spcBef>
-              <a:buNone/>
-            </a:pPr>
-            <a:r>
-              <a:t/>
-            </a:r>
-            <a:endParaRPr/>
+              <a:t> // result = 22</a:t>
+            </a:r>
+            <a:r>
+              <a:rPr lang="en" sz="1200" dirty="0">
+                <a:solidFill>
+                  <a:srgbClr val="999999"/>
+                </a:solidFill>
+                <a:highlight>
+                  <a:srgbClr val="FFFFFF"/>
+                </a:highlight>
+                <a:latin typeface="Source Code Pro"/>
+                <a:ea typeface="Source Code Pro"/>
+                <a:cs typeface="Source Code Pro"/>
+                <a:sym typeface="Source Code Pro"/>
+              </a:rPr>
+              <a:t>						</a:t>
+            </a:r>
+            <a:endParaRPr dirty="0"/>
           </a:p>
         </p:txBody>
       </p:sp>
@@ -8528,11 +8946,11 @@
 </file>
 
 <file path=ppt/slides/slide14.xml><?xml version="1.0" encoding="utf-8"?>
-<p:sld xmlns:a="http://schemas.openxmlformats.org/drawingml/2006/main" xmlns:r="http://schemas.openxmlformats.org/officeDocument/2006/relationships" xmlns:mc="http://schemas.openxmlformats.org/markup-compatibility/2006" xmlns:mv="urn:schemas-microsoft-com:mac:vml" xmlns:p="http://schemas.openxmlformats.org/presentationml/2006/main" xmlns:c="http://schemas.openxmlformats.org/drawingml/2006/chart" xmlns:dgm="http://schemas.openxmlformats.org/drawingml/2006/diagram" xmlns:o="urn:schemas-microsoft-com:office:office" xmlns:v="urn:schemas-microsoft-com:vml" xmlns:pvml="urn:schemas-microsoft-com:office:powerpoint" xmlns:com="http://schemas.openxmlformats.org/drawingml/2006/compatibility" xmlns:p14="http://schemas.microsoft.com/office/powerpoint/2010/main">
+<p:sld xmlns:a="http://schemas.openxmlformats.org/drawingml/2006/main" xmlns:r="http://schemas.openxmlformats.org/officeDocument/2006/relationships" xmlns:p="http://schemas.openxmlformats.org/presentationml/2006/main">
   <p:cSld>
     <p:spTree>
       <p:nvGrpSpPr>
-        <p:cNvPr id="143" name="Shape 143"/>
+        <p:cNvPr id="1" name="Shape 143"/>
         <p:cNvGrpSpPr/>
         <p:nvPr/>
       </p:nvGrpSpPr>
@@ -8547,7 +8965,9 @@
       <p:sp>
         <p:nvSpPr>
           <p:cNvPr id="144" name="Shape 144"/>
-          <p:cNvSpPr txBox="1"/>
+          <p:cNvSpPr txBox="1">
+            <a:spLocks noGrp="1"/>
+          </p:cNvSpPr>
           <p:nvPr>
             <p:ph type="title"/>
           </p:nvPr>
@@ -8562,7 +8982,7 @@
           </a:prstGeom>
         </p:spPr>
         <p:txBody>
-          <a:bodyPr anchorCtr="0" anchor="t" bIns="91425" lIns="91425" rIns="91425" tIns="91425">
+          <a:bodyPr lIns="91425" tIns="91425" rIns="91425" bIns="91425" anchor="t" anchorCtr="0">
             <a:noAutofit/>
           </a:bodyPr>
           <a:lstStyle/>
@@ -8583,9 +9003,11 @@
       <p:sp>
         <p:nvSpPr>
           <p:cNvPr id="145" name="Shape 145"/>
-          <p:cNvSpPr txBox="1"/>
+          <p:cNvSpPr txBox="1">
+            <a:spLocks noGrp="1"/>
+          </p:cNvSpPr>
           <p:nvPr>
-            <p:ph idx="1" type="body"/>
+            <p:ph type="body" idx="1"/>
           </p:nvPr>
         </p:nvSpPr>
         <p:spPr>
@@ -8598,12 +9020,12 @@
           </a:prstGeom>
         </p:spPr>
         <p:txBody>
-          <a:bodyPr anchorCtr="0" anchor="t" bIns="91425" lIns="91425" rIns="91425" tIns="91425">
+          <a:bodyPr lIns="91425" tIns="91425" rIns="91425" bIns="91425" anchor="t" anchorCtr="0">
             <a:noAutofit/>
           </a:bodyPr>
           <a:lstStyle/>
           <a:p>
-            <a:pPr indent="-228600" lvl="0" marL="457200" rtl="0">
+            <a:pPr marL="457200" lvl="0" indent="-228600" rtl="0">
               <a:lnSpc>
                 <a:spcPct val="200000"/>
               </a:lnSpc>
@@ -8620,7 +9042,7 @@
             </a:r>
           </a:p>
           <a:p>
-            <a:pPr indent="-228600" lvl="0" marL="457200" rtl="0">
+            <a:pPr marL="457200" lvl="0" indent="-228600" rtl="0">
               <a:lnSpc>
                 <a:spcPct val="115000"/>
               </a:lnSpc>
@@ -8637,7 +9059,7 @@
             </a:r>
           </a:p>
           <a:p>
-            <a:pPr indent="-228600" lvl="1" marL="914400" rtl="0">
+            <a:pPr marL="914400" lvl="1" indent="-228600" rtl="0">
               <a:lnSpc>
                 <a:spcPct val="100000"/>
               </a:lnSpc>
@@ -8670,13 +9092,10 @@
               </a:spcAft>
               <a:buNone/>
             </a:pPr>
-            <a:r>
-              <a:t/>
-            </a:r>
             <a:endParaRPr/>
           </a:p>
           <a:p>
-            <a:pPr indent="0" lvl="0" marL="457200" rtl="0">
+            <a:pPr marL="457200" lvl="0" indent="0" rtl="0">
               <a:lnSpc>
                 <a:spcPct val="115000"/>
               </a:lnSpc>
@@ -8720,7 +9139,7 @@
             </a:r>
           </a:p>
           <a:p>
-            <a:pPr indent="0" lvl="0" marL="457200" rtl="0">
+            <a:pPr marL="457200" lvl="0" indent="0" rtl="0">
               <a:lnSpc>
                 <a:spcPct val="115000"/>
               </a:lnSpc>
@@ -8869,7 +9288,7 @@
             </a:r>
           </a:p>
           <a:p>
-            <a:pPr indent="0" lvl="0" marL="457200" rtl="0">
+            <a:pPr marL="457200" lvl="0" indent="0" rtl="0">
               <a:lnSpc>
                 <a:spcPct val="115000"/>
               </a:lnSpc>
@@ -8898,7 +9317,7 @@
             </a:r>
           </a:p>
           <a:p>
-            <a:pPr indent="0" lvl="0" marL="457200" rtl="0">
+            <a:pPr marL="457200" lvl="0" indent="0" rtl="0">
               <a:lnSpc>
                 <a:spcPct val="100000"/>
               </a:lnSpc>
@@ -8984,7 +9403,7 @@
             </a:r>
           </a:p>
           <a:p>
-            <a:pPr indent="0" lvl="0" marL="457200" rtl="0">
+            <a:pPr marL="457200" lvl="0" indent="0" rtl="0">
               <a:lnSpc>
                 <a:spcPct val="100000"/>
               </a:lnSpc>
@@ -8996,9 +9415,6 @@
               </a:spcAft>
               <a:buNone/>
             </a:pPr>
-            <a:r>
-              <a:t/>
-            </a:r>
             <a:endParaRPr sz="1200">
               <a:solidFill>
                 <a:srgbClr val="999999"/>
@@ -9025,9 +9441,6 @@
               </a:spcAft>
               <a:buNone/>
             </a:pPr>
-            <a:r>
-              <a:t/>
-            </a:r>
             <a:endParaRPr sz="1200">
               <a:highlight>
                 <a:srgbClr val="FFFFFF"/>
@@ -9045,11 +9458,11 @@
 </file>
 
 <file path=ppt/slides/slide15.xml><?xml version="1.0" encoding="utf-8"?>
-<p:sld xmlns:a="http://schemas.openxmlformats.org/drawingml/2006/main" xmlns:r="http://schemas.openxmlformats.org/officeDocument/2006/relationships" xmlns:mc="http://schemas.openxmlformats.org/markup-compatibility/2006" xmlns:mv="urn:schemas-microsoft-com:mac:vml" xmlns:p="http://schemas.openxmlformats.org/presentationml/2006/main" xmlns:c="http://schemas.openxmlformats.org/drawingml/2006/chart" xmlns:dgm="http://schemas.openxmlformats.org/drawingml/2006/diagram" xmlns:o="urn:schemas-microsoft-com:office:office" xmlns:v="urn:schemas-microsoft-com:vml" xmlns:pvml="urn:schemas-microsoft-com:office:powerpoint" xmlns:com="http://schemas.openxmlformats.org/drawingml/2006/compatibility" xmlns:p14="http://schemas.microsoft.com/office/powerpoint/2010/main">
+<p:sld xmlns:a="http://schemas.openxmlformats.org/drawingml/2006/main" xmlns:r="http://schemas.openxmlformats.org/officeDocument/2006/relationships" xmlns:p="http://schemas.openxmlformats.org/presentationml/2006/main">
   <p:cSld>
     <p:spTree>
       <p:nvGrpSpPr>
-        <p:cNvPr id="149" name="Shape 149"/>
+        <p:cNvPr id="1" name="Shape 149"/>
         <p:cNvGrpSpPr/>
         <p:nvPr/>
       </p:nvGrpSpPr>
@@ -9064,7 +9477,9 @@
       <p:sp>
         <p:nvSpPr>
           <p:cNvPr id="150" name="Shape 150"/>
-          <p:cNvSpPr txBox="1"/>
+          <p:cNvSpPr txBox="1">
+            <a:spLocks noGrp="1"/>
+          </p:cNvSpPr>
           <p:nvPr>
             <p:ph type="title"/>
           </p:nvPr>
@@ -9079,7 +9494,7 @@
           </a:prstGeom>
         </p:spPr>
         <p:txBody>
-          <a:bodyPr anchorCtr="0" anchor="ctr" bIns="91425" lIns="91425" rIns="91425" tIns="91425">
+          <a:bodyPr lIns="91425" tIns="91425" rIns="91425" bIns="91425" anchor="ctr" anchorCtr="0">
             <a:noAutofit/>
           </a:bodyPr>
           <a:lstStyle/>
@@ -9106,11 +9521,11 @@
 </file>
 
 <file path=ppt/slides/slide16.xml><?xml version="1.0" encoding="utf-8"?>
-<p:sld xmlns:a="http://schemas.openxmlformats.org/drawingml/2006/main" xmlns:r="http://schemas.openxmlformats.org/officeDocument/2006/relationships" xmlns:mc="http://schemas.openxmlformats.org/markup-compatibility/2006" xmlns:mv="urn:schemas-microsoft-com:mac:vml" xmlns:p="http://schemas.openxmlformats.org/presentationml/2006/main" xmlns:c="http://schemas.openxmlformats.org/drawingml/2006/chart" xmlns:dgm="http://schemas.openxmlformats.org/drawingml/2006/diagram" xmlns:o="urn:schemas-microsoft-com:office:office" xmlns:v="urn:schemas-microsoft-com:vml" xmlns:pvml="urn:schemas-microsoft-com:office:powerpoint" xmlns:com="http://schemas.openxmlformats.org/drawingml/2006/compatibility" xmlns:p14="http://schemas.microsoft.com/office/powerpoint/2010/main">
+<p:sld xmlns:a="http://schemas.openxmlformats.org/drawingml/2006/main" xmlns:r="http://schemas.openxmlformats.org/officeDocument/2006/relationships" xmlns:p="http://schemas.openxmlformats.org/presentationml/2006/main">
   <p:cSld>
     <p:spTree>
       <p:nvGrpSpPr>
-        <p:cNvPr id="154" name="Shape 154"/>
+        <p:cNvPr id="1" name="Shape 154"/>
         <p:cNvGrpSpPr/>
         <p:nvPr/>
       </p:nvGrpSpPr>
@@ -9125,7 +9540,9 @@
       <p:sp>
         <p:nvSpPr>
           <p:cNvPr id="155" name="Shape 155"/>
-          <p:cNvSpPr txBox="1"/>
+          <p:cNvSpPr txBox="1">
+            <a:spLocks noGrp="1"/>
+          </p:cNvSpPr>
           <p:nvPr>
             <p:ph type="title"/>
           </p:nvPr>
@@ -9140,7 +9557,7 @@
           </a:prstGeom>
         </p:spPr>
         <p:txBody>
-          <a:bodyPr anchorCtr="0" anchor="t" bIns="91425" lIns="91425" rIns="91425" tIns="91425">
+          <a:bodyPr lIns="91425" tIns="91425" rIns="91425" bIns="91425" anchor="t" anchorCtr="0">
             <a:noAutofit/>
           </a:bodyPr>
           <a:lstStyle/>
@@ -9161,9 +9578,11 @@
       <p:sp>
         <p:nvSpPr>
           <p:cNvPr id="156" name="Shape 156"/>
-          <p:cNvSpPr txBox="1"/>
+          <p:cNvSpPr txBox="1">
+            <a:spLocks noGrp="1"/>
+          </p:cNvSpPr>
           <p:nvPr>
-            <p:ph idx="1" type="body"/>
+            <p:ph type="body" idx="1"/>
           </p:nvPr>
         </p:nvSpPr>
         <p:spPr>
@@ -9176,7 +9595,7 @@
           </a:prstGeom>
         </p:spPr>
         <p:txBody>
-          <a:bodyPr anchorCtr="0" anchor="t" bIns="91425" lIns="91425" rIns="91425" tIns="91425">
+          <a:bodyPr lIns="91425" tIns="91425" rIns="91425" bIns="91425" anchor="t" anchorCtr="0">
             <a:noAutofit/>
           </a:bodyPr>
           <a:lstStyle/>
@@ -9473,9 +9892,6 @@
               </a:spcAft>
               <a:buNone/>
             </a:pPr>
-            <a:r>
-              <a:t/>
-            </a:r>
             <a:endParaRPr sz="1200">
               <a:solidFill>
                 <a:srgbClr val="000000"/>
@@ -9502,9 +9918,6 @@
               </a:spcAft>
               <a:buNone/>
             </a:pPr>
-            <a:r>
-              <a:t/>
-            </a:r>
             <a:endParaRPr sz="1200">
               <a:solidFill>
                 <a:srgbClr val="000000"/>
@@ -9962,11 +10375,11 @@
 </file>
 
 <file path=ppt/slides/slide17.xml><?xml version="1.0" encoding="utf-8"?>
-<p:sld xmlns:a="http://schemas.openxmlformats.org/drawingml/2006/main" xmlns:r="http://schemas.openxmlformats.org/officeDocument/2006/relationships" xmlns:mc="http://schemas.openxmlformats.org/markup-compatibility/2006" xmlns:mv="urn:schemas-microsoft-com:mac:vml" xmlns:p="http://schemas.openxmlformats.org/presentationml/2006/main" xmlns:c="http://schemas.openxmlformats.org/drawingml/2006/chart" xmlns:dgm="http://schemas.openxmlformats.org/drawingml/2006/diagram" xmlns:o="urn:schemas-microsoft-com:office:office" xmlns:v="urn:schemas-microsoft-com:vml" xmlns:pvml="urn:schemas-microsoft-com:office:powerpoint" xmlns:com="http://schemas.openxmlformats.org/drawingml/2006/compatibility" xmlns:p14="http://schemas.microsoft.com/office/powerpoint/2010/main">
+<p:sld xmlns:a="http://schemas.openxmlformats.org/drawingml/2006/main" xmlns:r="http://schemas.openxmlformats.org/officeDocument/2006/relationships" xmlns:p="http://schemas.openxmlformats.org/presentationml/2006/main">
   <p:cSld>
     <p:spTree>
       <p:nvGrpSpPr>
-        <p:cNvPr id="160" name="Shape 160"/>
+        <p:cNvPr id="1" name="Shape 160"/>
         <p:cNvGrpSpPr/>
         <p:nvPr/>
       </p:nvGrpSpPr>
@@ -9981,7 +10394,9 @@
       <p:sp>
         <p:nvSpPr>
           <p:cNvPr id="161" name="Shape 161"/>
-          <p:cNvSpPr txBox="1"/>
+          <p:cNvSpPr txBox="1">
+            <a:spLocks noGrp="1"/>
+          </p:cNvSpPr>
           <p:nvPr>
             <p:ph type="title"/>
           </p:nvPr>
@@ -9996,7 +10411,7 @@
           </a:prstGeom>
         </p:spPr>
         <p:txBody>
-          <a:bodyPr anchorCtr="0" anchor="t" bIns="91425" lIns="91425" rIns="91425" tIns="91425">
+          <a:bodyPr lIns="91425" tIns="91425" rIns="91425" bIns="91425" anchor="t" anchorCtr="0">
             <a:noAutofit/>
           </a:bodyPr>
           <a:lstStyle/>
@@ -10017,9 +10432,11 @@
       <p:sp>
         <p:nvSpPr>
           <p:cNvPr id="162" name="Shape 162"/>
-          <p:cNvSpPr txBox="1"/>
+          <p:cNvSpPr txBox="1">
+            <a:spLocks noGrp="1"/>
+          </p:cNvSpPr>
           <p:nvPr>
-            <p:ph idx="1" type="body"/>
+            <p:ph type="body" idx="1"/>
           </p:nvPr>
         </p:nvSpPr>
         <p:spPr>
@@ -10032,7 +10449,7 @@
           </a:prstGeom>
         </p:spPr>
         <p:txBody>
-          <a:bodyPr anchorCtr="0" anchor="t" bIns="91425" lIns="91425" rIns="91425" tIns="91425">
+          <a:bodyPr lIns="91425" tIns="91425" rIns="91425" bIns="91425" anchor="t" anchorCtr="0">
             <a:noAutofit/>
           </a:bodyPr>
           <a:lstStyle/>
@@ -10351,9 +10768,6 @@
               </a:spcAft>
               <a:buNone/>
             </a:pPr>
-            <a:r>
-              <a:t/>
-            </a:r>
             <a:endParaRPr sz="1200">
               <a:solidFill>
                 <a:srgbClr val="000000"/>
@@ -10700,11 +11114,11 @@
 </file>
 
 <file path=ppt/slides/slide18.xml><?xml version="1.0" encoding="utf-8"?>
-<p:sld xmlns:a="http://schemas.openxmlformats.org/drawingml/2006/main" xmlns:r="http://schemas.openxmlformats.org/officeDocument/2006/relationships" xmlns:mc="http://schemas.openxmlformats.org/markup-compatibility/2006" xmlns:mv="urn:schemas-microsoft-com:mac:vml" xmlns:p="http://schemas.openxmlformats.org/presentationml/2006/main" xmlns:c="http://schemas.openxmlformats.org/drawingml/2006/chart" xmlns:dgm="http://schemas.openxmlformats.org/drawingml/2006/diagram" xmlns:o="urn:schemas-microsoft-com:office:office" xmlns:v="urn:schemas-microsoft-com:vml" xmlns:pvml="urn:schemas-microsoft-com:office:powerpoint" xmlns:com="http://schemas.openxmlformats.org/drawingml/2006/compatibility" xmlns:p14="http://schemas.microsoft.com/office/powerpoint/2010/main">
+<p:sld xmlns:a="http://schemas.openxmlformats.org/drawingml/2006/main" xmlns:r="http://schemas.openxmlformats.org/officeDocument/2006/relationships" xmlns:p="http://schemas.openxmlformats.org/presentationml/2006/main">
   <p:cSld>
     <p:spTree>
       <p:nvGrpSpPr>
-        <p:cNvPr id="166" name="Shape 166"/>
+        <p:cNvPr id="1" name="Shape 166"/>
         <p:cNvGrpSpPr/>
         <p:nvPr/>
       </p:nvGrpSpPr>
@@ -10719,7 +11133,9 @@
       <p:sp>
         <p:nvSpPr>
           <p:cNvPr id="167" name="Shape 167"/>
-          <p:cNvSpPr txBox="1"/>
+          <p:cNvSpPr txBox="1">
+            <a:spLocks noGrp="1"/>
+          </p:cNvSpPr>
           <p:nvPr>
             <p:ph type="title"/>
           </p:nvPr>
@@ -10734,7 +11150,7 @@
           </a:prstGeom>
         </p:spPr>
         <p:txBody>
-          <a:bodyPr anchorCtr="0" anchor="t" bIns="91425" lIns="91425" rIns="91425" tIns="91425">
+          <a:bodyPr lIns="91425" tIns="91425" rIns="91425" bIns="91425" anchor="t" anchorCtr="0">
             <a:noAutofit/>
           </a:bodyPr>
           <a:lstStyle/>
@@ -10755,9 +11171,11 @@
       <p:sp>
         <p:nvSpPr>
           <p:cNvPr id="168" name="Shape 168"/>
-          <p:cNvSpPr txBox="1"/>
+          <p:cNvSpPr txBox="1">
+            <a:spLocks noGrp="1"/>
+          </p:cNvSpPr>
           <p:nvPr>
-            <p:ph idx="1" type="body"/>
+            <p:ph type="body" idx="1"/>
           </p:nvPr>
         </p:nvSpPr>
         <p:spPr>
@@ -10770,7 +11188,7 @@
           </a:prstGeom>
         </p:spPr>
         <p:txBody>
-          <a:bodyPr anchorCtr="0" anchor="t" bIns="91425" lIns="91425" rIns="91425" tIns="91425">
+          <a:bodyPr lIns="91425" tIns="91425" rIns="91425" bIns="91425" anchor="t" anchorCtr="0">
             <a:noAutofit/>
           </a:bodyPr>
           <a:lstStyle/>
@@ -11243,9 +11661,6 @@
               </a:spcAft>
               <a:buNone/>
             </a:pPr>
-            <a:r>
-              <a:t/>
-            </a:r>
             <a:endParaRPr sz="1200">
               <a:solidFill>
                 <a:srgbClr val="000000"/>
@@ -11693,11 +12108,11 @@
 </file>
 
 <file path=ppt/slides/slide19.xml><?xml version="1.0" encoding="utf-8"?>
-<p:sld xmlns:a="http://schemas.openxmlformats.org/drawingml/2006/main" xmlns:r="http://schemas.openxmlformats.org/officeDocument/2006/relationships" xmlns:mc="http://schemas.openxmlformats.org/markup-compatibility/2006" xmlns:mv="urn:schemas-microsoft-com:mac:vml" xmlns:p="http://schemas.openxmlformats.org/presentationml/2006/main" xmlns:c="http://schemas.openxmlformats.org/drawingml/2006/chart" xmlns:dgm="http://schemas.openxmlformats.org/drawingml/2006/diagram" xmlns:o="urn:schemas-microsoft-com:office:office" xmlns:v="urn:schemas-microsoft-com:vml" xmlns:pvml="urn:schemas-microsoft-com:office:powerpoint" xmlns:com="http://schemas.openxmlformats.org/drawingml/2006/compatibility" xmlns:p14="http://schemas.microsoft.com/office/powerpoint/2010/main">
+<p:sld xmlns:a="http://schemas.openxmlformats.org/drawingml/2006/main" xmlns:r="http://schemas.openxmlformats.org/officeDocument/2006/relationships" xmlns:p="http://schemas.openxmlformats.org/presentationml/2006/main">
   <p:cSld>
     <p:spTree>
       <p:nvGrpSpPr>
-        <p:cNvPr id="172" name="Shape 172"/>
+        <p:cNvPr id="1" name="Shape 172"/>
         <p:cNvGrpSpPr/>
         <p:nvPr/>
       </p:nvGrpSpPr>
@@ -11712,7 +12127,9 @@
       <p:sp>
         <p:nvSpPr>
           <p:cNvPr id="173" name="Shape 173"/>
-          <p:cNvSpPr txBox="1"/>
+          <p:cNvSpPr txBox="1">
+            <a:spLocks noGrp="1"/>
+          </p:cNvSpPr>
           <p:nvPr>
             <p:ph type="title"/>
           </p:nvPr>
@@ -11727,7 +12144,7 @@
           </a:prstGeom>
         </p:spPr>
         <p:txBody>
-          <a:bodyPr anchorCtr="0" anchor="t" bIns="91425" lIns="91425" rIns="91425" tIns="91425">
+          <a:bodyPr lIns="91425" tIns="91425" rIns="91425" bIns="91425" anchor="t" anchorCtr="0">
             <a:noAutofit/>
           </a:bodyPr>
           <a:lstStyle/>
@@ -11748,9 +12165,11 @@
       <p:sp>
         <p:nvSpPr>
           <p:cNvPr id="174" name="Shape 174"/>
-          <p:cNvSpPr txBox="1"/>
+          <p:cNvSpPr txBox="1">
+            <a:spLocks noGrp="1"/>
+          </p:cNvSpPr>
           <p:nvPr>
-            <p:ph idx="1" type="body"/>
+            <p:ph type="body" idx="1"/>
           </p:nvPr>
         </p:nvSpPr>
         <p:spPr>
@@ -11763,7 +12182,7 @@
           </a:prstGeom>
         </p:spPr>
         <p:txBody>
-          <a:bodyPr anchorCtr="0" anchor="t" bIns="91425" lIns="91425" rIns="91425" tIns="91425">
+          <a:bodyPr lIns="91425" tIns="91425" rIns="91425" bIns="91425" anchor="t" anchorCtr="0">
             <a:noAutofit/>
           </a:bodyPr>
           <a:lstStyle/>
@@ -13508,11 +13927,11 @@
 </file>
 
 <file path=ppt/slides/slide2.xml><?xml version="1.0" encoding="utf-8"?>
-<p:sld xmlns:a="http://schemas.openxmlformats.org/drawingml/2006/main" xmlns:r="http://schemas.openxmlformats.org/officeDocument/2006/relationships" xmlns:mc="http://schemas.openxmlformats.org/markup-compatibility/2006" xmlns:mv="urn:schemas-microsoft-com:mac:vml" xmlns:p="http://schemas.openxmlformats.org/presentationml/2006/main" xmlns:c="http://schemas.openxmlformats.org/drawingml/2006/chart" xmlns:dgm="http://schemas.openxmlformats.org/drawingml/2006/diagram" xmlns:o="urn:schemas-microsoft-com:office:office" xmlns:v="urn:schemas-microsoft-com:vml" xmlns:pvml="urn:schemas-microsoft-com:office:powerpoint" xmlns:com="http://schemas.openxmlformats.org/drawingml/2006/compatibility" xmlns:p14="http://schemas.microsoft.com/office/powerpoint/2010/main">
+<p:sld xmlns:a="http://schemas.openxmlformats.org/drawingml/2006/main" xmlns:r="http://schemas.openxmlformats.org/officeDocument/2006/relationships" xmlns:p="http://schemas.openxmlformats.org/presentationml/2006/main">
   <p:cSld>
     <p:spTree>
       <p:nvGrpSpPr>
-        <p:cNvPr id="71" name="Shape 71"/>
+        <p:cNvPr id="1" name="Shape 71"/>
         <p:cNvGrpSpPr/>
         <p:nvPr/>
       </p:nvGrpSpPr>
@@ -13527,7 +13946,9 @@
       <p:sp>
         <p:nvSpPr>
           <p:cNvPr id="72" name="Shape 72"/>
-          <p:cNvSpPr txBox="1"/>
+          <p:cNvSpPr txBox="1">
+            <a:spLocks noGrp="1"/>
+          </p:cNvSpPr>
           <p:nvPr>
             <p:ph type="title"/>
           </p:nvPr>
@@ -13542,7 +13963,7 @@
           </a:prstGeom>
         </p:spPr>
         <p:txBody>
-          <a:bodyPr anchorCtr="0" anchor="t" bIns="91425" lIns="91425" rIns="91425" tIns="91425">
+          <a:bodyPr lIns="91425" tIns="91425" rIns="91425" bIns="91425" anchor="t" anchorCtr="0">
             <a:noAutofit/>
           </a:bodyPr>
           <a:lstStyle/>
@@ -13563,9 +13984,11 @@
       <p:sp>
         <p:nvSpPr>
           <p:cNvPr id="73" name="Shape 73"/>
-          <p:cNvSpPr txBox="1"/>
+          <p:cNvSpPr txBox="1">
+            <a:spLocks noGrp="1"/>
+          </p:cNvSpPr>
           <p:nvPr>
-            <p:ph idx="1" type="body"/>
+            <p:ph type="body" idx="1"/>
           </p:nvPr>
         </p:nvSpPr>
         <p:spPr>
@@ -13578,12 +14001,12 @@
           </a:prstGeom>
         </p:spPr>
         <p:txBody>
-          <a:bodyPr anchorCtr="0" anchor="t" bIns="91425" lIns="91425" rIns="91425" tIns="91425">
+          <a:bodyPr lIns="91425" tIns="91425" rIns="91425" bIns="91425" anchor="t" anchorCtr="0">
             <a:noAutofit/>
           </a:bodyPr>
           <a:lstStyle/>
           <a:p>
-            <a:pPr indent="-228600" lvl="0" marL="457200" rtl="0">
+            <a:pPr marL="457200" lvl="0" indent="-228600" rtl="0">
               <a:lnSpc>
                 <a:spcPct val="200000"/>
               </a:lnSpc>
@@ -13598,7 +14021,7 @@
               </a:buClr>
             </a:pPr>
             <a:r>
-              <a:rPr lang="en">
+              <a:rPr lang="en" dirty="0">
                 <a:solidFill>
                   <a:srgbClr val="666666"/>
                 </a:solidFill>
@@ -13607,7 +14030,7 @@
             </a:r>
           </a:p>
           <a:p>
-            <a:pPr indent="-228600" lvl="0" marL="457200" rtl="0">
+            <a:pPr marL="457200" lvl="0" indent="-228600" rtl="0">
               <a:lnSpc>
                 <a:spcPct val="200000"/>
               </a:lnSpc>
@@ -13622,7 +14045,7 @@
               </a:buClr>
             </a:pPr>
             <a:r>
-              <a:rPr lang="en">
+              <a:rPr lang="en" dirty="0">
                 <a:solidFill>
                   <a:srgbClr val="666666"/>
                 </a:solidFill>
@@ -13631,7 +14054,7 @@
             </a:r>
           </a:p>
           <a:p>
-            <a:pPr indent="-228600" lvl="0" marL="457200" rtl="0">
+            <a:pPr marL="457200" lvl="0" indent="-228600" rtl="0">
               <a:lnSpc>
                 <a:spcPct val="200000"/>
               </a:lnSpc>
@@ -13646,7 +14069,7 @@
               </a:buClr>
             </a:pPr>
             <a:r>
-              <a:rPr lang="en">
+              <a:rPr lang="en" dirty="0">
                 <a:solidFill>
                   <a:srgbClr val="666666"/>
                 </a:solidFill>
@@ -13655,7 +14078,7 @@
             </a:r>
           </a:p>
           <a:p>
-            <a:pPr indent="-228600" lvl="0" marL="457200" rtl="0">
+            <a:pPr marL="457200" lvl="0" indent="-228600" rtl="0">
               <a:lnSpc>
                 <a:spcPct val="200000"/>
               </a:lnSpc>
@@ -13670,7 +14093,7 @@
               </a:buClr>
             </a:pPr>
             <a:r>
-              <a:rPr lang="en">
+              <a:rPr lang="en" dirty="0">
                 <a:solidFill>
                   <a:srgbClr val="666666"/>
                 </a:solidFill>
@@ -13678,7 +14101,7 @@
               <a:t>Best known for being able to create the </a:t>
             </a:r>
             <a:r>
-              <a:rPr i="1" lang="en">
+              <a:rPr lang="en" i="1" dirty="0">
                 <a:solidFill>
                   <a:srgbClr val="666666"/>
                 </a:solidFill>
@@ -13686,7 +14109,7 @@
               <a:t>behavior</a:t>
             </a:r>
             <a:r>
-              <a:rPr lang="en">
+              <a:rPr lang="en" dirty="0">
                 <a:solidFill>
                   <a:srgbClr val="666666"/>
                 </a:solidFill>
@@ -13716,7 +14139,7 @@
           </a:ln>
         </p:spPr>
         <p:txBody>
-          <a:bodyPr anchorCtr="0" anchor="t" bIns="91425" lIns="91425" rIns="91425" tIns="91425">
+          <a:bodyPr lIns="91425" tIns="91425" rIns="91425" bIns="91425" anchor="t" anchorCtr="0">
             <a:noAutofit/>
           </a:bodyPr>
           <a:lstStyle/>
@@ -13751,11 +14174,11 @@
 </file>
 
 <file path=ppt/slides/slide20.xml><?xml version="1.0" encoding="utf-8"?>
-<p:sld xmlns:a="http://schemas.openxmlformats.org/drawingml/2006/main" xmlns:r="http://schemas.openxmlformats.org/officeDocument/2006/relationships" xmlns:mc="http://schemas.openxmlformats.org/markup-compatibility/2006" xmlns:mv="urn:schemas-microsoft-com:mac:vml" xmlns:p="http://schemas.openxmlformats.org/presentationml/2006/main" xmlns:c="http://schemas.openxmlformats.org/drawingml/2006/chart" xmlns:dgm="http://schemas.openxmlformats.org/drawingml/2006/diagram" xmlns:o="urn:schemas-microsoft-com:office:office" xmlns:v="urn:schemas-microsoft-com:vml" xmlns:pvml="urn:schemas-microsoft-com:office:powerpoint" xmlns:com="http://schemas.openxmlformats.org/drawingml/2006/compatibility" xmlns:p14="http://schemas.microsoft.com/office/powerpoint/2010/main">
+<p:sld xmlns:a="http://schemas.openxmlformats.org/drawingml/2006/main" xmlns:r="http://schemas.openxmlformats.org/officeDocument/2006/relationships" xmlns:p="http://schemas.openxmlformats.org/presentationml/2006/main">
   <p:cSld>
     <p:spTree>
       <p:nvGrpSpPr>
-        <p:cNvPr id="178" name="Shape 178"/>
+        <p:cNvPr id="1" name="Shape 178"/>
         <p:cNvGrpSpPr/>
         <p:nvPr/>
       </p:nvGrpSpPr>
@@ -13770,7 +14193,9 @@
       <p:sp>
         <p:nvSpPr>
           <p:cNvPr id="179" name="Shape 179"/>
-          <p:cNvSpPr txBox="1"/>
+          <p:cNvSpPr txBox="1">
+            <a:spLocks noGrp="1"/>
+          </p:cNvSpPr>
           <p:nvPr>
             <p:ph type="title"/>
           </p:nvPr>
@@ -13785,7 +14210,7 @@
           </a:prstGeom>
         </p:spPr>
         <p:txBody>
-          <a:bodyPr anchorCtr="0" anchor="t" bIns="91425" lIns="91425" rIns="91425" tIns="91425">
+          <a:bodyPr lIns="91425" tIns="91425" rIns="91425" bIns="91425" anchor="t" anchorCtr="0">
             <a:noAutofit/>
           </a:bodyPr>
           <a:lstStyle/>
@@ -13806,9 +14231,11 @@
       <p:sp>
         <p:nvSpPr>
           <p:cNvPr id="180" name="Shape 180"/>
-          <p:cNvSpPr txBox="1"/>
+          <p:cNvSpPr txBox="1">
+            <a:spLocks noGrp="1"/>
+          </p:cNvSpPr>
           <p:nvPr>
-            <p:ph idx="1" type="body"/>
+            <p:ph type="body" idx="1"/>
           </p:nvPr>
         </p:nvSpPr>
         <p:spPr>
@@ -13821,12 +14248,12 @@
           </a:prstGeom>
         </p:spPr>
         <p:txBody>
-          <a:bodyPr anchorCtr="0" anchor="t" bIns="91425" lIns="91425" rIns="91425" tIns="91425">
+          <a:bodyPr lIns="91425" tIns="91425" rIns="91425" bIns="91425" anchor="t" anchorCtr="0">
             <a:noAutofit/>
           </a:bodyPr>
           <a:lstStyle/>
           <a:p>
-            <a:pPr indent="-228600" lvl="0" marL="457200" rtl="0">
+            <a:pPr marL="457200" lvl="0" indent="-228600" rtl="0">
               <a:lnSpc>
                 <a:spcPct val="115000"/>
               </a:lnSpc>
@@ -14041,11 +14468,11 @@
 </file>
 
 <file path=ppt/slides/slide21.xml><?xml version="1.0" encoding="utf-8"?>
-<p:sld xmlns:a="http://schemas.openxmlformats.org/drawingml/2006/main" xmlns:r="http://schemas.openxmlformats.org/officeDocument/2006/relationships" xmlns:mc="http://schemas.openxmlformats.org/markup-compatibility/2006" xmlns:mv="urn:schemas-microsoft-com:mac:vml" xmlns:p="http://schemas.openxmlformats.org/presentationml/2006/main" xmlns:c="http://schemas.openxmlformats.org/drawingml/2006/chart" xmlns:dgm="http://schemas.openxmlformats.org/drawingml/2006/diagram" xmlns:o="urn:schemas-microsoft-com:office:office" xmlns:v="urn:schemas-microsoft-com:vml" xmlns:pvml="urn:schemas-microsoft-com:office:powerpoint" xmlns:com="http://schemas.openxmlformats.org/drawingml/2006/compatibility" xmlns:p14="http://schemas.microsoft.com/office/powerpoint/2010/main">
+<p:sld xmlns:a="http://schemas.openxmlformats.org/drawingml/2006/main" xmlns:r="http://schemas.openxmlformats.org/officeDocument/2006/relationships" xmlns:p="http://schemas.openxmlformats.org/presentationml/2006/main">
   <p:cSld>
     <p:spTree>
       <p:nvGrpSpPr>
-        <p:cNvPr id="184" name="Shape 184"/>
+        <p:cNvPr id="1" name="Shape 184"/>
         <p:cNvGrpSpPr/>
         <p:nvPr/>
       </p:nvGrpSpPr>
@@ -14060,7 +14487,9 @@
       <p:sp>
         <p:nvSpPr>
           <p:cNvPr id="185" name="Shape 185"/>
-          <p:cNvSpPr txBox="1"/>
+          <p:cNvSpPr txBox="1">
+            <a:spLocks noGrp="1"/>
+          </p:cNvSpPr>
           <p:nvPr>
             <p:ph type="title"/>
           </p:nvPr>
@@ -14075,7 +14504,7 @@
           </a:prstGeom>
         </p:spPr>
         <p:txBody>
-          <a:bodyPr anchorCtr="0" anchor="t" bIns="91425" lIns="91425" rIns="91425" tIns="91425">
+          <a:bodyPr lIns="91425" tIns="91425" rIns="91425" bIns="91425" anchor="t" anchorCtr="0">
             <a:noAutofit/>
           </a:bodyPr>
           <a:lstStyle/>
@@ -14096,9 +14525,11 @@
       <p:sp>
         <p:nvSpPr>
           <p:cNvPr id="186" name="Shape 186"/>
-          <p:cNvSpPr txBox="1"/>
+          <p:cNvSpPr txBox="1">
+            <a:spLocks noGrp="1"/>
+          </p:cNvSpPr>
           <p:nvPr>
-            <p:ph idx="1" type="body"/>
+            <p:ph type="body" idx="1"/>
           </p:nvPr>
         </p:nvSpPr>
         <p:spPr>
@@ -14111,12 +14542,12 @@
           </a:prstGeom>
         </p:spPr>
         <p:txBody>
-          <a:bodyPr anchorCtr="0" anchor="t" bIns="91425" lIns="91425" rIns="91425" tIns="91425">
+          <a:bodyPr lIns="91425" tIns="91425" rIns="91425" bIns="91425" anchor="t" anchorCtr="0">
             <a:noAutofit/>
           </a:bodyPr>
           <a:lstStyle/>
           <a:p>
-            <a:pPr indent="-228600" lvl="0" marL="457200">
+            <a:pPr marL="457200" lvl="0" indent="-228600">
               <a:spcBef>
                 <a:spcPts val="0"/>
               </a:spcBef>
@@ -14137,11 +14568,11 @@
 </file>
 
 <file path=ppt/slides/slide22.xml><?xml version="1.0" encoding="utf-8"?>
-<p:sld xmlns:a="http://schemas.openxmlformats.org/drawingml/2006/main" xmlns:r="http://schemas.openxmlformats.org/officeDocument/2006/relationships" xmlns:mc="http://schemas.openxmlformats.org/markup-compatibility/2006" xmlns:mv="urn:schemas-microsoft-com:mac:vml" xmlns:p="http://schemas.openxmlformats.org/presentationml/2006/main" xmlns:c="http://schemas.openxmlformats.org/drawingml/2006/chart" xmlns:dgm="http://schemas.openxmlformats.org/drawingml/2006/diagram" xmlns:o="urn:schemas-microsoft-com:office:office" xmlns:v="urn:schemas-microsoft-com:vml" xmlns:pvml="urn:schemas-microsoft-com:office:powerpoint" xmlns:com="http://schemas.openxmlformats.org/drawingml/2006/compatibility" xmlns:p14="http://schemas.microsoft.com/office/powerpoint/2010/main">
+<p:sld xmlns:a="http://schemas.openxmlformats.org/drawingml/2006/main" xmlns:r="http://schemas.openxmlformats.org/officeDocument/2006/relationships" xmlns:p="http://schemas.openxmlformats.org/presentationml/2006/main">
   <p:cSld>
     <p:spTree>
       <p:nvGrpSpPr>
-        <p:cNvPr id="190" name="Shape 190"/>
+        <p:cNvPr id="1" name="Shape 190"/>
         <p:cNvGrpSpPr/>
         <p:nvPr/>
       </p:nvGrpSpPr>
@@ -14156,7 +14587,9 @@
       <p:sp>
         <p:nvSpPr>
           <p:cNvPr id="191" name="Shape 191"/>
-          <p:cNvSpPr txBox="1"/>
+          <p:cNvSpPr txBox="1">
+            <a:spLocks noGrp="1"/>
+          </p:cNvSpPr>
           <p:nvPr>
             <p:ph type="title"/>
           </p:nvPr>
@@ -14171,7 +14604,7 @@
           </a:prstGeom>
         </p:spPr>
         <p:txBody>
-          <a:bodyPr anchorCtr="0" anchor="ctr" bIns="91425" lIns="91425" rIns="91425" tIns="91425">
+          <a:bodyPr lIns="91425" tIns="91425" rIns="91425" bIns="91425" anchor="ctr" anchorCtr="0">
             <a:noAutofit/>
           </a:bodyPr>
           <a:lstStyle/>
@@ -14198,11 +14631,11 @@
 </file>
 
 <file path=ppt/slides/slide3.xml><?xml version="1.0" encoding="utf-8"?>
-<p:sld xmlns:a="http://schemas.openxmlformats.org/drawingml/2006/main" xmlns:r="http://schemas.openxmlformats.org/officeDocument/2006/relationships" xmlns:mc="http://schemas.openxmlformats.org/markup-compatibility/2006" xmlns:mv="urn:schemas-microsoft-com:mac:vml" xmlns:p="http://schemas.openxmlformats.org/presentationml/2006/main" xmlns:c="http://schemas.openxmlformats.org/drawingml/2006/chart" xmlns:dgm="http://schemas.openxmlformats.org/drawingml/2006/diagram" xmlns:o="urn:schemas-microsoft-com:office:office" xmlns:v="urn:schemas-microsoft-com:vml" xmlns:pvml="urn:schemas-microsoft-com:office:powerpoint" xmlns:com="http://schemas.openxmlformats.org/drawingml/2006/compatibility" xmlns:p14="http://schemas.microsoft.com/office/powerpoint/2010/main">
+<p:sld xmlns:a="http://schemas.openxmlformats.org/drawingml/2006/main" xmlns:r="http://schemas.openxmlformats.org/officeDocument/2006/relationships" xmlns:p="http://schemas.openxmlformats.org/presentationml/2006/main">
   <p:cSld>
     <p:spTree>
       <p:nvGrpSpPr>
-        <p:cNvPr id="78" name="Shape 78"/>
+        <p:cNvPr id="1" name="Shape 78"/>
         <p:cNvGrpSpPr/>
         <p:nvPr/>
       </p:nvGrpSpPr>
@@ -14217,7 +14650,9 @@
       <p:sp>
         <p:nvSpPr>
           <p:cNvPr id="79" name="Shape 79"/>
-          <p:cNvSpPr txBox="1"/>
+          <p:cNvSpPr txBox="1">
+            <a:spLocks noGrp="1"/>
+          </p:cNvSpPr>
           <p:nvPr>
             <p:ph type="title"/>
           </p:nvPr>
@@ -14232,7 +14667,7 @@
           </a:prstGeom>
         </p:spPr>
         <p:txBody>
-          <a:bodyPr anchorCtr="0" anchor="t" bIns="91425" lIns="91425" rIns="91425" tIns="91425">
+          <a:bodyPr lIns="91425" tIns="91425" rIns="91425" bIns="91425" anchor="t" anchorCtr="0">
             <a:noAutofit/>
           </a:bodyPr>
           <a:lstStyle/>
@@ -14253,9 +14688,11 @@
       <p:sp>
         <p:nvSpPr>
           <p:cNvPr id="80" name="Shape 80"/>
-          <p:cNvSpPr txBox="1"/>
+          <p:cNvSpPr txBox="1">
+            <a:spLocks noGrp="1"/>
+          </p:cNvSpPr>
           <p:nvPr>
-            <p:ph idx="1" type="body"/>
+            <p:ph type="body" idx="1"/>
           </p:nvPr>
         </p:nvSpPr>
         <p:spPr>
@@ -14268,12 +14705,12 @@
           </a:prstGeom>
         </p:spPr>
         <p:txBody>
-          <a:bodyPr anchorCtr="0" anchor="t" bIns="91425" lIns="91425" rIns="91425" tIns="91425">
+          <a:bodyPr lIns="91425" tIns="91425" rIns="91425" bIns="91425" anchor="t" anchorCtr="0">
             <a:noAutofit/>
           </a:bodyPr>
           <a:lstStyle/>
           <a:p>
-            <a:pPr indent="-228600" lvl="0" marL="457200" rtl="0">
+            <a:pPr marL="457200" lvl="0" indent="-228600" rtl="0">
               <a:lnSpc>
                 <a:spcPct val="150000"/>
               </a:lnSpc>
@@ -14287,7 +14724,7 @@
             </a:r>
           </a:p>
           <a:p>
-            <a:pPr indent="-228600" lvl="0" marL="457200" rtl="0">
+            <a:pPr marL="457200" lvl="0" indent="-228600" rtl="0">
               <a:lnSpc>
                 <a:spcPct val="150000"/>
               </a:lnSpc>
@@ -14301,7 +14738,7 @@
             </a:r>
           </a:p>
           <a:p>
-            <a:pPr indent="-228600" lvl="0" marL="457200" rtl="0">
+            <a:pPr marL="457200" lvl="0" indent="-228600" rtl="0">
               <a:lnSpc>
                 <a:spcPct val="150000"/>
               </a:lnSpc>
@@ -14325,11 +14762,11 @@
 </file>
 
 <file path=ppt/slides/slide4.xml><?xml version="1.0" encoding="utf-8"?>
-<p:sld xmlns:a="http://schemas.openxmlformats.org/drawingml/2006/main" xmlns:r="http://schemas.openxmlformats.org/officeDocument/2006/relationships" xmlns:mc="http://schemas.openxmlformats.org/markup-compatibility/2006" xmlns:mv="urn:schemas-microsoft-com:mac:vml" xmlns:p="http://schemas.openxmlformats.org/presentationml/2006/main" xmlns:c="http://schemas.openxmlformats.org/drawingml/2006/chart" xmlns:dgm="http://schemas.openxmlformats.org/drawingml/2006/diagram" xmlns:o="urn:schemas-microsoft-com:office:office" xmlns:v="urn:schemas-microsoft-com:vml" xmlns:pvml="urn:schemas-microsoft-com:office:powerpoint" xmlns:com="http://schemas.openxmlformats.org/drawingml/2006/compatibility" xmlns:p14="http://schemas.microsoft.com/office/powerpoint/2010/main">
+<p:sld xmlns:a="http://schemas.openxmlformats.org/drawingml/2006/main" xmlns:r="http://schemas.openxmlformats.org/officeDocument/2006/relationships" xmlns:p="http://schemas.openxmlformats.org/presentationml/2006/main">
   <p:cSld>
     <p:spTree>
       <p:nvGrpSpPr>
-        <p:cNvPr id="84" name="Shape 84"/>
+        <p:cNvPr id="1" name="Shape 84"/>
         <p:cNvGrpSpPr/>
         <p:nvPr/>
       </p:nvGrpSpPr>
@@ -14344,7 +14781,9 @@
       <p:sp>
         <p:nvSpPr>
           <p:cNvPr id="85" name="Shape 85"/>
-          <p:cNvSpPr txBox="1"/>
+          <p:cNvSpPr txBox="1">
+            <a:spLocks noGrp="1"/>
+          </p:cNvSpPr>
           <p:nvPr>
             <p:ph type="title"/>
           </p:nvPr>
@@ -14359,7 +14798,7 @@
           </a:prstGeom>
         </p:spPr>
         <p:txBody>
-          <a:bodyPr anchorCtr="0" anchor="t" bIns="91425" lIns="91425" rIns="91425" tIns="91425">
+          <a:bodyPr lIns="91425" tIns="91425" rIns="91425" bIns="91425" anchor="t" anchorCtr="0">
             <a:noAutofit/>
           </a:bodyPr>
           <a:lstStyle/>
@@ -14380,14 +14819,16 @@
       <p:sp>
         <p:nvSpPr>
           <p:cNvPr id="86" name="Shape 86"/>
-          <p:cNvSpPr txBox="1"/>
+          <p:cNvSpPr txBox="1">
+            <a:spLocks noGrp="1"/>
+          </p:cNvSpPr>
           <p:nvPr>
-            <p:ph idx="1" type="body"/>
+            <p:ph type="body" idx="1"/>
           </p:nvPr>
         </p:nvSpPr>
         <p:spPr>
           <a:xfrm>
-            <a:off x="311700" y="1266325"/>
+            <a:off x="311700" y="1152425"/>
             <a:ext cx="8520600" cy="3302700"/>
           </a:xfrm>
           <a:prstGeom prst="rect">
@@ -14395,113 +14836,120 @@
           </a:prstGeom>
         </p:spPr>
         <p:txBody>
-          <a:bodyPr anchorCtr="0" anchor="t" bIns="91425" lIns="91425" rIns="91425" tIns="91425">
+          <a:bodyPr lIns="91425" tIns="91425" rIns="91425" bIns="91425" anchor="t" anchorCtr="0">
             <a:noAutofit/>
           </a:bodyPr>
           <a:lstStyle/>
           <a:p>
-            <a:pPr indent="-228600" lvl="0" marL="457200" rtl="0">
+            <a:pPr marL="457200" lvl="0" indent="-228600" rtl="0">
               <a:lnSpc>
                 <a:spcPct val="200000"/>
               </a:lnSpc>
               <a:spcBef>
                 <a:spcPts val="0"/>
               </a:spcBef>
-            </a:pPr>
-            <a:r>
-              <a:rPr lang="en"/>
+              <a:spcAft>
+                <a:spcPts val="1000"/>
+              </a:spcAft>
+            </a:pPr>
+            <a:r>
+              <a:rPr lang="en" dirty="0"/>
               <a:t>Numbers - 10.50 or 3 or scientific notation</a:t>
             </a:r>
           </a:p>
           <a:p>
-            <a:pPr indent="-228600" lvl="0" marL="457200" rtl="0">
+            <a:pPr marL="457200" lvl="0" indent="-228600" rtl="0">
               <a:lnSpc>
                 <a:spcPct val="115000"/>
               </a:lnSpc>
               <a:spcBef>
                 <a:spcPts val="0"/>
               </a:spcBef>
-            </a:pPr>
-            <a:r>
-              <a:rPr lang="en"/>
+              <a:spcAft>
+                <a:spcPts val="1000"/>
+              </a:spcAft>
+            </a:pPr>
+            <a:r>
+              <a:rPr lang="en" dirty="0"/>
               <a:t>Strings - “Nicole Ng” or ‘Nicole Ng’ </a:t>
             </a:r>
           </a:p>
           <a:p>
-            <a:pPr indent="-228600" lvl="1" marL="914400" rtl="0">
+            <a:pPr marL="914400" lvl="1" indent="-228600" rtl="0">
               <a:lnSpc>
                 <a:spcPct val="200000"/>
               </a:lnSpc>
               <a:spcBef>
                 <a:spcPts val="0"/>
               </a:spcBef>
-            </a:pPr>
-            <a:r>
-              <a:rPr lang="en"/>
+              <a:spcAft>
+                <a:spcPts val="1000"/>
+              </a:spcAft>
+            </a:pPr>
+            <a:r>
+              <a:rPr lang="en" dirty="0"/>
               <a:t>Do not mix “ and ‘:</a:t>
             </a:r>
             <a:r>
-              <a:rPr lang="en" strike="sngStrike"/>
-              <a:t> </a:t>
-            </a:r>
-            <a:r>
-              <a:rPr lang="en" strike="sngStrike"/>
-              <a:t>“Nicole Ng’</a:t>
-            </a:r>
-          </a:p>
-          <a:p>
-            <a:pPr indent="-228600" lvl="0" marL="457200" rtl="0">
+              <a:rPr lang="en" strike="sngStrike" dirty="0"/>
+              <a:t> “Nicole Ng’</a:t>
+            </a:r>
+          </a:p>
+          <a:p>
+            <a:pPr marL="457200" lvl="0" indent="-228600" rtl="0">
               <a:lnSpc>
                 <a:spcPct val="200000"/>
               </a:lnSpc>
               <a:spcBef>
                 <a:spcPts val="0"/>
               </a:spcBef>
-            </a:pPr>
-            <a:r>
-              <a:rPr lang="en"/>
+              <a:spcAft>
+                <a:spcPts val="1000"/>
+              </a:spcAft>
+            </a:pPr>
+            <a:r>
+              <a:rPr lang="en" dirty="0"/>
               <a:t>Booleans - true or false</a:t>
             </a:r>
           </a:p>
           <a:p>
-            <a:pPr indent="-228600" lvl="0" marL="457200" rtl="0">
+            <a:pPr marL="457200" lvl="0" indent="-228600" rtl="0">
               <a:lnSpc>
                 <a:spcPct val="200000"/>
               </a:lnSpc>
               <a:spcBef>
                 <a:spcPts val="0"/>
               </a:spcBef>
-            </a:pPr>
-            <a:r>
-              <a:rPr lang="en"/>
+              <a:spcAft>
+                <a:spcPts val="1000"/>
+              </a:spcAft>
+            </a:pPr>
+            <a:r>
+              <a:rPr lang="en" dirty="0"/>
               <a:t>Undefined - a variable without a value</a:t>
             </a:r>
           </a:p>
           <a:p>
-            <a:pPr indent="-228600" lvl="0" marL="457200" rtl="0">
+            <a:pPr marL="457200" lvl="0" indent="-228600" rtl="0">
               <a:lnSpc>
                 <a:spcPct val="200000"/>
               </a:lnSpc>
               <a:spcBef>
                 <a:spcPts val="0"/>
               </a:spcBef>
-            </a:pPr>
-            <a:r>
-              <a:rPr lang="en"/>
-              <a:t>Null - it’s an object!</a:t>
-            </a:r>
-          </a:p>
-          <a:p>
-            <a:pPr lvl="0" rtl="0">
-              <a:spcBef>
-                <a:spcPts val="0"/>
-              </a:spcBef>
-              <a:buNone/>
-            </a:pPr>
-            <a:r>
-              <a:t/>
-            </a:r>
-            <a:endParaRPr/>
+              <a:spcAft>
+                <a:spcPts val="1000"/>
+              </a:spcAft>
+            </a:pPr>
+            <a:r>
+              <a:rPr lang="en" dirty="0"/>
+              <a:t>Null - it’s an object</a:t>
+            </a:r>
+            <a:r>
+              <a:rPr lang="en" dirty="0" smtClean="0"/>
+              <a:t>!</a:t>
+            </a:r>
+            <a:endParaRPr lang="en" dirty="0"/>
           </a:p>
         </p:txBody>
       </p:sp>
@@ -14514,11 +14962,11 @@
 </file>
 
 <file path=ppt/slides/slide5.xml><?xml version="1.0" encoding="utf-8"?>
-<p:sld xmlns:a="http://schemas.openxmlformats.org/drawingml/2006/main" xmlns:r="http://schemas.openxmlformats.org/officeDocument/2006/relationships" xmlns:mc="http://schemas.openxmlformats.org/markup-compatibility/2006" xmlns:mv="urn:schemas-microsoft-com:mac:vml" xmlns:p="http://schemas.openxmlformats.org/presentationml/2006/main" xmlns:c="http://schemas.openxmlformats.org/drawingml/2006/chart" xmlns:dgm="http://schemas.openxmlformats.org/drawingml/2006/diagram" xmlns:o="urn:schemas-microsoft-com:office:office" xmlns:v="urn:schemas-microsoft-com:vml" xmlns:pvml="urn:schemas-microsoft-com:office:powerpoint" xmlns:com="http://schemas.openxmlformats.org/drawingml/2006/compatibility" xmlns:p14="http://schemas.microsoft.com/office/powerpoint/2010/main">
+<p:sld xmlns:a="http://schemas.openxmlformats.org/drawingml/2006/main" xmlns:r="http://schemas.openxmlformats.org/officeDocument/2006/relationships" xmlns:p="http://schemas.openxmlformats.org/presentationml/2006/main">
   <p:cSld>
     <p:spTree>
       <p:nvGrpSpPr>
-        <p:cNvPr id="90" name="Shape 90"/>
+        <p:cNvPr id="1" name="Shape 90"/>
         <p:cNvGrpSpPr/>
         <p:nvPr/>
       </p:nvGrpSpPr>
@@ -14533,7 +14981,9 @@
       <p:sp>
         <p:nvSpPr>
           <p:cNvPr id="91" name="Shape 91"/>
-          <p:cNvSpPr txBox="1"/>
+          <p:cNvSpPr txBox="1">
+            <a:spLocks noGrp="1"/>
+          </p:cNvSpPr>
           <p:nvPr>
             <p:ph type="title"/>
           </p:nvPr>
@@ -14548,7 +14998,7 @@
           </a:prstGeom>
         </p:spPr>
         <p:txBody>
-          <a:bodyPr anchorCtr="0" anchor="b" bIns="91425" lIns="91425" rIns="91425" tIns="91425">
+          <a:bodyPr lIns="91425" tIns="91425" rIns="91425" bIns="91425" anchor="b" anchorCtr="0">
             <a:noAutofit/>
           </a:bodyPr>
           <a:lstStyle/>
@@ -14569,9 +15019,11 @@
       <p:sp>
         <p:nvSpPr>
           <p:cNvPr id="92" name="Shape 92"/>
-          <p:cNvSpPr txBox="1"/>
+          <p:cNvSpPr txBox="1">
+            <a:spLocks noGrp="1"/>
+          </p:cNvSpPr>
           <p:nvPr>
-            <p:ph idx="1" type="subTitle"/>
+            <p:ph type="subTitle" idx="1"/>
           </p:nvPr>
         </p:nvSpPr>
         <p:spPr>
@@ -14584,7 +15036,7 @@
           </a:prstGeom>
         </p:spPr>
         <p:txBody>
-          <a:bodyPr anchorCtr="0" anchor="t" bIns="91425" lIns="91425" rIns="91425" tIns="91425">
+          <a:bodyPr lIns="91425" tIns="91425" rIns="91425" bIns="91425" anchor="t" anchorCtr="0">
             <a:noAutofit/>
           </a:bodyPr>
           <a:lstStyle/>
@@ -14612,7 +15064,7 @@
               <a:t>The </a:t>
             </a:r>
             <a:r>
-              <a:rPr i="1" lang="en"/>
+              <a:rPr lang="en" i="1"/>
               <a:t>values </a:t>
             </a:r>
             <a:r>
@@ -14625,9 +15077,11 @@
       <p:sp>
         <p:nvSpPr>
           <p:cNvPr id="93" name="Shape 93"/>
-          <p:cNvSpPr txBox="1"/>
+          <p:cNvSpPr txBox="1">
+            <a:spLocks noGrp="1"/>
+          </p:cNvSpPr>
           <p:nvPr>
-            <p:ph idx="2" type="body"/>
+            <p:ph type="body" idx="2"/>
           </p:nvPr>
         </p:nvSpPr>
         <p:spPr>
@@ -14640,7 +15094,7 @@
           </a:prstGeom>
         </p:spPr>
         <p:txBody>
-          <a:bodyPr anchorCtr="0" anchor="ctr" bIns="91425" lIns="91425" rIns="91425" tIns="91425">
+          <a:bodyPr lIns="91425" tIns="91425" rIns="91425" bIns="91425" anchor="ctr" anchorCtr="0">
             <a:noAutofit/>
           </a:bodyPr>
           <a:lstStyle/>
@@ -14658,7 +15112,7 @@
               <a:buNone/>
             </a:pPr>
             <a:r>
-              <a:rPr b="1" lang="en">
+              <a:rPr lang="en" b="1">
                 <a:latin typeface="Source Code Pro"/>
                 <a:ea typeface="Source Code Pro"/>
                 <a:cs typeface="Source Code Pro"/>
@@ -14726,9 +15180,6 @@
               </a:spcAft>
               <a:buNone/>
             </a:pPr>
-            <a:r>
-              <a:t/>
-            </a:r>
             <a:endParaRPr>
               <a:latin typeface="Source Code Pro"/>
               <a:ea typeface="Source Code Pro"/>
@@ -14749,9 +15200,6 @@
               </a:spcAft>
               <a:buNone/>
             </a:pPr>
-            <a:r>
-              <a:t/>
-            </a:r>
             <a:endParaRPr>
               <a:latin typeface="Source Code Pro"/>
               <a:ea typeface="Source Code Pro"/>
@@ -14773,7 +15221,7 @@
               <a:buNone/>
             </a:pPr>
             <a:r>
-              <a:rPr b="1" lang="en">
+              <a:rPr lang="en" b="1">
                 <a:latin typeface="Source Code Pro"/>
                 <a:ea typeface="Source Code Pro"/>
                 <a:cs typeface="Source Code Pro"/>
@@ -14862,11 +15310,11 @@
 </file>
 
 <file path=ppt/slides/slide6.xml><?xml version="1.0" encoding="utf-8"?>
-<p:sld xmlns:a="http://schemas.openxmlformats.org/drawingml/2006/main" xmlns:r="http://schemas.openxmlformats.org/officeDocument/2006/relationships" xmlns:mc="http://schemas.openxmlformats.org/markup-compatibility/2006" xmlns:mv="urn:schemas-microsoft-com:mac:vml" xmlns:p="http://schemas.openxmlformats.org/presentationml/2006/main" xmlns:c="http://schemas.openxmlformats.org/drawingml/2006/chart" xmlns:dgm="http://schemas.openxmlformats.org/drawingml/2006/diagram" xmlns:o="urn:schemas-microsoft-com:office:office" xmlns:v="urn:schemas-microsoft-com:vml" xmlns:pvml="urn:schemas-microsoft-com:office:powerpoint" xmlns:com="http://schemas.openxmlformats.org/drawingml/2006/compatibility" xmlns:p14="http://schemas.microsoft.com/office/powerpoint/2010/main">
+<p:sld xmlns:a="http://schemas.openxmlformats.org/drawingml/2006/main" xmlns:r="http://schemas.openxmlformats.org/officeDocument/2006/relationships" xmlns:p="http://schemas.openxmlformats.org/presentationml/2006/main">
   <p:cSld>
     <p:spTree>
       <p:nvGrpSpPr>
-        <p:cNvPr id="97" name="Shape 97"/>
+        <p:cNvPr id="1" name="Shape 97"/>
         <p:cNvGrpSpPr/>
         <p:nvPr/>
       </p:nvGrpSpPr>
@@ -14881,7 +15329,9 @@
       <p:sp>
         <p:nvSpPr>
           <p:cNvPr id="98" name="Shape 98"/>
-          <p:cNvSpPr txBox="1"/>
+          <p:cNvSpPr txBox="1">
+            <a:spLocks noGrp="1"/>
+          </p:cNvSpPr>
           <p:nvPr>
             <p:ph type="title"/>
           </p:nvPr>
@@ -14896,7 +15346,7 @@
           </a:prstGeom>
         </p:spPr>
         <p:txBody>
-          <a:bodyPr anchorCtr="0" anchor="t" bIns="91425" lIns="91425" rIns="91425" tIns="91425">
+          <a:bodyPr lIns="91425" tIns="91425" rIns="91425" bIns="91425" anchor="t" anchorCtr="0">
             <a:noAutofit/>
           </a:bodyPr>
           <a:lstStyle/>
@@ -14917,9 +15367,11 @@
       <p:sp>
         <p:nvSpPr>
           <p:cNvPr id="99" name="Shape 99"/>
-          <p:cNvSpPr txBox="1"/>
+          <p:cNvSpPr txBox="1">
+            <a:spLocks noGrp="1"/>
+          </p:cNvSpPr>
           <p:nvPr>
-            <p:ph idx="1" type="body"/>
+            <p:ph type="body" idx="1"/>
           </p:nvPr>
         </p:nvSpPr>
         <p:spPr>
@@ -14932,78 +15384,93 @@
           </a:prstGeom>
         </p:spPr>
         <p:txBody>
-          <a:bodyPr anchorCtr="0" anchor="t" bIns="91425" lIns="91425" rIns="91425" tIns="91425">
+          <a:bodyPr lIns="91425" tIns="91425" rIns="91425" bIns="91425" anchor="t" anchorCtr="0">
             <a:noAutofit/>
           </a:bodyPr>
           <a:lstStyle/>
           <a:p>
-            <a:pPr indent="-228600" lvl="0" marL="457200" rtl="0">
+            <a:pPr marL="457200" lvl="0" indent="-228600" rtl="0">
               <a:lnSpc>
                 <a:spcPct val="150000"/>
               </a:lnSpc>
               <a:spcBef>
                 <a:spcPts val="0"/>
               </a:spcBef>
-            </a:pPr>
-            <a:r>
-              <a:rPr lang="en"/>
+              <a:spcAft>
+                <a:spcPts val="1000"/>
+              </a:spcAft>
+            </a:pPr>
+            <a:r>
+              <a:rPr lang="en" dirty="0"/>
               <a:t>Objects </a:t>
             </a:r>
           </a:p>
           <a:p>
-            <a:pPr indent="-228600" lvl="1" marL="914400" rtl="0">
+            <a:pPr marL="914400" lvl="1" indent="-228600" rtl="0">
               <a:lnSpc>
                 <a:spcPct val="115000"/>
               </a:lnSpc>
               <a:spcBef>
                 <a:spcPts val="0"/>
               </a:spcBef>
-            </a:pPr>
-            <a:r>
-              <a:rPr lang="en"/>
+              <a:spcAft>
+                <a:spcPts val="1000"/>
+              </a:spcAft>
+            </a:pPr>
+            <a:r>
+              <a:rPr lang="en" dirty="0"/>
               <a:t>As opposed to simple variables, objects can hold many values.</a:t>
             </a:r>
           </a:p>
           <a:p>
-            <a:pPr indent="-228600" lvl="1" marL="914400" rtl="0">
+            <a:pPr marL="914400" lvl="1" indent="-228600" rtl="0">
               <a:lnSpc>
                 <a:spcPct val="115000"/>
               </a:lnSpc>
               <a:spcBef>
                 <a:spcPts val="0"/>
               </a:spcBef>
-            </a:pPr>
-            <a:r>
-              <a:rPr lang="en"/>
+              <a:spcAft>
+                <a:spcPts val="1000"/>
+              </a:spcAft>
+            </a:pPr>
+            <a:r>
+              <a:rPr lang="en" dirty="0"/>
               <a:t>3 types of objects: Object, Date, Array</a:t>
             </a:r>
           </a:p>
           <a:p>
-            <a:pPr indent="-228600" lvl="1" marL="914400" rtl="0">
+            <a:pPr marL="914400" lvl="1" indent="-228600" rtl="0">
               <a:lnSpc>
                 <a:spcPct val="115000"/>
               </a:lnSpc>
               <a:spcBef>
                 <a:spcPts val="0"/>
               </a:spcBef>
-            </a:pPr>
-            <a:r>
-              <a:rPr lang="en"/>
+              <a:spcAft>
+                <a:spcPts val="1000"/>
+              </a:spcAft>
+            </a:pPr>
+            <a:r>
+              <a:rPr lang="en" dirty="0"/>
               <a:t>Objects are in {}</a:t>
             </a:r>
           </a:p>
           <a:p>
-            <a:pPr indent="-228600" lvl="1" marL="914400" rtl="0">
+            <a:pPr marL="914400" lvl="1" indent="-228600" rtl="0">
               <a:lnSpc>
                 <a:spcPct val="200000"/>
               </a:lnSpc>
               <a:spcBef>
                 <a:spcPts val="0"/>
               </a:spcBef>
+              <a:spcAft>
+                <a:spcPts val="1000"/>
+              </a:spcAft>
               <a:buFont typeface="Source Code Pro"/>
             </a:pPr>
             <a:r>
-              <a:rPr lang="en" sz="1200">
+              <a:rPr lang="en" sz="1200" dirty="0">
                 <a:solidFill>
                   <a:srgbClr val="0000CD"/>
                 </a:solidFill>
@@ -15018,7 +15485,7 @@
               <a:t>var</a:t>
             </a:r>
             <a:r>
-              <a:rPr lang="en" sz="1200">
+              <a:rPr lang="en" sz="1200" dirty="0">
                 <a:solidFill>
                   <a:srgbClr val="000000"/>
                 </a:solidFill>
@@ -15033,7 +15500,7 @@
               <a:t> car = {type:</a:t>
             </a:r>
             <a:r>
-              <a:rPr lang="en" sz="1200">
+              <a:rPr lang="en" sz="1200" dirty="0">
                 <a:solidFill>
                   <a:srgbClr val="A52A2A"/>
                 </a:solidFill>
@@ -15048,7 +15515,7 @@
               <a:t>"Fiat"</a:t>
             </a:r>
             <a:r>
-              <a:rPr lang="en" sz="1200">
+              <a:rPr lang="en" sz="1200" dirty="0">
                 <a:solidFill>
                   <a:srgbClr val="000000"/>
                 </a:solidFill>
@@ -15063,7 +15530,7 @@
               <a:t>, model:</a:t>
             </a:r>
             <a:r>
-              <a:rPr lang="en" sz="1200">
+              <a:rPr lang="en" sz="1200" dirty="0">
                 <a:solidFill>
                   <a:srgbClr val="A52A2A"/>
                 </a:solidFill>
@@ -15078,7 +15545,7 @@
               <a:t>"500"</a:t>
             </a:r>
             <a:r>
-              <a:rPr lang="en" sz="1200">
+              <a:rPr lang="en" sz="1200" dirty="0">
                 <a:solidFill>
                   <a:srgbClr val="000000"/>
                 </a:solidFill>
@@ -15093,7 +15560,7 @@
               <a:t>, color:</a:t>
             </a:r>
             <a:r>
-              <a:rPr lang="en" sz="1200">
+              <a:rPr lang="en" sz="1200" dirty="0">
                 <a:solidFill>
                   <a:srgbClr val="A52A2A"/>
                 </a:solidFill>
@@ -15108,7 +15575,7 @@
               <a:t>"white"</a:t>
             </a:r>
             <a:r>
-              <a:rPr lang="en" sz="1200">
+              <a:rPr lang="en" sz="1200" dirty="0">
                 <a:solidFill>
                   <a:srgbClr val="000000"/>
                 </a:solidFill>
@@ -15124,45 +15591,54 @@
             </a:r>
           </a:p>
           <a:p>
-            <a:pPr indent="-228600" lvl="0" marL="457200" rtl="0">
+            <a:pPr marL="457200" lvl="0" indent="-228600" rtl="0">
               <a:lnSpc>
                 <a:spcPct val="150000"/>
               </a:lnSpc>
               <a:spcBef>
                 <a:spcPts val="0"/>
               </a:spcBef>
-            </a:pPr>
-            <a:r>
-              <a:rPr lang="en"/>
+              <a:spcAft>
+                <a:spcPts val="1000"/>
+              </a:spcAft>
+            </a:pPr>
+            <a:r>
+              <a:rPr lang="en" dirty="0"/>
               <a:t>Function</a:t>
             </a:r>
           </a:p>
           <a:p>
-            <a:pPr indent="-228600" lvl="1" marL="914400" rtl="0">
+            <a:pPr marL="914400" lvl="1" indent="-228600" rtl="0">
               <a:lnSpc>
                 <a:spcPct val="115000"/>
               </a:lnSpc>
               <a:spcBef>
                 <a:spcPts val="0"/>
               </a:spcBef>
-            </a:pPr>
-            <a:r>
-              <a:rPr lang="en"/>
+              <a:spcAft>
+                <a:spcPts val="1000"/>
+              </a:spcAft>
+            </a:pPr>
+            <a:r>
+              <a:rPr lang="en" dirty="0"/>
               <a:t>A block of code to do a particular task</a:t>
             </a:r>
           </a:p>
           <a:p>
-            <a:pPr indent="-228600" lvl="1" marL="914400" rtl="0">
+            <a:pPr marL="914400" lvl="1" indent="-228600" rtl="0">
               <a:lnSpc>
                 <a:spcPct val="115000"/>
               </a:lnSpc>
               <a:spcBef>
                 <a:spcPts val="0"/>
               </a:spcBef>
+              <a:spcAft>
+                <a:spcPts val="1000"/>
+              </a:spcAft>
               <a:buFont typeface="Source Code Pro"/>
             </a:pPr>
             <a:r>
-              <a:rPr lang="en" sz="1200">
+              <a:rPr lang="en" sz="1200" dirty="0">
                 <a:solidFill>
                   <a:srgbClr val="0000CD"/>
                 </a:solidFill>
@@ -15177,7 +15653,7 @@
               <a:t>function</a:t>
             </a:r>
             <a:r>
-              <a:rPr lang="en" sz="1200">
+              <a:rPr lang="en" sz="1200" dirty="0">
                 <a:solidFill>
                   <a:srgbClr val="000000"/>
                 </a:solidFill>
@@ -15192,7 +15668,7 @@
               <a:t> </a:t>
             </a:r>
             <a:r>
-              <a:rPr i="1" lang="en" sz="1200">
+              <a:rPr lang="en" sz="1200" i="1" dirty="0">
                 <a:solidFill>
                   <a:srgbClr val="000000"/>
                 </a:solidFill>
@@ -15207,7 +15683,7 @@
               <a:t>name</a:t>
             </a:r>
             <a:r>
-              <a:rPr lang="en" sz="1200">
+              <a:rPr lang="en" sz="1200" dirty="0">
                 <a:solidFill>
                   <a:srgbClr val="000000"/>
                 </a:solidFill>
@@ -15222,7 +15698,7 @@
               <a:t>(</a:t>
             </a:r>
             <a:r>
-              <a:rPr i="1" lang="en" sz="1200">
+              <a:rPr lang="en" sz="1200" i="1" dirty="0">
                 <a:solidFill>
                   <a:srgbClr val="000000"/>
                 </a:solidFill>
@@ -15237,7 +15713,7 @@
               <a:t>parameter1, parameter2, parameter3</a:t>
             </a:r>
             <a:r>
-              <a:rPr lang="en" sz="1200">
+              <a:rPr lang="en" sz="1200" dirty="0">
                 <a:solidFill>
                   <a:srgbClr val="000000"/>
                 </a:solidFill>
@@ -15252,7 +15728,7 @@
               <a:t>) {</a:t>
             </a:r>
             <a:br>
-              <a:rPr lang="en" sz="1200">
+              <a:rPr lang="en" sz="1200" dirty="0">
                 <a:solidFill>
                   <a:srgbClr val="000000"/>
                 </a:solidFill>
@@ -15266,7 +15742,7 @@
               </a:rPr>
             </a:br>
             <a:r>
-              <a:rPr lang="en" sz="1200">
+              <a:rPr lang="en" sz="1200" dirty="0">
                 <a:solidFill>
                   <a:srgbClr val="000000"/>
                 </a:solidFill>
@@ -15281,7 +15757,7 @@
               <a:t>	</a:t>
             </a:r>
             <a:r>
-              <a:rPr i="1" lang="en" sz="1200">
+              <a:rPr lang="en" sz="1200" i="1" dirty="0">
                 <a:solidFill>
                   <a:srgbClr val="000000"/>
                 </a:solidFill>
@@ -15296,7 +15772,7 @@
               <a:t>code to be executed</a:t>
             </a:r>
             <a:br>
-              <a:rPr i="1" lang="en" sz="1200">
+              <a:rPr lang="en" sz="1200" i="1" dirty="0">
                 <a:solidFill>
                   <a:srgbClr val="000000"/>
                 </a:solidFill>
@@ -15310,7 +15786,7 @@
               </a:rPr>
             </a:br>
             <a:r>
-              <a:rPr lang="en" sz="1200">
+              <a:rPr lang="en" sz="1200" dirty="0">
                 <a:solidFill>
                   <a:srgbClr val="000000"/>
                 </a:solidFill>
@@ -15336,11 +15812,11 @@
 </file>
 
 <file path=ppt/slides/slide7.xml><?xml version="1.0" encoding="utf-8"?>
-<p:sld xmlns:a="http://schemas.openxmlformats.org/drawingml/2006/main" xmlns:r="http://schemas.openxmlformats.org/officeDocument/2006/relationships" xmlns:mc="http://schemas.openxmlformats.org/markup-compatibility/2006" xmlns:mv="urn:schemas-microsoft-com:mac:vml" xmlns:p="http://schemas.openxmlformats.org/presentationml/2006/main" xmlns:c="http://schemas.openxmlformats.org/drawingml/2006/chart" xmlns:dgm="http://schemas.openxmlformats.org/drawingml/2006/diagram" xmlns:o="urn:schemas-microsoft-com:office:office" xmlns:v="urn:schemas-microsoft-com:vml" xmlns:pvml="urn:schemas-microsoft-com:office:powerpoint" xmlns:com="http://schemas.openxmlformats.org/drawingml/2006/compatibility" xmlns:p14="http://schemas.microsoft.com/office/powerpoint/2010/main">
+<p:sld xmlns:a="http://schemas.openxmlformats.org/drawingml/2006/main" xmlns:r="http://schemas.openxmlformats.org/officeDocument/2006/relationships" xmlns:p="http://schemas.openxmlformats.org/presentationml/2006/main">
   <p:cSld>
     <p:spTree>
       <p:nvGrpSpPr>
-        <p:cNvPr id="103" name="Shape 103"/>
+        <p:cNvPr id="1" name="Shape 103"/>
         <p:cNvGrpSpPr/>
         <p:nvPr/>
       </p:nvGrpSpPr>
@@ -15355,7 +15831,9 @@
       <p:sp>
         <p:nvSpPr>
           <p:cNvPr id="104" name="Shape 104"/>
-          <p:cNvSpPr txBox="1"/>
+          <p:cNvSpPr txBox="1">
+            <a:spLocks noGrp="1"/>
+          </p:cNvSpPr>
           <p:nvPr>
             <p:ph type="title"/>
           </p:nvPr>
@@ -15370,7 +15848,7 @@
           </a:prstGeom>
         </p:spPr>
         <p:txBody>
-          <a:bodyPr anchorCtr="0" anchor="t" bIns="91425" lIns="91425" rIns="91425" tIns="91425">
+          <a:bodyPr lIns="91425" tIns="91425" rIns="91425" bIns="91425" anchor="t" anchorCtr="0">
             <a:noAutofit/>
           </a:bodyPr>
           <a:lstStyle/>
@@ -15391,9 +15869,11 @@
       <p:sp>
         <p:nvSpPr>
           <p:cNvPr id="105" name="Shape 105"/>
-          <p:cNvSpPr txBox="1"/>
+          <p:cNvSpPr txBox="1">
+            <a:spLocks noGrp="1"/>
+          </p:cNvSpPr>
           <p:nvPr>
-            <p:ph idx="1" type="body"/>
+            <p:ph type="body" idx="1"/>
           </p:nvPr>
         </p:nvSpPr>
         <p:spPr>
@@ -15406,7 +15886,7 @@
           </a:prstGeom>
         </p:spPr>
         <p:txBody>
-          <a:bodyPr anchorCtr="0" anchor="t" bIns="91425" lIns="91425" rIns="91425" tIns="91425">
+          <a:bodyPr lIns="91425" tIns="91425" rIns="91425" bIns="91425" anchor="t" anchorCtr="0">
             <a:noAutofit/>
           </a:bodyPr>
           <a:lstStyle/>
@@ -16092,7 +16572,7 @@
             </a:r>
           </a:p>
           <a:p>
-            <a:pPr indent="0" lvl="0" marL="0" rtl="0">
+            <a:pPr marL="0" lvl="0" indent="0" rtl="0">
               <a:lnSpc>
                 <a:spcPct val="115000"/>
               </a:lnSpc>
@@ -16222,9 +16702,6 @@
               </a:spcAft>
               <a:buNone/>
             </a:pPr>
-            <a:r>
-              <a:t/>
-            </a:r>
             <a:endParaRPr sz="1200">
               <a:solidFill>
                 <a:srgbClr val="000000"/>
@@ -16267,9 +16744,6 @@
               </a:spcBef>
               <a:buNone/>
             </a:pPr>
-            <a:r>
-              <a:t/>
-            </a:r>
             <a:endParaRPr/>
           </a:p>
         </p:txBody>
@@ -16283,11 +16757,11 @@
 </file>
 
 <file path=ppt/slides/slide8.xml><?xml version="1.0" encoding="utf-8"?>
-<p:sld xmlns:a="http://schemas.openxmlformats.org/drawingml/2006/main" xmlns:r="http://schemas.openxmlformats.org/officeDocument/2006/relationships" xmlns:mc="http://schemas.openxmlformats.org/markup-compatibility/2006" xmlns:mv="urn:schemas-microsoft-com:mac:vml" xmlns:p="http://schemas.openxmlformats.org/presentationml/2006/main" xmlns:c="http://schemas.openxmlformats.org/drawingml/2006/chart" xmlns:dgm="http://schemas.openxmlformats.org/drawingml/2006/diagram" xmlns:o="urn:schemas-microsoft-com:office:office" xmlns:v="urn:schemas-microsoft-com:vml" xmlns:pvml="urn:schemas-microsoft-com:office:powerpoint" xmlns:com="http://schemas.openxmlformats.org/drawingml/2006/compatibility" xmlns:p14="http://schemas.microsoft.com/office/powerpoint/2010/main">
+<p:sld xmlns:a="http://schemas.openxmlformats.org/drawingml/2006/main" xmlns:r="http://schemas.openxmlformats.org/officeDocument/2006/relationships" xmlns:p="http://schemas.openxmlformats.org/presentationml/2006/main">
   <p:cSld>
     <p:spTree>
       <p:nvGrpSpPr>
-        <p:cNvPr id="109" name="Shape 109"/>
+        <p:cNvPr id="1" name="Shape 109"/>
         <p:cNvGrpSpPr/>
         <p:nvPr/>
       </p:nvGrpSpPr>
@@ -16302,7 +16776,9 @@
       <p:sp>
         <p:nvSpPr>
           <p:cNvPr id="110" name="Shape 110"/>
-          <p:cNvSpPr txBox="1"/>
+          <p:cNvSpPr txBox="1">
+            <a:spLocks noGrp="1"/>
+          </p:cNvSpPr>
           <p:nvPr>
             <p:ph type="title"/>
           </p:nvPr>
@@ -16317,7 +16793,7 @@
           </a:prstGeom>
         </p:spPr>
         <p:txBody>
-          <a:bodyPr anchorCtr="0" anchor="t" bIns="91425" lIns="91425" rIns="91425" tIns="91425">
+          <a:bodyPr lIns="91425" tIns="91425" rIns="91425" bIns="91425" anchor="t" anchorCtr="0">
             <a:noAutofit/>
           </a:bodyPr>
           <a:lstStyle/>
@@ -16338,9 +16814,11 @@
       <p:sp>
         <p:nvSpPr>
           <p:cNvPr id="111" name="Shape 111"/>
-          <p:cNvSpPr txBox="1"/>
+          <p:cNvSpPr txBox="1">
+            <a:spLocks noGrp="1"/>
+          </p:cNvSpPr>
           <p:nvPr>
-            <p:ph idx="1" type="body"/>
+            <p:ph type="body" idx="1"/>
           </p:nvPr>
         </p:nvSpPr>
         <p:spPr>
@@ -16353,7 +16831,7 @@
           </a:prstGeom>
         </p:spPr>
         <p:txBody>
-          <a:bodyPr anchorCtr="0" anchor="t" bIns="91425" lIns="91425" rIns="91425" tIns="91425">
+          <a:bodyPr lIns="91425" tIns="91425" rIns="91425" bIns="91425" anchor="t" anchorCtr="0">
             <a:noAutofit/>
           </a:bodyPr>
           <a:lstStyle/>
@@ -16376,7 +16854,7 @@
             </a:r>
           </a:p>
           <a:p>
-            <a:pPr indent="0" lvl="0" marL="457200" rtl="0">
+            <a:pPr marL="457200" lvl="0" indent="0" rtl="0">
               <a:lnSpc>
                 <a:spcPct val="115000"/>
               </a:lnSpc>
@@ -16450,7 +16928,7 @@
             </a:r>
           </a:p>
           <a:p>
-            <a:pPr indent="0" lvl="0" marL="457200" rtl="0">
+            <a:pPr marL="457200" lvl="0" indent="0" rtl="0">
               <a:lnSpc>
                 <a:spcPct val="115000"/>
               </a:lnSpc>
@@ -16509,7 +16987,7 @@
             </a:r>
           </a:p>
           <a:p>
-            <a:pPr indent="0" lvl="0" marL="457200" rtl="0">
+            <a:pPr marL="457200" lvl="0" indent="0" rtl="0">
               <a:lnSpc>
                 <a:spcPct val="115000"/>
               </a:lnSpc>
@@ -16521,9 +16999,6 @@
               </a:spcAft>
               <a:buNone/>
             </a:pPr>
-            <a:r>
-              <a:t/>
-            </a:r>
             <a:endParaRPr sz="1200">
               <a:solidFill>
                 <a:srgbClr val="999999"/>
@@ -16538,7 +17013,7 @@
             </a:endParaRPr>
           </a:p>
           <a:p>
-            <a:pPr indent="0" lvl="0" marL="457200" rtl="0">
+            <a:pPr marL="457200" lvl="0" indent="0" rtl="0">
               <a:lnSpc>
                 <a:spcPct val="115000"/>
               </a:lnSpc>
@@ -16567,7 +17042,7 @@
             </a:r>
           </a:p>
           <a:p>
-            <a:pPr indent="0" lvl="0" marL="457200" rtl="0">
+            <a:pPr marL="457200" lvl="0" indent="0" rtl="0">
               <a:lnSpc>
                 <a:spcPct val="115000"/>
               </a:lnSpc>
@@ -16579,9 +17054,6 @@
               </a:spcAft>
               <a:buNone/>
             </a:pPr>
-            <a:r>
-              <a:t/>
-            </a:r>
             <a:endParaRPr sz="1200">
               <a:solidFill>
                 <a:srgbClr val="999999"/>
@@ -16596,7 +17068,7 @@
             </a:endParaRPr>
           </a:p>
           <a:p>
-            <a:pPr indent="0" lvl="0" marL="457200" rtl="0">
+            <a:pPr marL="457200" lvl="0" indent="0" rtl="0">
               <a:lnSpc>
                 <a:spcPct val="140000"/>
               </a:lnSpc>
@@ -16655,7 +17127,7 @@
             </a:r>
           </a:p>
           <a:p>
-            <a:pPr indent="0" lvl="0" marL="457200" rtl="0">
+            <a:pPr marL="457200" lvl="0" indent="0" rtl="0">
               <a:lnSpc>
                 <a:spcPct val="140000"/>
               </a:lnSpc>
@@ -16744,7 +17216,7 @@
             </a:r>
           </a:p>
           <a:p>
-            <a:pPr indent="0" lvl="0" marL="457200" rtl="0">
+            <a:pPr marL="457200" lvl="0" indent="0" rtl="0">
               <a:lnSpc>
                 <a:spcPct val="115000"/>
               </a:lnSpc>
@@ -16845,9 +17317,6 @@
               </a:spcAft>
               <a:buNone/>
             </a:pPr>
-            <a:r>
-              <a:t/>
-            </a:r>
             <a:endParaRPr sz="1200">
               <a:solidFill>
                 <a:srgbClr val="999999"/>
@@ -16874,9 +17343,6 @@
               </a:spcAft>
               <a:buNone/>
             </a:pPr>
-            <a:r>
-              <a:t/>
-            </a:r>
             <a:endParaRPr sz="1200">
               <a:solidFill>
                 <a:srgbClr val="999999"/>
@@ -17076,9 +17542,6 @@
               </a:spcBef>
               <a:buNone/>
             </a:pPr>
-            <a:r>
-              <a:t/>
-            </a:r>
             <a:endParaRPr/>
           </a:p>
         </p:txBody>
@@ -17092,11 +17555,11 @@
 </file>
 
 <file path=ppt/slides/slide9.xml><?xml version="1.0" encoding="utf-8"?>
-<p:sld xmlns:a="http://schemas.openxmlformats.org/drawingml/2006/main" xmlns:r="http://schemas.openxmlformats.org/officeDocument/2006/relationships" xmlns:mc="http://schemas.openxmlformats.org/markup-compatibility/2006" xmlns:mv="urn:schemas-microsoft-com:mac:vml" xmlns:p="http://schemas.openxmlformats.org/presentationml/2006/main" xmlns:c="http://schemas.openxmlformats.org/drawingml/2006/chart" xmlns:dgm="http://schemas.openxmlformats.org/drawingml/2006/diagram" xmlns:o="urn:schemas-microsoft-com:office:office" xmlns:v="urn:schemas-microsoft-com:vml" xmlns:pvml="urn:schemas-microsoft-com:office:powerpoint" xmlns:com="http://schemas.openxmlformats.org/drawingml/2006/compatibility" xmlns:p14="http://schemas.microsoft.com/office/powerpoint/2010/main">
+<p:sld xmlns:a="http://schemas.openxmlformats.org/drawingml/2006/main" xmlns:r="http://schemas.openxmlformats.org/officeDocument/2006/relationships" xmlns:p="http://schemas.openxmlformats.org/presentationml/2006/main">
   <p:cSld>
     <p:spTree>
       <p:nvGrpSpPr>
-        <p:cNvPr id="115" name="Shape 115"/>
+        <p:cNvPr id="1" name="Shape 115"/>
         <p:cNvGrpSpPr/>
         <p:nvPr/>
       </p:nvGrpSpPr>
@@ -17111,7 +17574,9 @@
       <p:sp>
         <p:nvSpPr>
           <p:cNvPr id="116" name="Shape 116"/>
-          <p:cNvSpPr txBox="1"/>
+          <p:cNvSpPr txBox="1">
+            <a:spLocks noGrp="1"/>
+          </p:cNvSpPr>
           <p:nvPr>
             <p:ph type="title"/>
           </p:nvPr>
@@ -17126,7 +17591,7 @@
           </a:prstGeom>
         </p:spPr>
         <p:txBody>
-          <a:bodyPr anchorCtr="0" anchor="ctr" bIns="91425" lIns="91425" rIns="91425" tIns="91425">
+          <a:bodyPr lIns="91425" tIns="91425" rIns="91425" bIns="91425" anchor="ctr" anchorCtr="0">
             <a:noAutofit/>
           </a:bodyPr>
           <a:lstStyle/>
@@ -17138,7 +17603,7 @@
               <a:buNone/>
             </a:pPr>
             <a:r>
-              <a:rPr lang="en"/>
+              <a:rPr lang="en" dirty="0"/>
               <a:t>Any questions?</a:t>
             </a:r>
           </a:p>
@@ -17153,7 +17618,7 @@
 </file>
 
 <file path=ppt/theme/theme1.xml><?xml version="1.0" encoding="utf-8"?>
-<a:theme xmlns:a="http://schemas.openxmlformats.org/drawingml/2006/main" xmlns:r="http://schemas.openxmlformats.org/officeDocument/2006/relationships" name="tropic">
+<a:theme xmlns:a="http://schemas.openxmlformats.org/drawingml/2006/main" name="tropic">
   <a:themeElements>
     <a:clrScheme name="Tropic">
       <a:dk1>
@@ -17428,11 +17893,13 @@
       </a:bgFillStyleLst>
     </a:fmtScheme>
   </a:themeElements>
+  <a:objectDefaults/>
+  <a:extraClrSchemeLst/>
 </a:theme>
 </file>
 
 <file path=ppt/theme/theme2.xml><?xml version="1.0" encoding="utf-8"?>
-<a:theme xmlns:a="http://schemas.openxmlformats.org/drawingml/2006/main" xmlns:r="http://schemas.openxmlformats.org/officeDocument/2006/relationships" name="Custom Theme">
+<a:theme xmlns:a="http://schemas.openxmlformats.org/drawingml/2006/main" name="Custom Theme">
   <a:themeElements>
     <a:clrScheme name="Default">
       <a:dk1>
@@ -17707,5 +18174,7 @@
       </a:bgFillStyleLst>
     </a:fmtScheme>
   </a:themeElements>
+  <a:objectDefaults/>
+  <a:extraClrSchemeLst/>
 </a:theme>
 </file>